--- a/handout/kanon.pptx
+++ b/handout/kanon.pptx
@@ -6581,254 +6581,12 @@
           <a:chExt cx="0" cy="0"/>
         </a:xfrm>
       </p:grpSpPr>
-      <p:sp>
-        <p:nvSpPr>
-          <p:cNvPr id="32" name="テキスト ボックス 31">
-            <a:extLst>
-              <a:ext uri="{FF2B5EF4-FFF2-40B4-BE49-F238E27FC236}">
-                <a16:creationId xmlns:a16="http://schemas.microsoft.com/office/drawing/2014/main" id="{A7FDCAB3-5B26-EEAE-073B-887F1D513961}"/>
-              </a:ext>
-            </a:extLst>
-          </p:cNvPr>
-          <p:cNvSpPr txBox="1"/>
-          <p:nvPr/>
-        </p:nvSpPr>
-        <p:spPr>
-          <a:xfrm>
-            <a:off x="5535018" y="1213619"/>
-            <a:ext cx="6115040" cy="369332"/>
-          </a:xfrm>
-          <a:prstGeom prst="rect">
-            <a:avLst/>
-          </a:prstGeom>
-          <a:solidFill>
-            <a:schemeClr val="accent1">
-              <a:lumMod val="20000"/>
-              <a:lumOff val="80000"/>
-            </a:schemeClr>
-          </a:solidFill>
-        </p:spPr>
-        <p:txBody>
-          <a:bodyPr wrap="square" rtlCol="0">
-            <a:spAutoFit/>
-          </a:bodyPr>
-          <a:lstStyle/>
-          <a:p>
-            <a:endParaRPr kumimoji="1" lang="ja-JP" altLang="en-US" dirty="0"/>
-          </a:p>
-        </p:txBody>
-      </p:sp>
-      <p:sp>
-        <p:nvSpPr>
-          <p:cNvPr id="10" name="テキスト ボックス 9">
-            <a:extLst>
-              <a:ext uri="{FF2B5EF4-FFF2-40B4-BE49-F238E27FC236}">
-                <a16:creationId xmlns:a16="http://schemas.microsoft.com/office/drawing/2014/main" id="{BC5A6197-ECEC-4BE4-5D1A-705A85D77BBB}"/>
-              </a:ext>
-            </a:extLst>
-          </p:cNvPr>
-          <p:cNvSpPr txBox="1"/>
-          <p:nvPr/>
-        </p:nvSpPr>
-        <p:spPr>
-          <a:xfrm>
-            <a:off x="5535018" y="1195467"/>
-            <a:ext cx="6115050" cy="2585323"/>
-          </a:xfrm>
-          <a:prstGeom prst="rect">
-            <a:avLst/>
-          </a:prstGeom>
-          <a:noFill/>
-          <a:ln w="28575">
-            <a:solidFill>
-              <a:schemeClr val="accent1"/>
-            </a:solidFill>
-          </a:ln>
-        </p:spPr>
-        <p:txBody>
-          <a:bodyPr wrap="square">
-            <a:spAutoFit/>
-          </a:bodyPr>
-          <a:lstStyle/>
-          <a:p>
-            <a:r>
-              <a:rPr lang="ja-JP" altLang="en-US" dirty="0"/>
-              <a:t>           機能　　　　　　　　　　　使用技術</a:t>
-            </a:r>
-            <a:endParaRPr lang="en-US" altLang="ja-JP" dirty="0"/>
-          </a:p>
-          <a:p>
-            <a:endParaRPr lang="en-US" altLang="ja-JP" dirty="0"/>
-          </a:p>
-          <a:p>
-            <a:r>
-              <a:rPr lang="ja-JP" altLang="en-US" dirty="0"/>
-              <a:t>         地図表示</a:t>
-            </a:r>
-            <a:endParaRPr lang="en-US" altLang="ja-JP" dirty="0"/>
-          </a:p>
-          <a:p>
-            <a:endParaRPr lang="en-US" altLang="ja-JP" dirty="0"/>
-          </a:p>
-          <a:p>
-            <a:r>
-              <a:rPr lang="ja-JP" altLang="en-US" dirty="0"/>
-              <a:t>        観光地登録</a:t>
-            </a:r>
-            <a:endParaRPr lang="en-US" altLang="ja-JP" dirty="0"/>
-          </a:p>
-          <a:p>
-            <a:endParaRPr lang="en-US" altLang="ja-JP" dirty="0"/>
-          </a:p>
-          <a:p>
-            <a:r>
-              <a:rPr lang="ja-JP" altLang="en-US" dirty="0"/>
-              <a:t>   移動時間の自動算出</a:t>
-            </a:r>
-            <a:endParaRPr lang="en-US" altLang="ja-JP" dirty="0"/>
-          </a:p>
-          <a:p>
-            <a:endParaRPr lang="en-US" altLang="ja-JP" dirty="0"/>
-          </a:p>
-          <a:p>
-            <a:r>
-              <a:rPr lang="ja-JP" altLang="en-US" dirty="0"/>
-              <a:t>    訪問順序入れ替え</a:t>
-            </a:r>
-            <a:endParaRPr lang="en-US" altLang="ja-JP" dirty="0">
-              <a:latin typeface="CMR12"/>
-            </a:endParaRPr>
-          </a:p>
-        </p:txBody>
-      </p:sp>
-      <p:sp>
-        <p:nvSpPr>
-          <p:cNvPr id="4" name="テキスト ボックス 3">
-            <a:extLst>
-              <a:ext uri="{FF2B5EF4-FFF2-40B4-BE49-F238E27FC236}">
-                <a16:creationId xmlns:a16="http://schemas.microsoft.com/office/drawing/2014/main" id="{B81D8629-8F8E-46FE-6318-1A421D546D51}"/>
-              </a:ext>
-            </a:extLst>
-          </p:cNvPr>
-          <p:cNvSpPr txBox="1"/>
-          <p:nvPr/>
-        </p:nvSpPr>
-        <p:spPr>
-          <a:xfrm>
-            <a:off x="467360" y="255181"/>
-            <a:ext cx="2631440" cy="584775"/>
-          </a:xfrm>
-          <a:prstGeom prst="rect">
-            <a:avLst/>
-          </a:prstGeom>
-          <a:noFill/>
-        </p:spPr>
-        <p:txBody>
-          <a:bodyPr wrap="square" rtlCol="0">
-            <a:spAutoFit/>
-          </a:bodyPr>
-          <a:lstStyle/>
-          <a:p>
-            <a:r>
-              <a:rPr kumimoji="1" lang="ja-JP" altLang="en-US" sz="3200" dirty="0"/>
-              <a:t>旅行詳細画面</a:t>
-            </a:r>
-          </a:p>
-        </p:txBody>
-      </p:sp>
-      <p:sp>
-        <p:nvSpPr>
-          <p:cNvPr id="5" name="テキスト ボックス 4">
-            <a:extLst>
-              <a:ext uri="{FF2B5EF4-FFF2-40B4-BE49-F238E27FC236}">
-                <a16:creationId xmlns:a16="http://schemas.microsoft.com/office/drawing/2014/main" id="{B4DCA592-299B-91D5-948C-1BAF76354F14}"/>
-              </a:ext>
-            </a:extLst>
-          </p:cNvPr>
-          <p:cNvSpPr txBox="1"/>
-          <p:nvPr/>
-        </p:nvSpPr>
-        <p:spPr>
-          <a:xfrm>
-            <a:off x="1040130" y="1260067"/>
-            <a:ext cx="4815840" cy="1938992"/>
-          </a:xfrm>
-          <a:prstGeom prst="rect">
-            <a:avLst/>
-          </a:prstGeom>
-          <a:noFill/>
-        </p:spPr>
-        <p:txBody>
-          <a:bodyPr wrap="square" rtlCol="0">
-            <a:spAutoFit/>
-          </a:bodyPr>
-          <a:lstStyle/>
-          <a:p>
-            <a:r>
-              <a:rPr kumimoji="1" lang="en-US" altLang="ja-JP" sz="2000" dirty="0"/>
-              <a:t>- </a:t>
-            </a:r>
-            <a:r>
-              <a:rPr kumimoji="1" lang="ja-JP" altLang="en-US" sz="2000" dirty="0"/>
-              <a:t>地図表示</a:t>
-            </a:r>
-            <a:endParaRPr kumimoji="1" lang="en-US" altLang="ja-JP" sz="2000" dirty="0"/>
-          </a:p>
-          <a:p>
-            <a:r>
-              <a:rPr lang="en-US" altLang="ja-JP" sz="2000" dirty="0"/>
-              <a:t>- </a:t>
-            </a:r>
-            <a:r>
-              <a:rPr lang="ja-JP" altLang="en-US" sz="2000" dirty="0"/>
-              <a:t>観光地登録</a:t>
-            </a:r>
-            <a:endParaRPr lang="en-US" altLang="ja-JP" sz="2000" dirty="0"/>
-          </a:p>
-          <a:p>
-            <a:r>
-              <a:rPr lang="en-US" altLang="ja-JP" sz="2000" dirty="0"/>
-              <a:t>-</a:t>
-            </a:r>
-            <a:r>
-              <a:rPr lang="ja-JP" altLang="en-US" sz="2000" dirty="0"/>
-              <a:t> 観光地の移動時間を自動算出</a:t>
-            </a:r>
-            <a:endParaRPr lang="en-US" altLang="ja-JP" sz="2000" dirty="0"/>
-          </a:p>
-          <a:p>
-            <a:r>
-              <a:rPr lang="en-US" altLang="ja-JP" sz="2000" dirty="0"/>
-              <a:t>- </a:t>
-            </a:r>
-            <a:r>
-              <a:rPr lang="ja-JP" altLang="en-US" sz="2000" dirty="0"/>
-              <a:t>訪問順序入れ替え</a:t>
-            </a:r>
-            <a:endParaRPr lang="en-US" altLang="ja-JP" sz="2000" dirty="0"/>
-          </a:p>
-          <a:p>
-            <a:r>
-              <a:rPr kumimoji="1" lang="en-US" altLang="ja-JP" sz="2000" dirty="0"/>
-              <a:t>- </a:t>
-            </a:r>
-            <a:r>
-              <a:rPr kumimoji="1" lang="ja-JP" altLang="en-US" sz="2000" dirty="0"/>
-              <a:t>タブ切り替え</a:t>
-            </a:r>
-            <a:endParaRPr kumimoji="1" lang="en-US" altLang="ja-JP" sz="2000" dirty="0"/>
-          </a:p>
-          <a:p>
-            <a:endParaRPr lang="en-US" altLang="ja-JP" sz="2000" dirty="0"/>
-          </a:p>
-        </p:txBody>
-      </p:sp>
       <p:pic>
         <p:nvPicPr>
-          <p:cNvPr id="7" name="図 6">
-            <a:extLst>
-              <a:ext uri="{FF2B5EF4-FFF2-40B4-BE49-F238E27FC236}">
-                <a16:creationId xmlns:a16="http://schemas.microsoft.com/office/drawing/2014/main" id="{53B07E3F-BC5C-15CC-E220-3B2B3EC77B54}"/>
+          <p:cNvPr id="19" name="図 18">
+            <a:extLst>
+              <a:ext uri="{FF2B5EF4-FFF2-40B4-BE49-F238E27FC236}">
+                <a16:creationId xmlns:a16="http://schemas.microsoft.com/office/drawing/2014/main" id="{14FDAC44-C069-B023-5297-13B5BA30717A}"/>
               </a:ext>
             </a:extLst>
           </p:cNvPr>
@@ -6845,8 +6603,8 @@
         </p:blipFill>
         <p:spPr>
           <a:xfrm>
-            <a:off x="215540" y="3794760"/>
-            <a:ext cx="5319479" cy="2646680"/>
+            <a:off x="147938" y="3695837"/>
+            <a:ext cx="5035706" cy="2650048"/>
           </a:xfrm>
           <a:prstGeom prst="rect">
             <a:avLst/>
@@ -6855,10 +6613,10 @@
       </p:pic>
       <p:pic>
         <p:nvPicPr>
-          <p:cNvPr id="9" name="図 8">
-            <a:extLst>
-              <a:ext uri="{FF2B5EF4-FFF2-40B4-BE49-F238E27FC236}">
-                <a16:creationId xmlns:a16="http://schemas.microsoft.com/office/drawing/2014/main" id="{5E71DC65-B4EE-5E2E-D021-422DE8991293}"/>
+          <p:cNvPr id="8" name="図 7">
+            <a:extLst>
+              <a:ext uri="{FF2B5EF4-FFF2-40B4-BE49-F238E27FC236}">
+                <a16:creationId xmlns:a16="http://schemas.microsoft.com/office/drawing/2014/main" id="{1CB0FD59-7658-5CA1-0079-8C208FD2276E}"/>
               </a:ext>
             </a:extLst>
           </p:cNvPr>
@@ -6869,21 +6627,262 @@
         </p:nvPicPr>
         <p:blipFill>
           <a:blip r:embed="rId4"/>
-          <a:srcRect b="3200"/>
           <a:stretch>
             <a:fillRect/>
           </a:stretch>
         </p:blipFill>
         <p:spPr>
           <a:xfrm>
-            <a:off x="5815509" y="4061111"/>
-            <a:ext cx="6293533" cy="2646680"/>
+            <a:off x="5559906" y="4061111"/>
+            <a:ext cx="6274108" cy="2650048"/>
           </a:xfrm>
           <a:prstGeom prst="rect">
             <a:avLst/>
           </a:prstGeom>
         </p:spPr>
       </p:pic>
+      <p:sp>
+        <p:nvSpPr>
+          <p:cNvPr id="32" name="テキスト ボックス 31">
+            <a:extLst>
+              <a:ext uri="{FF2B5EF4-FFF2-40B4-BE49-F238E27FC236}">
+                <a16:creationId xmlns:a16="http://schemas.microsoft.com/office/drawing/2014/main" id="{A7FDCAB3-5B26-EEAE-073B-887F1D513961}"/>
+              </a:ext>
+            </a:extLst>
+          </p:cNvPr>
+          <p:cNvSpPr txBox="1"/>
+          <p:nvPr/>
+        </p:nvSpPr>
+        <p:spPr>
+          <a:xfrm>
+            <a:off x="5535018" y="1213619"/>
+            <a:ext cx="6115040" cy="369332"/>
+          </a:xfrm>
+          <a:prstGeom prst="rect">
+            <a:avLst/>
+          </a:prstGeom>
+          <a:solidFill>
+            <a:schemeClr val="accent1">
+              <a:lumMod val="20000"/>
+              <a:lumOff val="80000"/>
+            </a:schemeClr>
+          </a:solidFill>
+        </p:spPr>
+        <p:txBody>
+          <a:bodyPr wrap="square" rtlCol="0">
+            <a:spAutoFit/>
+          </a:bodyPr>
+          <a:lstStyle/>
+          <a:p>
+            <a:endParaRPr kumimoji="1" lang="ja-JP" altLang="en-US" dirty="0"/>
+          </a:p>
+        </p:txBody>
+      </p:sp>
+      <p:sp>
+        <p:nvSpPr>
+          <p:cNvPr id="10" name="テキスト ボックス 9">
+            <a:extLst>
+              <a:ext uri="{FF2B5EF4-FFF2-40B4-BE49-F238E27FC236}">
+                <a16:creationId xmlns:a16="http://schemas.microsoft.com/office/drawing/2014/main" id="{BC5A6197-ECEC-4BE4-5D1A-705A85D77BBB}"/>
+              </a:ext>
+            </a:extLst>
+          </p:cNvPr>
+          <p:cNvSpPr txBox="1"/>
+          <p:nvPr/>
+        </p:nvSpPr>
+        <p:spPr>
+          <a:xfrm>
+            <a:off x="5535018" y="1195467"/>
+            <a:ext cx="6115050" cy="2585323"/>
+          </a:xfrm>
+          <a:prstGeom prst="rect">
+            <a:avLst/>
+          </a:prstGeom>
+          <a:noFill/>
+          <a:ln w="28575">
+            <a:solidFill>
+              <a:schemeClr val="accent1"/>
+            </a:solidFill>
+          </a:ln>
+        </p:spPr>
+        <p:txBody>
+          <a:bodyPr wrap="square">
+            <a:spAutoFit/>
+          </a:bodyPr>
+          <a:lstStyle/>
+          <a:p>
+            <a:r>
+              <a:rPr lang="ja-JP" altLang="en-US" dirty="0"/>
+              <a:t>           機能　　　　　　　　　　　使用技術</a:t>
+            </a:r>
+            <a:endParaRPr lang="en-US" altLang="ja-JP" dirty="0"/>
+          </a:p>
+          <a:p>
+            <a:endParaRPr lang="en-US" altLang="ja-JP" dirty="0"/>
+          </a:p>
+          <a:p>
+            <a:r>
+              <a:rPr lang="ja-JP" altLang="en-US" dirty="0"/>
+              <a:t>         地図表示</a:t>
+            </a:r>
+            <a:endParaRPr lang="en-US" altLang="ja-JP" dirty="0"/>
+          </a:p>
+          <a:p>
+            <a:endParaRPr lang="en-US" altLang="ja-JP" dirty="0"/>
+          </a:p>
+          <a:p>
+            <a:r>
+              <a:rPr lang="ja-JP" altLang="en-US" dirty="0"/>
+              <a:t>        観光地登録</a:t>
+            </a:r>
+            <a:endParaRPr lang="en-US" altLang="ja-JP" dirty="0"/>
+          </a:p>
+          <a:p>
+            <a:endParaRPr lang="en-US" altLang="ja-JP" dirty="0"/>
+          </a:p>
+          <a:p>
+            <a:r>
+              <a:rPr lang="ja-JP" altLang="en-US" dirty="0"/>
+              <a:t>   移動時間の自動算出</a:t>
+            </a:r>
+            <a:endParaRPr lang="en-US" altLang="ja-JP" dirty="0"/>
+          </a:p>
+          <a:p>
+            <a:endParaRPr lang="en-US" altLang="ja-JP" dirty="0"/>
+          </a:p>
+          <a:p>
+            <a:r>
+              <a:rPr lang="ja-JP" altLang="en-US" dirty="0"/>
+              <a:t>    訪問順序入れ替え</a:t>
+            </a:r>
+            <a:endParaRPr lang="en-US" altLang="ja-JP" dirty="0">
+              <a:latin typeface="CMR12"/>
+            </a:endParaRPr>
+          </a:p>
+        </p:txBody>
+      </p:sp>
+      <p:sp>
+        <p:nvSpPr>
+          <p:cNvPr id="4" name="テキスト ボックス 3">
+            <a:extLst>
+              <a:ext uri="{FF2B5EF4-FFF2-40B4-BE49-F238E27FC236}">
+                <a16:creationId xmlns:a16="http://schemas.microsoft.com/office/drawing/2014/main" id="{B81D8629-8F8E-46FE-6318-1A421D546D51}"/>
+              </a:ext>
+            </a:extLst>
+          </p:cNvPr>
+          <p:cNvSpPr txBox="1"/>
+          <p:nvPr/>
+        </p:nvSpPr>
+        <p:spPr>
+          <a:xfrm>
+            <a:off x="467360" y="255181"/>
+            <a:ext cx="2631440" cy="584775"/>
+          </a:xfrm>
+          <a:prstGeom prst="rect">
+            <a:avLst/>
+          </a:prstGeom>
+          <a:noFill/>
+        </p:spPr>
+        <p:txBody>
+          <a:bodyPr wrap="square" rtlCol="0">
+            <a:spAutoFit/>
+          </a:bodyPr>
+          <a:lstStyle/>
+          <a:p>
+            <a:r>
+              <a:rPr kumimoji="1" lang="ja-JP" altLang="en-US" sz="3200" dirty="0"/>
+              <a:t>旅行詳細画面</a:t>
+            </a:r>
+          </a:p>
+        </p:txBody>
+      </p:sp>
+      <p:sp>
+        <p:nvSpPr>
+          <p:cNvPr id="5" name="テキスト ボックス 4">
+            <a:extLst>
+              <a:ext uri="{FF2B5EF4-FFF2-40B4-BE49-F238E27FC236}">
+                <a16:creationId xmlns:a16="http://schemas.microsoft.com/office/drawing/2014/main" id="{B4DCA592-299B-91D5-948C-1BAF76354F14}"/>
+              </a:ext>
+            </a:extLst>
+          </p:cNvPr>
+          <p:cNvSpPr txBox="1"/>
+          <p:nvPr/>
+        </p:nvSpPr>
+        <p:spPr>
+          <a:xfrm>
+            <a:off x="1040130" y="1260067"/>
+            <a:ext cx="4815840" cy="1938992"/>
+          </a:xfrm>
+          <a:prstGeom prst="rect">
+            <a:avLst/>
+          </a:prstGeom>
+          <a:noFill/>
+        </p:spPr>
+        <p:txBody>
+          <a:bodyPr wrap="square" rtlCol="0">
+            <a:spAutoFit/>
+          </a:bodyPr>
+          <a:lstStyle/>
+          <a:p>
+            <a:r>
+              <a:rPr kumimoji="1" lang="en-US" altLang="ja-JP" sz="2000" dirty="0"/>
+              <a:t>- </a:t>
+            </a:r>
+            <a:r>
+              <a:rPr kumimoji="1" lang="ja-JP" altLang="en-US" sz="2000" dirty="0"/>
+              <a:t>地図表示</a:t>
+            </a:r>
+            <a:endParaRPr kumimoji="1" lang="en-US" altLang="ja-JP" sz="2000" dirty="0"/>
+          </a:p>
+          <a:p>
+            <a:r>
+              <a:rPr lang="en-US" altLang="ja-JP" sz="2000" dirty="0"/>
+              <a:t>- </a:t>
+            </a:r>
+            <a:r>
+              <a:rPr lang="ja-JP" altLang="en-US" sz="2000" dirty="0"/>
+              <a:t>観光地登録</a:t>
+            </a:r>
+            <a:endParaRPr lang="en-US" altLang="ja-JP" sz="2000" dirty="0"/>
+          </a:p>
+          <a:p>
+            <a:r>
+              <a:rPr lang="en-US" altLang="ja-JP" sz="2000" dirty="0"/>
+              <a:t>-</a:t>
+            </a:r>
+            <a:r>
+              <a:rPr lang="ja-JP" altLang="en-US" sz="2000" dirty="0"/>
+              <a:t> 観光地の移動時間を自動算出</a:t>
+            </a:r>
+            <a:endParaRPr lang="en-US" altLang="ja-JP" sz="2000" dirty="0"/>
+          </a:p>
+          <a:p>
+            <a:r>
+              <a:rPr lang="en-US" altLang="ja-JP" sz="2000" dirty="0"/>
+              <a:t>- </a:t>
+            </a:r>
+            <a:r>
+              <a:rPr lang="ja-JP" altLang="en-US" sz="2000" dirty="0"/>
+              <a:t>訪問順序入れ替え</a:t>
+            </a:r>
+            <a:endParaRPr lang="en-US" altLang="ja-JP" sz="2000" dirty="0"/>
+          </a:p>
+          <a:p>
+            <a:r>
+              <a:rPr kumimoji="1" lang="en-US" altLang="ja-JP" sz="2000" dirty="0"/>
+              <a:t>- </a:t>
+            </a:r>
+            <a:r>
+              <a:rPr kumimoji="1" lang="ja-JP" altLang="en-US" sz="2000" dirty="0"/>
+              <a:t>タブ切り替え</a:t>
+            </a:r>
+            <a:endParaRPr kumimoji="1" lang="en-US" altLang="ja-JP" sz="2000" dirty="0"/>
+          </a:p>
+          <a:p>
+            <a:endParaRPr lang="en-US" altLang="ja-JP" sz="2000" dirty="0"/>
+          </a:p>
+        </p:txBody>
+      </p:sp>
       <p:pic>
         <p:nvPicPr>
           <p:cNvPr id="11" name="図 10">

--- a/handout/kanon.pptx
+++ b/handout/kanon.pptx
@@ -5,17 +5,19 @@
     <p:sldMasterId id="2147483648" r:id="rId1"/>
   </p:sldMasterIdLst>
   <p:notesMasterIdLst>
-    <p:notesMasterId r:id="rId10"/>
+    <p:notesMasterId r:id="rId12"/>
   </p:notesMasterIdLst>
   <p:sldIdLst>
     <p:sldId id="256" r:id="rId2"/>
     <p:sldId id="257" r:id="rId3"/>
     <p:sldId id="258" r:id="rId4"/>
     <p:sldId id="261" r:id="rId5"/>
-    <p:sldId id="262" r:id="rId6"/>
+    <p:sldId id="267" r:id="rId6"/>
     <p:sldId id="264" r:id="rId7"/>
     <p:sldId id="263" r:id="rId8"/>
     <p:sldId id="265" r:id="rId9"/>
+    <p:sldId id="266" r:id="rId10"/>
+    <p:sldId id="262" r:id="rId11"/>
   </p:sldIdLst>
   <p:sldSz cx="12192000" cy="6858000"/>
   <p:notesSz cx="6858000" cy="9144000"/>
@@ -204,7 +206,7 @@
           <a:p>
             <a:fld id="{6EA21E39-0CF7-444B-9E08-38521256C5BD}" type="datetimeFigureOut">
               <a:rPr kumimoji="1" lang="ja-JP" altLang="en-US" smtClean="0"/>
-              <a:t>2026/2/10</a:t>
+              <a:t>2026/2/11</a:t>
             </a:fld>
             <a:endParaRPr kumimoji="1" lang="ja-JP" altLang="en-US"/>
           </a:p>
@@ -1131,14 +1133,14 @@
           <a:p>
             <a:r>
               <a:rPr lang="ja-JP" altLang="en-US" dirty="0"/>
-              <a:t>ログインが完了すると、旅行一覧画面が表示され、これまでに作成した旅行カードが一覧で確認できます。</a:t>
+              <a:t>ログインが完了すると、右下のように図のように旅行一覧画面が表示され、これまでに作成した旅行カードが一覧で確認できます。</a:t>
             </a:r>
             <a:endParaRPr lang="en-US" altLang="ja-JP" dirty="0"/>
           </a:p>
           <a:p>
             <a:r>
               <a:rPr lang="ja-JP" altLang="en-US" dirty="0"/>
-              <a:t>画面右上の</a:t>
+              <a:t>旅行一覧に表示されている右上の</a:t>
             </a:r>
             <a:r>
               <a:rPr lang="en-US" altLang="ja-JP" dirty="0"/>
@@ -1161,7 +1163,7 @@
           <a:p>
             <a:r>
               <a:rPr lang="ja-JP" altLang="en-US" dirty="0"/>
-              <a:t>このように、ユーザーは直感的な操作で旅行の記録を始めることができます。」</a:t>
+              <a:t>このように、ユーザーは直感的な操作で旅行の作成を始めることができます。</a:t>
             </a:r>
             <a:endParaRPr kumimoji="1" lang="ja-JP" altLang="en-US" dirty="0"/>
           </a:p>
@@ -1208,7 +1210,13 @@
   <p:cSld>
     <p:spTree>
       <p:nvGrpSpPr>
-        <p:cNvPr id="1" name=""/>
+        <p:cNvPr id="1" name="">
+          <a:extLst>
+            <a:ext uri="{FF2B5EF4-FFF2-40B4-BE49-F238E27FC236}">
+              <a16:creationId xmlns:a16="http://schemas.microsoft.com/office/drawing/2014/main" id="{932984F5-E5C4-7566-166F-FC440AD4947F}"/>
+            </a:ext>
+          </a:extLst>
+        </p:cNvPr>
         <p:cNvGrpSpPr/>
         <p:nvPr/>
       </p:nvGrpSpPr>
@@ -1222,7 +1230,13 @@
       </p:grpSpPr>
       <p:sp>
         <p:nvSpPr>
-          <p:cNvPr id="2" name="スライド イメージ プレースホルダー 1"/>
+          <p:cNvPr id="2" name="スライド イメージ プレースホルダー 1">
+            <a:extLst>
+              <a:ext uri="{FF2B5EF4-FFF2-40B4-BE49-F238E27FC236}">
+                <a16:creationId xmlns:a16="http://schemas.microsoft.com/office/drawing/2014/main" id="{ECF94AFE-AEC4-1792-22EA-26C7D39004F6}"/>
+              </a:ext>
+            </a:extLst>
+          </p:cNvPr>
           <p:cNvSpPr>
             <a:spLocks noGrp="1" noRot="1" noChangeAspect="1"/>
           </p:cNvSpPr>
@@ -1234,7 +1248,13 @@
       </p:sp>
       <p:sp>
         <p:nvSpPr>
-          <p:cNvPr id="3" name="ノート プレースホルダー 2"/>
+          <p:cNvPr id="3" name="ノート プレースホルダー 2">
+            <a:extLst>
+              <a:ext uri="{FF2B5EF4-FFF2-40B4-BE49-F238E27FC236}">
+                <a16:creationId xmlns:a16="http://schemas.microsoft.com/office/drawing/2014/main" id="{48E22F14-2ED4-1A84-464C-9B6564436D7F}"/>
+              </a:ext>
+            </a:extLst>
+          </p:cNvPr>
           <p:cNvSpPr>
             <a:spLocks noGrp="1"/>
           </p:cNvSpPr>
@@ -1265,14 +1285,10 @@
               <a:defRPr/>
             </a:pPr>
             <a:r>
-              <a:rPr lang="ja-JP" altLang="en-US" dirty="0">
-                <a:effectLst/>
-              </a:rPr>
-              <a:t>次にご紹介するのは、旅行詳細画面です。 </a:t>
-            </a:r>
-            <a:endParaRPr lang="en-US" altLang="ja-JP" dirty="0">
-              <a:effectLst/>
-            </a:endParaRPr>
+              <a:rPr lang="ja-JP" altLang="en-US" dirty="0"/>
+              <a:t>次にご紹介するのは、旅行詳細画面です。この画面では、旅行ごとの具体的な計画を立てることができます。 </a:t>
+            </a:r>
+            <a:endParaRPr lang="en-US" altLang="ja-JP" dirty="0"/>
           </a:p>
           <a:p>
             <a:pPr marL="0" marR="0" lvl="0" indent="0" algn="l" defTabSz="914400" rtl="0" eaLnBrk="1" fontAlgn="auto" latinLnBrk="0" hangingPunct="1">
@@ -1293,14 +1309,10 @@
               <a:defRPr/>
             </a:pPr>
             <a:r>
-              <a:rPr lang="ja-JP" altLang="en-US" dirty="0">
-                <a:effectLst/>
-              </a:rPr>
-              <a:t>この画面では、旅行ごとの具体的な計画を立てることができます。 </a:t>
-            </a:r>
-            <a:endParaRPr lang="en-US" altLang="ja-JP" dirty="0">
-              <a:effectLst/>
-            </a:endParaRPr>
+              <a:rPr lang="ja-JP" altLang="en-US" dirty="0"/>
+              <a:t>主な機能としては、地図の表示、観光地の登録、観光地間の移動時間の自動算出、訪問順序の入れ替え、そしてタブによる画面切り替えが可能です。 </a:t>
+            </a:r>
+            <a:endParaRPr lang="en-US" altLang="ja-JP" dirty="0"/>
           </a:p>
           <a:p>
             <a:pPr marL="0" marR="0" lvl="0" indent="0" algn="l" defTabSz="914400" rtl="0" eaLnBrk="1" fontAlgn="auto" latinLnBrk="0" hangingPunct="1">
@@ -1321,14 +1333,10 @@
               <a:defRPr/>
             </a:pPr>
             <a:r>
-              <a:rPr lang="ja-JP" altLang="en-US" dirty="0">
-                <a:effectLst/>
-              </a:rPr>
-              <a:t>主な機能としては、地図の表示、観光地の登録、観光地間の移動時間の自動算出、訪問順序の入れ替え、そしてタブによる画面切り替えが可能です。</a:t>
-            </a:r>
-            <a:endParaRPr lang="en-US" altLang="ja-JP" dirty="0">
-              <a:effectLst/>
-            </a:endParaRPr>
+              <a:rPr lang="ja-JP" altLang="en-US" dirty="0"/>
+              <a:t>これらの機能は、右上に記載している使用技術を活用して実装しました。 その結果、下の図のように、視覚的にわかりやすく、操作しやすい旅行詳細画面を実現しています。 </a:t>
+            </a:r>
+            <a:endParaRPr lang="en-US" altLang="ja-JP" dirty="0"/>
           </a:p>
           <a:p>
             <a:pPr marL="0" marR="0" lvl="0" indent="0" algn="l" defTabSz="914400" rtl="0" eaLnBrk="1" fontAlgn="auto" latinLnBrk="0" hangingPunct="1">
@@ -1349,14 +1357,26 @@
               <a:defRPr/>
             </a:pPr>
             <a:r>
-              <a:rPr lang="ja-JP" altLang="en-US" dirty="0">
-                <a:effectLst/>
-              </a:rPr>
-              <a:t> これらの機能は、右上に記載している使用技術を活用して実装しました。 </a:t>
-            </a:r>
-            <a:endParaRPr lang="en-US" altLang="ja-JP" dirty="0">
-              <a:effectLst/>
-            </a:endParaRPr>
+              <a:rPr lang="ja-JP" altLang="en-US" dirty="0"/>
+              <a:t>左パネルで示しているのは全旅程画面で</a:t>
+            </a:r>
+            <a:r>
+              <a:rPr lang="en-US" altLang="ja-JP" dirty="0"/>
+              <a:t>, </a:t>
+            </a:r>
+            <a:r>
+              <a:rPr lang="ja-JP" altLang="en-US" dirty="0"/>
+              <a:t>個別の日程を選択すると</a:t>
+            </a:r>
+            <a:r>
+              <a:rPr lang="en-US" altLang="ja-JP" dirty="0"/>
+              <a:t>, </a:t>
+            </a:r>
+            <a:r>
+              <a:rPr lang="ja-JP" altLang="en-US" dirty="0"/>
+              <a:t>右パネルのように遷移します。 </a:t>
+            </a:r>
+            <a:endParaRPr lang="en-US" altLang="ja-JP" dirty="0"/>
           </a:p>
           <a:p>
             <a:pPr marL="0" marR="0" lvl="0" indent="0" algn="l" defTabSz="914400" rtl="0" eaLnBrk="1" fontAlgn="auto" latinLnBrk="0" hangingPunct="1">
@@ -1377,15 +1397,79 @@
               <a:defRPr/>
             </a:pPr>
             <a:r>
-              <a:rPr lang="ja-JP" altLang="en-US" dirty="0">
-                <a:effectLst/>
-              </a:rPr>
-              <a:t>その結果、下の図のように、視覚的にわかりやすく、操作しやすい旅行詳細画面を実現しています。</a:t>
-            </a:r>
-          </a:p>
-          <a:p>
-            <a:r>
-              <a:rPr kumimoji="1" lang="ja-JP" altLang="en-US" dirty="0"/>
+              <a:rPr lang="ja-JP" altLang="en-US" dirty="0"/>
+              <a:t>ここでは</a:t>
+            </a:r>
+            <a:r>
+              <a:rPr lang="en-US" altLang="ja-JP" dirty="0"/>
+              <a:t>1</a:t>
+            </a:r>
+            <a:r>
+              <a:rPr lang="ja-JP" altLang="en-US" dirty="0"/>
+              <a:t>日目のタブが選択されているので</a:t>
+            </a:r>
+            <a:r>
+              <a:rPr lang="en-US" altLang="ja-JP" dirty="0"/>
+              <a:t>1</a:t>
+            </a:r>
+            <a:r>
+              <a:rPr lang="ja-JP" altLang="en-US" dirty="0"/>
+              <a:t>日目のスケジュールのみが表示されています。</a:t>
+            </a:r>
+            <a:endParaRPr lang="en-US" altLang="ja-JP" dirty="0"/>
+          </a:p>
+          <a:p>
+            <a:pPr marL="0" marR="0" lvl="0" indent="0" algn="l" defTabSz="914400" rtl="0" eaLnBrk="1" fontAlgn="auto" latinLnBrk="0" hangingPunct="1">
+              <a:lnSpc>
+                <a:spcPct val="100000"/>
+              </a:lnSpc>
+              <a:spcBef>
+                <a:spcPts val="0"/>
+              </a:spcBef>
+              <a:spcAft>
+                <a:spcPts val="0"/>
+              </a:spcAft>
+              <a:buClrTx/>
+              <a:buSzTx/>
+              <a:buFontTx/>
+              <a:buNone/>
+              <a:tabLst/>
+              <a:defRPr/>
+            </a:pPr>
+            <a:r>
+              <a:rPr lang="ja-JP" altLang="en-US" dirty="0"/>
+              <a:t>これにより</a:t>
+            </a:r>
+            <a:r>
+              <a:rPr lang="en-US" altLang="ja-JP" dirty="0"/>
+              <a:t>,</a:t>
+            </a:r>
+            <a:r>
+              <a:rPr lang="ja-JP" altLang="en-US" dirty="0"/>
+              <a:t>個別日の旅程だけを確認することが可能となり、視覚的に理解しやすくなりました。</a:t>
+            </a:r>
+            <a:endParaRPr lang="en-US" altLang="ja-JP" dirty="0"/>
+          </a:p>
+          <a:p>
+            <a:pPr marL="0" marR="0" lvl="0" indent="0" algn="l" defTabSz="914400" rtl="0" eaLnBrk="1" fontAlgn="auto" latinLnBrk="0" hangingPunct="1">
+              <a:lnSpc>
+                <a:spcPct val="100000"/>
+              </a:lnSpc>
+              <a:spcBef>
+                <a:spcPts val="0"/>
+              </a:spcBef>
+              <a:spcAft>
+                <a:spcPts val="0"/>
+              </a:spcAft>
+              <a:buClrTx/>
+              <a:buSzTx/>
+              <a:buFontTx/>
+              <a:buNone/>
+              <a:tabLst/>
+              <a:defRPr/>
+            </a:pPr>
+            <a:r>
+              <a:rPr lang="ja-JP" altLang="en-US" dirty="0"/>
               <a:t>また、この旅行詳細は共有を行うことができます。</a:t>
             </a:r>
             <a:endParaRPr kumimoji="1" lang="en-US" altLang="ja-JP" dirty="0"/>
@@ -1394,7 +1478,13 @@
       </p:sp>
       <p:sp>
         <p:nvSpPr>
-          <p:cNvPr id="4" name="スライド番号プレースホルダー 3"/>
+          <p:cNvPr id="4" name="スライド番号プレースホルダー 3">
+            <a:extLst>
+              <a:ext uri="{FF2B5EF4-FFF2-40B4-BE49-F238E27FC236}">
+                <a16:creationId xmlns:a16="http://schemas.microsoft.com/office/drawing/2014/main" id="{04C4DAE0-25CF-66EB-2F42-9EFF174EBE25}"/>
+              </a:ext>
+            </a:extLst>
+          </p:cNvPr>
           <p:cNvSpPr>
             <a:spLocks noGrp="1"/>
           </p:cNvSpPr>
@@ -1418,7 +1508,7 @@
     </p:spTree>
     <p:extLst>
       <p:ext uri="{BB962C8B-B14F-4D97-AF65-F5344CB8AC3E}">
-        <p14:creationId xmlns:p14="http://schemas.microsoft.com/office/powerpoint/2010/main" val="2101170980"/>
+        <p14:creationId xmlns:p14="http://schemas.microsoft.com/office/powerpoint/2010/main" val="373145538"/>
       </p:ext>
     </p:extLst>
   </p:cSld>
@@ -1612,37 +1702,86 @@
           <a:lstStyle/>
           <a:p>
             <a:r>
+              <a:rPr lang="ja-JP" altLang="en-US"/>
+              <a:t>旅行前</a:t>
+            </a:r>
+            <a:r>
               <a:rPr lang="ja-JP" altLang="en-US" dirty="0"/>
-              <a:t>さらに、旅行準備を効率化するために実装したチェックリスト機能も実装しました。 </a:t>
-            </a:r>
-            <a:endParaRPr lang="en-US" altLang="ja-JP" dirty="0"/>
-          </a:p>
-          <a:p>
-            <a:r>
-              <a:rPr lang="ja-JP" altLang="en-US" dirty="0"/>
-              <a:t>上の図のように、自分自身がいつも旅行先に持っていくものをデフォルトのチェックリスト設定入力しておくことで、各旅行先の持ち物にもコピーされ、毎回の入力の手間を省くことができます。 </a:t>
-            </a:r>
-            <a:endParaRPr lang="en-US" altLang="ja-JP" dirty="0"/>
-          </a:p>
-          <a:p>
-            <a:r>
-              <a:rPr lang="ja-JP" altLang="en-US" dirty="0"/>
-              <a:t>しかし、旅行先や季節によって必要な持ち物が変わるため、旅行ごとにもチェックリストを自由に編集できるようにしました。 </a:t>
-            </a:r>
-            <a:endParaRPr lang="en-US" altLang="ja-JP" dirty="0"/>
-          </a:p>
-          <a:p>
-            <a:r>
-              <a:rPr lang="ja-JP" altLang="en-US" dirty="0"/>
-              <a:t>クリックを行うとチェック状況は保存され、下の図のように準備状況が一目でわかるようになっています。 </a:t>
-            </a:r>
-            <a:endParaRPr lang="en-US" altLang="ja-JP" dirty="0"/>
-          </a:p>
-          <a:p>
-            <a:r>
-              <a:rPr lang="ja-JP" altLang="en-US" dirty="0"/>
-              <a:t>これにより、ユーザーは迷わず、効率的に準備を進められるようになりました</a:t>
-            </a:r>
+              <a:t>の準備をスムーズに進められるよう、本アプリではチェックリスト機能を実装しました。</a:t>
+            </a:r>
+            <a:endParaRPr kumimoji="1" lang="en-US" altLang="ja-JP" sz="1200" b="0" i="0" u="none" strike="noStrike" kern="1200" baseline="0" dirty="0">
+              <a:solidFill>
+                <a:schemeClr val="tx1"/>
+              </a:solidFill>
+              <a:latin typeface="+mn-lt"/>
+              <a:ea typeface="+mn-ea"/>
+              <a:cs typeface="+mn-cs"/>
+            </a:endParaRPr>
+          </a:p>
+          <a:p>
+            <a:r>
+              <a:rPr lang="ja-JP" altLang="en-US" b="0" dirty="0">
+                <a:effectLst/>
+              </a:rPr>
+              <a:t>ユーザーは、自分がいつも旅行に持っていく定番の持ち物を「標準チェックリスト」として事前に登録することができます。</a:t>
+            </a:r>
+            <a:endParaRPr lang="en-US" altLang="ja-JP" b="0" dirty="0">
+              <a:effectLst/>
+            </a:endParaRPr>
+          </a:p>
+          <a:p>
+            <a:r>
+              <a:rPr lang="ja-JP" altLang="en-US" b="0" dirty="0">
+                <a:effectLst/>
+              </a:rPr>
+              <a:t>新しい旅行を作成する際には、この標準リストが自動的にコピーされるため、毎回ゼロからリストを作成する手間が省け、効率的に準備を始めることができます。</a:t>
+            </a:r>
+          </a:p>
+          <a:p>
+            <a:r>
+              <a:rPr lang="ja-JP" altLang="en-US" b="0" dirty="0">
+                <a:effectLst/>
+              </a:rPr>
+              <a:t>また、標準チェックリストをテンプレート化することで、持ち物を記入し忘れるといったミスも防止できます。</a:t>
+            </a:r>
+          </a:p>
+          <a:p>
+            <a:r>
+              <a:rPr lang="ja-JP" altLang="en-US" b="0" dirty="0">
+                <a:effectLst/>
+              </a:rPr>
+              <a:t>一方で、旅行先や季節、目的によって必要な持ち物は異なるため、各旅行ごとにチェックリストを自由に編集できる機能も備えています。</a:t>
+            </a:r>
+            <a:endParaRPr lang="en-US" altLang="ja-JP" b="0" dirty="0">
+              <a:effectLst/>
+            </a:endParaRPr>
+          </a:p>
+          <a:p>
+            <a:r>
+              <a:rPr lang="ja-JP" altLang="en-US" b="0" dirty="0">
+                <a:effectLst/>
+              </a:rPr>
+              <a:t>ユーザーは、旅行ごとに項目を追加・削除・並び替えることで、自分に合ったリストを柔軟にカスタマイズできます。</a:t>
+            </a:r>
+            <a:endParaRPr kumimoji="1" lang="en-US" altLang="ja-JP" b="0" dirty="0"/>
+          </a:p>
+          <a:p>
+            <a:r>
+              <a:rPr lang="ja-JP" altLang="en-US" b="0" dirty="0">
+                <a:effectLst/>
+              </a:rPr>
+              <a:t>さらに、チェック項目はクリック操作で完了状態を保存でき、画面上に現在の準備状況が視覚的に表示されるため、何を準備済みか一目で把握できます。</a:t>
+            </a:r>
+          </a:p>
+          <a:p>
+            <a:r>
+              <a:rPr lang="ja-JP" altLang="en-US" b="0" dirty="0">
+                <a:effectLst/>
+              </a:rPr>
+              <a:t>これらの機能により、ユーザーは迷うことなく、効率的かつ確実に旅行準備を進めることができ、安心して出発できる環境を整えることが可能となりました。</a:t>
+            </a:r>
+          </a:p>
+          <a:p>
             <a:endParaRPr kumimoji="1" lang="ja-JP" altLang="en-US" dirty="0"/>
           </a:p>
         </p:txBody>
@@ -1674,6 +1813,335 @@
     <p:extLst>
       <p:ext uri="{BB962C8B-B14F-4D97-AF65-F5344CB8AC3E}">
         <p14:creationId xmlns:p14="http://schemas.microsoft.com/office/powerpoint/2010/main" val="1549278800"/>
+      </p:ext>
+    </p:extLst>
+  </p:cSld>
+  <p:clrMapOvr>
+    <a:masterClrMapping/>
+  </p:clrMapOvr>
+</p:notes>
+</file>
+
+<file path=ppt/notesSlides/notesSlide7.xml><?xml version="1.0" encoding="utf-8"?>
+<p:notes xmlns:a="http://schemas.openxmlformats.org/drawingml/2006/main" xmlns:r="http://schemas.openxmlformats.org/officeDocument/2006/relationships" xmlns:p="http://schemas.openxmlformats.org/presentationml/2006/main">
+  <p:cSld>
+    <p:spTree>
+      <p:nvGrpSpPr>
+        <p:cNvPr id="1" name=""/>
+        <p:cNvGrpSpPr/>
+        <p:nvPr/>
+      </p:nvGrpSpPr>
+      <p:grpSpPr>
+        <a:xfrm>
+          <a:off x="0" y="0"/>
+          <a:ext cx="0" cy="0"/>
+          <a:chOff x="0" y="0"/>
+          <a:chExt cx="0" cy="0"/>
+        </a:xfrm>
+      </p:grpSpPr>
+      <p:sp>
+        <p:nvSpPr>
+          <p:cNvPr id="2" name="スライド イメージ プレースホルダー 1"/>
+          <p:cNvSpPr>
+            <a:spLocks noGrp="1" noRot="1" noChangeAspect="1"/>
+          </p:cNvSpPr>
+          <p:nvPr>
+            <p:ph type="sldImg"/>
+          </p:nvPr>
+        </p:nvSpPr>
+        <p:spPr/>
+      </p:sp>
+      <p:sp>
+        <p:nvSpPr>
+          <p:cNvPr id="3" name="ノート プレースホルダー 2"/>
+          <p:cNvSpPr>
+            <a:spLocks noGrp="1"/>
+          </p:cNvSpPr>
+          <p:nvPr>
+            <p:ph type="body" idx="1"/>
+          </p:nvPr>
+        </p:nvSpPr>
+        <p:spPr/>
+        <p:txBody>
+          <a:bodyPr/>
+          <a:lstStyle/>
+          <a:p>
+            <a:pPr marL="0" marR="0" lvl="0" indent="0" algn="l" defTabSz="914400" rtl="0" eaLnBrk="1" fontAlgn="auto" latinLnBrk="0" hangingPunct="1">
+              <a:lnSpc>
+                <a:spcPct val="100000"/>
+              </a:lnSpc>
+              <a:spcBef>
+                <a:spcPts val="0"/>
+              </a:spcBef>
+              <a:spcAft>
+                <a:spcPts val="0"/>
+              </a:spcAft>
+              <a:buClrTx/>
+              <a:buSzTx/>
+              <a:buFontTx/>
+              <a:buNone/>
+              <a:tabLst/>
+              <a:defRPr/>
+            </a:pPr>
+            <a:r>
+              <a:rPr lang="ja-JP" altLang="en-US" dirty="0">
+                <a:effectLst/>
+              </a:rPr>
+              <a:t>次にご紹介するのは、旅行詳細画面です。 </a:t>
+            </a:r>
+            <a:endParaRPr lang="en-US" altLang="ja-JP" dirty="0">
+              <a:effectLst/>
+            </a:endParaRPr>
+          </a:p>
+          <a:p>
+            <a:pPr marL="0" marR="0" lvl="0" indent="0" algn="l" defTabSz="914400" rtl="0" eaLnBrk="1" fontAlgn="auto" latinLnBrk="0" hangingPunct="1">
+              <a:lnSpc>
+                <a:spcPct val="100000"/>
+              </a:lnSpc>
+              <a:spcBef>
+                <a:spcPts val="0"/>
+              </a:spcBef>
+              <a:spcAft>
+                <a:spcPts val="0"/>
+              </a:spcAft>
+              <a:buClrTx/>
+              <a:buSzTx/>
+              <a:buFontTx/>
+              <a:buNone/>
+              <a:tabLst/>
+              <a:defRPr/>
+            </a:pPr>
+            <a:r>
+              <a:rPr lang="ja-JP" altLang="en-US" dirty="0">
+                <a:effectLst/>
+              </a:rPr>
+              <a:t>この画面では、旅行ごとの具体的な計画を立てることができます。 </a:t>
+            </a:r>
+            <a:endParaRPr lang="en-US" altLang="ja-JP" dirty="0">
+              <a:effectLst/>
+            </a:endParaRPr>
+          </a:p>
+          <a:p>
+            <a:pPr marL="0" marR="0" lvl="0" indent="0" algn="l" defTabSz="914400" rtl="0" eaLnBrk="1" fontAlgn="auto" latinLnBrk="0" hangingPunct="1">
+              <a:lnSpc>
+                <a:spcPct val="100000"/>
+              </a:lnSpc>
+              <a:spcBef>
+                <a:spcPts val="0"/>
+              </a:spcBef>
+              <a:spcAft>
+                <a:spcPts val="0"/>
+              </a:spcAft>
+              <a:buClrTx/>
+              <a:buSzTx/>
+              <a:buFontTx/>
+              <a:buNone/>
+              <a:tabLst/>
+              <a:defRPr/>
+            </a:pPr>
+            <a:r>
+              <a:rPr lang="ja-JP" altLang="en-US" dirty="0">
+                <a:effectLst/>
+              </a:rPr>
+              <a:t>主な機能としては、地図の表示、観光地の登録、観光地間の移動時間の自動算出、訪問順序の入れ替え、そしてタブによる画面切り替えが可能です。</a:t>
+            </a:r>
+            <a:endParaRPr lang="en-US" altLang="ja-JP" dirty="0">
+              <a:effectLst/>
+            </a:endParaRPr>
+          </a:p>
+          <a:p>
+            <a:pPr marL="0" marR="0" lvl="0" indent="0" algn="l" defTabSz="914400" rtl="0" eaLnBrk="1" fontAlgn="auto" latinLnBrk="0" hangingPunct="1">
+              <a:lnSpc>
+                <a:spcPct val="100000"/>
+              </a:lnSpc>
+              <a:spcBef>
+                <a:spcPts val="0"/>
+              </a:spcBef>
+              <a:spcAft>
+                <a:spcPts val="0"/>
+              </a:spcAft>
+              <a:buClrTx/>
+              <a:buSzTx/>
+              <a:buFontTx/>
+              <a:buNone/>
+              <a:tabLst/>
+              <a:defRPr/>
+            </a:pPr>
+            <a:r>
+              <a:rPr lang="ja-JP" altLang="en-US" dirty="0">
+                <a:effectLst/>
+              </a:rPr>
+              <a:t> これらの機能は、右上に記載している使用技術を活用して実装しました。 </a:t>
+            </a:r>
+            <a:endParaRPr lang="en-US" altLang="ja-JP" dirty="0">
+              <a:effectLst/>
+            </a:endParaRPr>
+          </a:p>
+          <a:p>
+            <a:pPr marL="0" marR="0" lvl="0" indent="0" algn="l" defTabSz="914400" rtl="0" eaLnBrk="1" fontAlgn="auto" latinLnBrk="0" hangingPunct="1">
+              <a:lnSpc>
+                <a:spcPct val="100000"/>
+              </a:lnSpc>
+              <a:spcBef>
+                <a:spcPts val="0"/>
+              </a:spcBef>
+              <a:spcAft>
+                <a:spcPts val="0"/>
+              </a:spcAft>
+              <a:buClrTx/>
+              <a:buSzTx/>
+              <a:buFontTx/>
+              <a:buNone/>
+              <a:tabLst/>
+              <a:defRPr/>
+            </a:pPr>
+            <a:r>
+              <a:rPr lang="ja-JP" altLang="en-US" dirty="0">
+                <a:effectLst/>
+              </a:rPr>
+              <a:t>その結果、下の図のように、視覚的にわかりやすく、操作しやすい旅行詳細画面を実現しています。</a:t>
+            </a:r>
+            <a:endParaRPr lang="en-US" altLang="ja-JP" dirty="0">
+              <a:effectLst/>
+            </a:endParaRPr>
+          </a:p>
+          <a:p>
+            <a:r>
+              <a:rPr kumimoji="1" lang="ja-JP" altLang="en-US" sz="1200" b="0" i="0" u="none" strike="noStrike" kern="1200" baseline="0" dirty="0">
+                <a:solidFill>
+                  <a:schemeClr val="tx1"/>
+                </a:solidFill>
+                <a:latin typeface="+mn-lt"/>
+                <a:ea typeface="+mn-ea"/>
+                <a:cs typeface="+mn-cs"/>
+              </a:rPr>
+              <a:t>左パネルで示しているのは全旅程画面で</a:t>
+            </a:r>
+            <a:r>
+              <a:rPr kumimoji="1" lang="en-US" altLang="ja-JP" sz="1200" b="0" i="0" u="none" strike="noStrike" kern="1200" baseline="0" dirty="0">
+                <a:solidFill>
+                  <a:schemeClr val="tx1"/>
+                </a:solidFill>
+                <a:latin typeface="+mn-lt"/>
+                <a:ea typeface="+mn-ea"/>
+                <a:cs typeface="+mn-cs"/>
+              </a:rPr>
+              <a:t>, </a:t>
+            </a:r>
+            <a:r>
+              <a:rPr kumimoji="1" lang="ja-JP" altLang="en-US" sz="1200" b="0" i="0" u="none" strike="noStrike" kern="1200" baseline="0" dirty="0">
+                <a:solidFill>
+                  <a:schemeClr val="tx1"/>
+                </a:solidFill>
+                <a:latin typeface="+mn-lt"/>
+                <a:ea typeface="+mn-ea"/>
+                <a:cs typeface="+mn-cs"/>
+              </a:rPr>
+              <a:t>個別の日程を選択すると</a:t>
+            </a:r>
+            <a:r>
+              <a:rPr kumimoji="1" lang="en-US" altLang="ja-JP" sz="1200" b="0" i="0" u="none" strike="noStrike" kern="1200" baseline="0" dirty="0">
+                <a:solidFill>
+                  <a:schemeClr val="tx1"/>
+                </a:solidFill>
+                <a:latin typeface="+mn-lt"/>
+                <a:ea typeface="+mn-ea"/>
+                <a:cs typeface="+mn-cs"/>
+              </a:rPr>
+              <a:t>, </a:t>
+            </a:r>
+            <a:r>
+              <a:rPr kumimoji="1" lang="ja-JP" altLang="en-US" sz="1200" b="0" i="0" u="none" strike="noStrike" kern="1200" baseline="0" dirty="0">
+                <a:solidFill>
+                  <a:schemeClr val="tx1"/>
+                </a:solidFill>
+                <a:latin typeface="+mn-lt"/>
+                <a:ea typeface="+mn-ea"/>
+                <a:cs typeface="+mn-cs"/>
+              </a:rPr>
+              <a:t>右パネルのように遷移します。</a:t>
+            </a:r>
+            <a:endParaRPr kumimoji="1" lang="en-US" altLang="ja-JP" sz="1200" b="0" i="0" u="none" strike="noStrike" kern="1200" baseline="0" dirty="0">
+              <a:solidFill>
+                <a:schemeClr val="tx1"/>
+              </a:solidFill>
+              <a:latin typeface="+mn-lt"/>
+              <a:ea typeface="+mn-ea"/>
+              <a:cs typeface="+mn-cs"/>
+            </a:endParaRPr>
+          </a:p>
+          <a:p>
+            <a:r>
+              <a:rPr kumimoji="1" lang="ja-JP" altLang="en-US" sz="1200" b="0" i="0" u="none" strike="noStrike" kern="1200" baseline="0" dirty="0">
+                <a:solidFill>
+                  <a:schemeClr val="tx1"/>
+                </a:solidFill>
+                <a:latin typeface="+mn-lt"/>
+                <a:ea typeface="+mn-ea"/>
+                <a:cs typeface="+mn-cs"/>
+              </a:rPr>
+              <a:t>これにより</a:t>
+            </a:r>
+            <a:r>
+              <a:rPr kumimoji="1" lang="en-US" altLang="ja-JP" sz="1200" b="0" i="0" u="none" strike="noStrike" kern="1200" baseline="0" dirty="0">
+                <a:solidFill>
+                  <a:schemeClr val="tx1"/>
+                </a:solidFill>
+                <a:latin typeface="+mn-lt"/>
+                <a:ea typeface="+mn-ea"/>
+                <a:cs typeface="+mn-cs"/>
+              </a:rPr>
+              <a:t>,</a:t>
+            </a:r>
+            <a:r>
+              <a:rPr kumimoji="1" lang="ja-JP" altLang="en-US" sz="1200" b="0" i="0" u="none" strike="noStrike" kern="1200" baseline="0" dirty="0">
+                <a:solidFill>
+                  <a:schemeClr val="tx1"/>
+                </a:solidFill>
+                <a:latin typeface="+mn-lt"/>
+                <a:ea typeface="+mn-ea"/>
+                <a:cs typeface="+mn-cs"/>
+              </a:rPr>
+              <a:t>個別日の旅程を詳しく確認することが可能となりました。</a:t>
+            </a:r>
+            <a:endParaRPr kumimoji="1" lang="en-US" altLang="ja-JP" dirty="0"/>
+          </a:p>
+          <a:p>
+            <a:r>
+              <a:rPr kumimoji="1" lang="ja-JP" altLang="en-US" dirty="0"/>
+              <a:t>また、この旅行詳細は共有を行うことができます。</a:t>
+            </a:r>
+            <a:endParaRPr kumimoji="1" lang="en-US" altLang="ja-JP" dirty="0"/>
+          </a:p>
+        </p:txBody>
+      </p:sp>
+      <p:sp>
+        <p:nvSpPr>
+          <p:cNvPr id="4" name="スライド番号プレースホルダー 3"/>
+          <p:cNvSpPr>
+            <a:spLocks noGrp="1"/>
+          </p:cNvSpPr>
+          <p:nvPr>
+            <p:ph type="sldNum" sz="quarter" idx="5"/>
+          </p:nvPr>
+        </p:nvSpPr>
+        <p:spPr/>
+        <p:txBody>
+          <a:bodyPr/>
+          <a:lstStyle/>
+          <a:p>
+            <a:fld id="{091E0134-A0D1-45BA-A7E7-F8CF222E6417}" type="slidenum">
+              <a:rPr kumimoji="1" lang="ja-JP" altLang="en-US" smtClean="0"/>
+              <a:t>10</a:t>
+            </a:fld>
+            <a:endParaRPr kumimoji="1" lang="ja-JP" altLang="en-US"/>
+          </a:p>
+        </p:txBody>
+      </p:sp>
+    </p:spTree>
+    <p:extLst>
+      <p:ext uri="{BB962C8B-B14F-4D97-AF65-F5344CB8AC3E}">
+        <p14:creationId xmlns:p14="http://schemas.microsoft.com/office/powerpoint/2010/main" val="2101170980"/>
       </p:ext>
     </p:extLst>
   </p:cSld>
@@ -1830,7 +2298,7 @@
           <a:p>
             <a:fld id="{02624D2A-0E4D-43B2-850D-28BC4303C5D8}" type="datetimeFigureOut">
               <a:rPr kumimoji="1" lang="ja-JP" altLang="en-US" smtClean="0"/>
-              <a:t>2026/2/10</a:t>
+              <a:t>2026/2/11</a:t>
             </a:fld>
             <a:endParaRPr kumimoji="1" lang="ja-JP" altLang="en-US"/>
           </a:p>
@@ -2060,7 +2528,7 @@
           <a:p>
             <a:fld id="{02624D2A-0E4D-43B2-850D-28BC4303C5D8}" type="datetimeFigureOut">
               <a:rPr kumimoji="1" lang="ja-JP" altLang="en-US" smtClean="0"/>
-              <a:t>2026/2/10</a:t>
+              <a:t>2026/2/11</a:t>
             </a:fld>
             <a:endParaRPr kumimoji="1" lang="ja-JP" altLang="en-US"/>
           </a:p>
@@ -2300,7 +2768,7 @@
           <a:p>
             <a:fld id="{02624D2A-0E4D-43B2-850D-28BC4303C5D8}" type="datetimeFigureOut">
               <a:rPr kumimoji="1" lang="ja-JP" altLang="en-US" smtClean="0"/>
-              <a:t>2026/2/10</a:t>
+              <a:t>2026/2/11</a:t>
             </a:fld>
             <a:endParaRPr kumimoji="1" lang="ja-JP" altLang="en-US"/>
           </a:p>
@@ -2530,7 +2998,7 @@
           <a:p>
             <a:fld id="{02624D2A-0E4D-43B2-850D-28BC4303C5D8}" type="datetimeFigureOut">
               <a:rPr kumimoji="1" lang="ja-JP" altLang="en-US" smtClean="0"/>
-              <a:t>2026/2/10</a:t>
+              <a:t>2026/2/11</a:t>
             </a:fld>
             <a:endParaRPr kumimoji="1" lang="ja-JP" altLang="en-US"/>
           </a:p>
@@ -2805,7 +3273,7 @@
           <a:p>
             <a:fld id="{02624D2A-0E4D-43B2-850D-28BC4303C5D8}" type="datetimeFigureOut">
               <a:rPr kumimoji="1" lang="ja-JP" altLang="en-US" smtClean="0"/>
-              <a:t>2026/2/10</a:t>
+              <a:t>2026/2/11</a:t>
             </a:fld>
             <a:endParaRPr kumimoji="1" lang="ja-JP" altLang="en-US"/>
           </a:p>
@@ -3134,7 +3602,7 @@
           <a:p>
             <a:fld id="{02624D2A-0E4D-43B2-850D-28BC4303C5D8}" type="datetimeFigureOut">
               <a:rPr kumimoji="1" lang="ja-JP" altLang="en-US" smtClean="0"/>
-              <a:t>2026/2/10</a:t>
+              <a:t>2026/2/11</a:t>
             </a:fld>
             <a:endParaRPr kumimoji="1" lang="ja-JP" altLang="en-US"/>
           </a:p>
@@ -3610,7 +4078,7 @@
           <a:p>
             <a:fld id="{02624D2A-0E4D-43B2-850D-28BC4303C5D8}" type="datetimeFigureOut">
               <a:rPr kumimoji="1" lang="ja-JP" altLang="en-US" smtClean="0"/>
-              <a:t>2026/2/10</a:t>
+              <a:t>2026/2/11</a:t>
             </a:fld>
             <a:endParaRPr kumimoji="1" lang="ja-JP" altLang="en-US"/>
           </a:p>
@@ -3751,7 +4219,7 @@
           <a:p>
             <a:fld id="{02624D2A-0E4D-43B2-850D-28BC4303C5D8}" type="datetimeFigureOut">
               <a:rPr kumimoji="1" lang="ja-JP" altLang="en-US" smtClean="0"/>
-              <a:t>2026/2/10</a:t>
+              <a:t>2026/2/11</a:t>
             </a:fld>
             <a:endParaRPr kumimoji="1" lang="ja-JP" altLang="en-US"/>
           </a:p>
@@ -3864,7 +4332,7 @@
           <a:p>
             <a:fld id="{02624D2A-0E4D-43B2-850D-28BC4303C5D8}" type="datetimeFigureOut">
               <a:rPr kumimoji="1" lang="ja-JP" altLang="en-US" smtClean="0"/>
-              <a:t>2026/2/10</a:t>
+              <a:t>2026/2/11</a:t>
             </a:fld>
             <a:endParaRPr kumimoji="1" lang="ja-JP" altLang="en-US"/>
           </a:p>
@@ -4207,7 +4675,7 @@
           <a:p>
             <a:fld id="{02624D2A-0E4D-43B2-850D-28BC4303C5D8}" type="datetimeFigureOut">
               <a:rPr kumimoji="1" lang="ja-JP" altLang="en-US" smtClean="0"/>
-              <a:t>2026/2/10</a:t>
+              <a:t>2026/2/11</a:t>
             </a:fld>
             <a:endParaRPr kumimoji="1" lang="ja-JP" altLang="en-US"/>
           </a:p>
@@ -4495,7 +4963,7 @@
           <a:p>
             <a:fld id="{02624D2A-0E4D-43B2-850D-28BC4303C5D8}" type="datetimeFigureOut">
               <a:rPr kumimoji="1" lang="ja-JP" altLang="en-US" smtClean="0"/>
-              <a:t>2026/2/10</a:t>
+              <a:t>2026/2/11</a:t>
             </a:fld>
             <a:endParaRPr kumimoji="1" lang="ja-JP" altLang="en-US"/>
           </a:p>
@@ -4768,7 +5236,7 @@
           <a:p>
             <a:fld id="{02624D2A-0E4D-43B2-850D-28BC4303C5D8}" type="datetimeFigureOut">
               <a:rPr kumimoji="1" lang="ja-JP" altLang="en-US" smtClean="0"/>
-              <a:t>2026/2/10</a:t>
+              <a:t>2026/2/11</a:t>
             </a:fld>
             <a:endParaRPr kumimoji="1" lang="ja-JP" altLang="en-US"/>
           </a:p>
@@ -5279,19 +5747,20 @@
               <a:rPr kumimoji="1" lang="ja-JP" altLang="en-US" dirty="0"/>
               <a:t>日</a:t>
             </a:r>
-            <a:endParaRPr kumimoji="1" lang="en-US" altLang="ja-JP" dirty="0"/>
+            <a:endParaRPr lang="en-US" altLang="ja-JP" dirty="0"/>
           </a:p>
           <a:p>
             <a:r>
               <a:rPr lang="ja-JP" altLang="en-US" dirty="0"/>
-              <a:t>関西学院大学　工学部　情報工学課程</a:t>
-            </a:r>
-            <a:endParaRPr lang="en-US" altLang="ja-JP" dirty="0"/>
-          </a:p>
-          <a:p>
+              <a:t>西谷研究室</a:t>
+            </a:r>
             <a:r>
               <a:rPr kumimoji="1" lang="en-US" altLang="ja-JP" dirty="0"/>
-              <a:t>37022463 </a:t>
+              <a:t> </a:t>
+            </a:r>
+            <a:r>
+              <a:rPr lang="en-US" altLang="ja-JP" dirty="0"/>
+              <a:t> </a:t>
             </a:r>
             <a:r>
               <a:rPr kumimoji="1" lang="ja-JP" altLang="en-US" dirty="0"/>
@@ -5305,6 +5774,863 @@
     <p:extLst>
       <p:ext uri="{BB962C8B-B14F-4D97-AF65-F5344CB8AC3E}">
         <p14:creationId xmlns:p14="http://schemas.microsoft.com/office/powerpoint/2010/main" val="519079470"/>
+      </p:ext>
+    </p:extLst>
+  </p:cSld>
+  <p:clrMapOvr>
+    <a:masterClrMapping/>
+  </p:clrMapOvr>
+</p:sld>
+</file>
+
+<file path=ppt/slides/slide10.xml><?xml version="1.0" encoding="utf-8"?>
+<p:sld xmlns:a="http://schemas.openxmlformats.org/drawingml/2006/main" xmlns:r="http://schemas.openxmlformats.org/officeDocument/2006/relationships" xmlns:p="http://schemas.openxmlformats.org/presentationml/2006/main">
+  <p:cSld>
+    <p:spTree>
+      <p:nvGrpSpPr>
+        <p:cNvPr id="1" name="">
+          <a:extLst>
+            <a:ext uri="{FF2B5EF4-FFF2-40B4-BE49-F238E27FC236}">
+              <a16:creationId xmlns:a16="http://schemas.microsoft.com/office/drawing/2014/main" id="{D4533FBC-D900-B0F0-A49A-3B843E333F50}"/>
+            </a:ext>
+          </a:extLst>
+        </p:cNvPr>
+        <p:cNvGrpSpPr/>
+        <p:nvPr/>
+      </p:nvGrpSpPr>
+      <p:grpSpPr>
+        <a:xfrm>
+          <a:off x="0" y="0"/>
+          <a:ext cx="0" cy="0"/>
+          <a:chOff x="0" y="0"/>
+          <a:chExt cx="0" cy="0"/>
+        </a:xfrm>
+      </p:grpSpPr>
+      <p:pic>
+        <p:nvPicPr>
+          <p:cNvPr id="19" name="図 18">
+            <a:extLst>
+              <a:ext uri="{FF2B5EF4-FFF2-40B4-BE49-F238E27FC236}">
+                <a16:creationId xmlns:a16="http://schemas.microsoft.com/office/drawing/2014/main" id="{14FDAC44-C069-B023-5297-13B5BA30717A}"/>
+              </a:ext>
+            </a:extLst>
+          </p:cNvPr>
+          <p:cNvPicPr>
+            <a:picLocks noChangeAspect="1"/>
+          </p:cNvPicPr>
+          <p:nvPr/>
+        </p:nvPicPr>
+        <p:blipFill>
+          <a:blip r:embed="rId3"/>
+          <a:stretch>
+            <a:fillRect/>
+          </a:stretch>
+        </p:blipFill>
+        <p:spPr>
+          <a:xfrm>
+            <a:off x="147938" y="3592423"/>
+            <a:ext cx="5035706" cy="2650048"/>
+          </a:xfrm>
+          <a:prstGeom prst="rect">
+            <a:avLst/>
+          </a:prstGeom>
+        </p:spPr>
+      </p:pic>
+      <p:pic>
+        <p:nvPicPr>
+          <p:cNvPr id="8" name="図 7">
+            <a:extLst>
+              <a:ext uri="{FF2B5EF4-FFF2-40B4-BE49-F238E27FC236}">
+                <a16:creationId xmlns:a16="http://schemas.microsoft.com/office/drawing/2014/main" id="{1CB0FD59-7658-5CA1-0079-8C208FD2276E}"/>
+              </a:ext>
+            </a:extLst>
+          </p:cNvPr>
+          <p:cNvPicPr>
+            <a:picLocks noChangeAspect="1"/>
+          </p:cNvPicPr>
+          <p:nvPr/>
+        </p:nvPicPr>
+        <p:blipFill>
+          <a:blip r:embed="rId4"/>
+          <a:stretch>
+            <a:fillRect/>
+          </a:stretch>
+        </p:blipFill>
+        <p:spPr>
+          <a:xfrm>
+            <a:off x="5535018" y="4028078"/>
+            <a:ext cx="6274108" cy="2650048"/>
+          </a:xfrm>
+          <a:prstGeom prst="rect">
+            <a:avLst/>
+          </a:prstGeom>
+        </p:spPr>
+      </p:pic>
+      <p:sp>
+        <p:nvSpPr>
+          <p:cNvPr id="32" name="テキスト ボックス 31">
+            <a:extLst>
+              <a:ext uri="{FF2B5EF4-FFF2-40B4-BE49-F238E27FC236}">
+                <a16:creationId xmlns:a16="http://schemas.microsoft.com/office/drawing/2014/main" id="{A7FDCAB3-5B26-EEAE-073B-887F1D513961}"/>
+              </a:ext>
+            </a:extLst>
+          </p:cNvPr>
+          <p:cNvSpPr txBox="1"/>
+          <p:nvPr/>
+        </p:nvSpPr>
+        <p:spPr>
+          <a:xfrm>
+            <a:off x="5535018" y="1213619"/>
+            <a:ext cx="6115040" cy="369332"/>
+          </a:xfrm>
+          <a:prstGeom prst="rect">
+            <a:avLst/>
+          </a:prstGeom>
+          <a:solidFill>
+            <a:schemeClr val="accent1">
+              <a:lumMod val="20000"/>
+              <a:lumOff val="80000"/>
+            </a:schemeClr>
+          </a:solidFill>
+        </p:spPr>
+        <p:txBody>
+          <a:bodyPr wrap="square" rtlCol="0">
+            <a:spAutoFit/>
+          </a:bodyPr>
+          <a:lstStyle/>
+          <a:p>
+            <a:endParaRPr kumimoji="1" lang="ja-JP" altLang="en-US" dirty="0"/>
+          </a:p>
+        </p:txBody>
+      </p:sp>
+      <p:sp>
+        <p:nvSpPr>
+          <p:cNvPr id="10" name="テキスト ボックス 9">
+            <a:extLst>
+              <a:ext uri="{FF2B5EF4-FFF2-40B4-BE49-F238E27FC236}">
+                <a16:creationId xmlns:a16="http://schemas.microsoft.com/office/drawing/2014/main" id="{BC5A6197-ECEC-4BE4-5D1A-705A85D77BBB}"/>
+              </a:ext>
+            </a:extLst>
+          </p:cNvPr>
+          <p:cNvSpPr txBox="1"/>
+          <p:nvPr/>
+        </p:nvSpPr>
+        <p:spPr>
+          <a:xfrm>
+            <a:off x="5535018" y="1195467"/>
+            <a:ext cx="6115050" cy="2585323"/>
+          </a:xfrm>
+          <a:prstGeom prst="rect">
+            <a:avLst/>
+          </a:prstGeom>
+          <a:noFill/>
+          <a:ln w="28575">
+            <a:solidFill>
+              <a:schemeClr val="accent1"/>
+            </a:solidFill>
+          </a:ln>
+        </p:spPr>
+        <p:txBody>
+          <a:bodyPr wrap="square">
+            <a:spAutoFit/>
+          </a:bodyPr>
+          <a:lstStyle/>
+          <a:p>
+            <a:r>
+              <a:rPr lang="ja-JP" altLang="en-US" dirty="0"/>
+              <a:t>           機能　　　　　　　　　　　使用技術</a:t>
+            </a:r>
+            <a:endParaRPr lang="en-US" altLang="ja-JP" dirty="0"/>
+          </a:p>
+          <a:p>
+            <a:endParaRPr lang="en-US" altLang="ja-JP" dirty="0"/>
+          </a:p>
+          <a:p>
+            <a:r>
+              <a:rPr lang="ja-JP" altLang="en-US" dirty="0"/>
+              <a:t>         地図表示</a:t>
+            </a:r>
+            <a:endParaRPr lang="en-US" altLang="ja-JP" dirty="0"/>
+          </a:p>
+          <a:p>
+            <a:endParaRPr lang="en-US" altLang="ja-JP" dirty="0"/>
+          </a:p>
+          <a:p>
+            <a:r>
+              <a:rPr lang="ja-JP" altLang="en-US" dirty="0"/>
+              <a:t>        観光地登録</a:t>
+            </a:r>
+            <a:endParaRPr lang="en-US" altLang="ja-JP" dirty="0"/>
+          </a:p>
+          <a:p>
+            <a:endParaRPr lang="en-US" altLang="ja-JP" dirty="0"/>
+          </a:p>
+          <a:p>
+            <a:r>
+              <a:rPr lang="ja-JP" altLang="en-US" dirty="0"/>
+              <a:t>   移動時間の自動算出</a:t>
+            </a:r>
+            <a:endParaRPr lang="en-US" altLang="ja-JP" dirty="0"/>
+          </a:p>
+          <a:p>
+            <a:endParaRPr lang="en-US" altLang="ja-JP" dirty="0"/>
+          </a:p>
+          <a:p>
+            <a:r>
+              <a:rPr lang="ja-JP" altLang="en-US" dirty="0"/>
+              <a:t>    訪問順序入れ替え</a:t>
+            </a:r>
+            <a:endParaRPr lang="en-US" altLang="ja-JP" dirty="0">
+              <a:latin typeface="CMR12"/>
+            </a:endParaRPr>
+          </a:p>
+        </p:txBody>
+      </p:sp>
+      <p:sp>
+        <p:nvSpPr>
+          <p:cNvPr id="4" name="テキスト ボックス 3">
+            <a:extLst>
+              <a:ext uri="{FF2B5EF4-FFF2-40B4-BE49-F238E27FC236}">
+                <a16:creationId xmlns:a16="http://schemas.microsoft.com/office/drawing/2014/main" id="{B81D8629-8F8E-46FE-6318-1A421D546D51}"/>
+              </a:ext>
+            </a:extLst>
+          </p:cNvPr>
+          <p:cNvSpPr txBox="1"/>
+          <p:nvPr/>
+        </p:nvSpPr>
+        <p:spPr>
+          <a:xfrm>
+            <a:off x="467360" y="255181"/>
+            <a:ext cx="2631440" cy="584775"/>
+          </a:xfrm>
+          <a:prstGeom prst="rect">
+            <a:avLst/>
+          </a:prstGeom>
+          <a:noFill/>
+        </p:spPr>
+        <p:txBody>
+          <a:bodyPr wrap="square" rtlCol="0">
+            <a:spAutoFit/>
+          </a:bodyPr>
+          <a:lstStyle/>
+          <a:p>
+            <a:r>
+              <a:rPr kumimoji="1" lang="ja-JP" altLang="en-US" sz="3200" dirty="0"/>
+              <a:t>旅行詳細画面</a:t>
+            </a:r>
+          </a:p>
+        </p:txBody>
+      </p:sp>
+      <p:sp>
+        <p:nvSpPr>
+          <p:cNvPr id="5" name="テキスト ボックス 4">
+            <a:extLst>
+              <a:ext uri="{FF2B5EF4-FFF2-40B4-BE49-F238E27FC236}">
+                <a16:creationId xmlns:a16="http://schemas.microsoft.com/office/drawing/2014/main" id="{B4DCA592-299B-91D5-948C-1BAF76354F14}"/>
+              </a:ext>
+            </a:extLst>
+          </p:cNvPr>
+          <p:cNvSpPr txBox="1"/>
+          <p:nvPr/>
+        </p:nvSpPr>
+        <p:spPr>
+          <a:xfrm>
+            <a:off x="909575" y="1213619"/>
+            <a:ext cx="4815840" cy="1938992"/>
+          </a:xfrm>
+          <a:prstGeom prst="rect">
+            <a:avLst/>
+          </a:prstGeom>
+          <a:noFill/>
+        </p:spPr>
+        <p:txBody>
+          <a:bodyPr wrap="square" rtlCol="0">
+            <a:spAutoFit/>
+          </a:bodyPr>
+          <a:lstStyle/>
+          <a:p>
+            <a:r>
+              <a:rPr kumimoji="1" lang="en-US" altLang="ja-JP" sz="2000" dirty="0"/>
+              <a:t>- </a:t>
+            </a:r>
+            <a:r>
+              <a:rPr kumimoji="1" lang="ja-JP" altLang="en-US" sz="2000" dirty="0"/>
+              <a:t>地図表示</a:t>
+            </a:r>
+            <a:endParaRPr kumimoji="1" lang="en-US" altLang="ja-JP" sz="2000" dirty="0"/>
+          </a:p>
+          <a:p>
+            <a:r>
+              <a:rPr lang="en-US" altLang="ja-JP" sz="2000" dirty="0"/>
+              <a:t>- </a:t>
+            </a:r>
+            <a:r>
+              <a:rPr lang="ja-JP" altLang="en-US" sz="2000" dirty="0"/>
+              <a:t>観光地登録</a:t>
+            </a:r>
+            <a:endParaRPr lang="en-US" altLang="ja-JP" sz="2000" dirty="0"/>
+          </a:p>
+          <a:p>
+            <a:r>
+              <a:rPr lang="en-US" altLang="ja-JP" sz="2000" dirty="0"/>
+              <a:t>-</a:t>
+            </a:r>
+            <a:r>
+              <a:rPr lang="ja-JP" altLang="en-US" sz="2000" dirty="0"/>
+              <a:t> 観光地の移動時間を自動算出</a:t>
+            </a:r>
+            <a:endParaRPr lang="en-US" altLang="ja-JP" sz="2000" dirty="0"/>
+          </a:p>
+          <a:p>
+            <a:r>
+              <a:rPr lang="en-US" altLang="ja-JP" sz="2000" dirty="0"/>
+              <a:t>- </a:t>
+            </a:r>
+            <a:r>
+              <a:rPr lang="ja-JP" altLang="en-US" sz="2000" dirty="0"/>
+              <a:t>訪問順序入れ替え</a:t>
+            </a:r>
+            <a:endParaRPr lang="en-US" altLang="ja-JP" sz="2000" dirty="0"/>
+          </a:p>
+          <a:p>
+            <a:r>
+              <a:rPr kumimoji="1" lang="en-US" altLang="ja-JP" sz="2000" dirty="0"/>
+              <a:t>- </a:t>
+            </a:r>
+            <a:r>
+              <a:rPr kumimoji="1" lang="ja-JP" altLang="en-US" sz="2000" dirty="0"/>
+              <a:t>タブ切り替え</a:t>
+            </a:r>
+            <a:endParaRPr kumimoji="1" lang="en-US" altLang="ja-JP" sz="2000" dirty="0"/>
+          </a:p>
+          <a:p>
+            <a:endParaRPr lang="en-US" altLang="ja-JP" sz="2000" dirty="0"/>
+          </a:p>
+        </p:txBody>
+      </p:sp>
+      <p:pic>
+        <p:nvPicPr>
+          <p:cNvPr id="11" name="図 10">
+            <a:extLst>
+              <a:ext uri="{FF2B5EF4-FFF2-40B4-BE49-F238E27FC236}">
+                <a16:creationId xmlns:a16="http://schemas.microsoft.com/office/drawing/2014/main" id="{CDE138D5-1C3C-F233-CBE8-A351695CBA8B}"/>
+              </a:ext>
+            </a:extLst>
+          </p:cNvPr>
+          <p:cNvPicPr>
+            <a:picLocks noChangeAspect="1"/>
+          </p:cNvPicPr>
+          <p:nvPr/>
+        </p:nvPicPr>
+        <p:blipFill>
+          <a:blip r:embed="rId5"/>
+          <a:stretch>
+            <a:fillRect/>
+          </a:stretch>
+        </p:blipFill>
+        <p:spPr>
+          <a:xfrm>
+            <a:off x="8092038" y="3905516"/>
+            <a:ext cx="1209844" cy="733527"/>
+          </a:xfrm>
+          <a:prstGeom prst="rect">
+            <a:avLst/>
+          </a:prstGeom>
+        </p:spPr>
+      </p:pic>
+      <p:cxnSp>
+        <p:nvCxnSpPr>
+          <p:cNvPr id="13" name="直線矢印コネクタ 12">
+            <a:extLst>
+              <a:ext uri="{FF2B5EF4-FFF2-40B4-BE49-F238E27FC236}">
+                <a16:creationId xmlns:a16="http://schemas.microsoft.com/office/drawing/2014/main" id="{3A4D17F1-BC7A-5DE0-0565-44A3EDE39874}"/>
+              </a:ext>
+            </a:extLst>
+          </p:cNvPr>
+          <p:cNvCxnSpPr>
+            <a:cxnSpLocks/>
+          </p:cNvCxnSpPr>
+          <p:nvPr/>
+        </p:nvCxnSpPr>
+        <p:spPr>
+          <a:xfrm flipV="1">
+            <a:off x="5254528" y="5090160"/>
+            <a:ext cx="560981" cy="27940"/>
+          </a:xfrm>
+          <a:prstGeom prst="straightConnector1">
+            <a:avLst/>
+          </a:prstGeom>
+          <a:ln w="76200">
+            <a:solidFill>
+              <a:schemeClr val="tx1"/>
+            </a:solidFill>
+            <a:tailEnd type="triangle"/>
+          </a:ln>
+        </p:spPr>
+        <p:style>
+          <a:lnRef idx="1">
+            <a:schemeClr val="dk1"/>
+          </a:lnRef>
+          <a:fillRef idx="0">
+            <a:schemeClr val="dk1"/>
+          </a:fillRef>
+          <a:effectRef idx="0">
+            <a:schemeClr val="dk1"/>
+          </a:effectRef>
+          <a:fontRef idx="minor">
+            <a:schemeClr val="tx1"/>
+          </a:fontRef>
+        </p:style>
+      </p:cxnSp>
+      <p:cxnSp>
+        <p:nvCxnSpPr>
+          <p:cNvPr id="2" name="直線コネクタ 1">
+            <a:extLst>
+              <a:ext uri="{FF2B5EF4-FFF2-40B4-BE49-F238E27FC236}">
+                <a16:creationId xmlns:a16="http://schemas.microsoft.com/office/drawing/2014/main" id="{AE67266D-F630-3AAF-0CCA-EEEF8AA7DA87}"/>
+              </a:ext>
+            </a:extLst>
+          </p:cNvPr>
+          <p:cNvCxnSpPr>
+            <a:cxnSpLocks/>
+          </p:cNvCxnSpPr>
+          <p:nvPr/>
+        </p:nvCxnSpPr>
+        <p:spPr>
+          <a:xfrm>
+            <a:off x="0" y="965775"/>
+            <a:ext cx="12192000" cy="0"/>
+          </a:xfrm>
+          <a:prstGeom prst="line">
+            <a:avLst/>
+          </a:prstGeom>
+          <a:ln w="76200">
+            <a:solidFill>
+              <a:schemeClr val="accent5"/>
+            </a:solidFill>
+          </a:ln>
+        </p:spPr>
+        <p:style>
+          <a:lnRef idx="1">
+            <a:schemeClr val="accent1"/>
+          </a:lnRef>
+          <a:fillRef idx="0">
+            <a:schemeClr val="accent1"/>
+          </a:fillRef>
+          <a:effectRef idx="0">
+            <a:schemeClr val="accent1"/>
+          </a:effectRef>
+          <a:fontRef idx="minor">
+            <a:schemeClr val="tx1"/>
+          </a:fontRef>
+        </p:style>
+      </p:cxnSp>
+      <p:sp>
+        <p:nvSpPr>
+          <p:cNvPr id="6" name="テキスト ボックス 5">
+            <a:extLst>
+              <a:ext uri="{FF2B5EF4-FFF2-40B4-BE49-F238E27FC236}">
+                <a16:creationId xmlns:a16="http://schemas.microsoft.com/office/drawing/2014/main" id="{2513C64C-FD6F-2127-3409-5F6CCA6D3785}"/>
+              </a:ext>
+            </a:extLst>
+          </p:cNvPr>
+          <p:cNvSpPr txBox="1"/>
+          <p:nvPr/>
+        </p:nvSpPr>
+        <p:spPr>
+          <a:xfrm>
+            <a:off x="297180" y="1263446"/>
+            <a:ext cx="1485900" cy="677108"/>
+          </a:xfrm>
+          <a:prstGeom prst="rect">
+            <a:avLst/>
+          </a:prstGeom>
+          <a:noFill/>
+        </p:spPr>
+        <p:txBody>
+          <a:bodyPr wrap="square" rtlCol="0">
+            <a:spAutoFit/>
+          </a:bodyPr>
+          <a:lstStyle/>
+          <a:p>
+            <a:r>
+              <a:rPr lang="ja-JP" altLang="en-US" sz="2000" dirty="0"/>
+              <a:t>機能</a:t>
+            </a:r>
+            <a:endParaRPr lang="en-US" altLang="ja-JP" sz="2000" dirty="0"/>
+          </a:p>
+          <a:p>
+            <a:endParaRPr kumimoji="1" lang="ja-JP" altLang="en-US" dirty="0"/>
+          </a:p>
+        </p:txBody>
+      </p:sp>
+      <p:cxnSp>
+        <p:nvCxnSpPr>
+          <p:cNvPr id="14" name="直線コネクタ 13">
+            <a:extLst>
+              <a:ext uri="{FF2B5EF4-FFF2-40B4-BE49-F238E27FC236}">
+                <a16:creationId xmlns:a16="http://schemas.microsoft.com/office/drawing/2014/main" id="{D4DA5D23-0E12-C4BC-7767-50EB3CFEB3F1}"/>
+              </a:ext>
+            </a:extLst>
+          </p:cNvPr>
+          <p:cNvCxnSpPr/>
+          <p:nvPr/>
+        </p:nvCxnSpPr>
+        <p:spPr>
+          <a:xfrm>
+            <a:off x="5535018" y="1602000"/>
+            <a:ext cx="6115050" cy="0"/>
+          </a:xfrm>
+          <a:prstGeom prst="line">
+            <a:avLst/>
+          </a:prstGeom>
+          <a:ln w="38100">
+            <a:solidFill>
+              <a:schemeClr val="accent1"/>
+            </a:solidFill>
+          </a:ln>
+        </p:spPr>
+        <p:style>
+          <a:lnRef idx="1">
+            <a:schemeClr val="accent1"/>
+          </a:lnRef>
+          <a:fillRef idx="0">
+            <a:schemeClr val="accent1"/>
+          </a:fillRef>
+          <a:effectRef idx="0">
+            <a:schemeClr val="accent1"/>
+          </a:effectRef>
+          <a:fontRef idx="minor">
+            <a:schemeClr val="tx1"/>
+          </a:fontRef>
+        </p:style>
+      </p:cxnSp>
+      <p:cxnSp>
+        <p:nvCxnSpPr>
+          <p:cNvPr id="15" name="直線コネクタ 14">
+            <a:extLst>
+              <a:ext uri="{FF2B5EF4-FFF2-40B4-BE49-F238E27FC236}">
+                <a16:creationId xmlns:a16="http://schemas.microsoft.com/office/drawing/2014/main" id="{E479B1D8-2C39-9821-6B48-9C440AF85A31}"/>
+              </a:ext>
+            </a:extLst>
+          </p:cNvPr>
+          <p:cNvCxnSpPr/>
+          <p:nvPr/>
+        </p:nvCxnSpPr>
+        <p:spPr>
+          <a:xfrm>
+            <a:off x="5535018" y="2154450"/>
+            <a:ext cx="6115050" cy="0"/>
+          </a:xfrm>
+          <a:prstGeom prst="line">
+            <a:avLst/>
+          </a:prstGeom>
+          <a:ln w="38100">
+            <a:solidFill>
+              <a:schemeClr val="accent1"/>
+            </a:solidFill>
+          </a:ln>
+        </p:spPr>
+        <p:style>
+          <a:lnRef idx="1">
+            <a:schemeClr val="accent1"/>
+          </a:lnRef>
+          <a:fillRef idx="0">
+            <a:schemeClr val="accent1"/>
+          </a:fillRef>
+          <a:effectRef idx="0">
+            <a:schemeClr val="accent1"/>
+          </a:effectRef>
+          <a:fontRef idx="minor">
+            <a:schemeClr val="tx1"/>
+          </a:fontRef>
+        </p:style>
+      </p:cxnSp>
+      <p:cxnSp>
+        <p:nvCxnSpPr>
+          <p:cNvPr id="16" name="直線コネクタ 15">
+            <a:extLst>
+              <a:ext uri="{FF2B5EF4-FFF2-40B4-BE49-F238E27FC236}">
+                <a16:creationId xmlns:a16="http://schemas.microsoft.com/office/drawing/2014/main" id="{27FF0D5F-7EF0-26A1-E9FA-AA7ACF62D2E9}"/>
+              </a:ext>
+            </a:extLst>
+          </p:cNvPr>
+          <p:cNvCxnSpPr/>
+          <p:nvPr/>
+        </p:nvCxnSpPr>
+        <p:spPr>
+          <a:xfrm>
+            <a:off x="5535018" y="2716425"/>
+            <a:ext cx="6115050" cy="0"/>
+          </a:xfrm>
+          <a:prstGeom prst="line">
+            <a:avLst/>
+          </a:prstGeom>
+          <a:ln w="38100">
+            <a:solidFill>
+              <a:schemeClr val="accent1"/>
+            </a:solidFill>
+          </a:ln>
+        </p:spPr>
+        <p:style>
+          <a:lnRef idx="1">
+            <a:schemeClr val="accent1"/>
+          </a:lnRef>
+          <a:fillRef idx="0">
+            <a:schemeClr val="accent1"/>
+          </a:fillRef>
+          <a:effectRef idx="0">
+            <a:schemeClr val="accent1"/>
+          </a:effectRef>
+          <a:fontRef idx="minor">
+            <a:schemeClr val="tx1"/>
+          </a:fontRef>
+        </p:style>
+      </p:cxnSp>
+      <p:cxnSp>
+        <p:nvCxnSpPr>
+          <p:cNvPr id="17" name="直線コネクタ 16">
+            <a:extLst>
+              <a:ext uri="{FF2B5EF4-FFF2-40B4-BE49-F238E27FC236}">
+                <a16:creationId xmlns:a16="http://schemas.microsoft.com/office/drawing/2014/main" id="{C1068821-DE71-4933-DE50-821896F7CEDB}"/>
+              </a:ext>
+            </a:extLst>
+          </p:cNvPr>
+          <p:cNvCxnSpPr/>
+          <p:nvPr/>
+        </p:nvCxnSpPr>
+        <p:spPr>
+          <a:xfrm>
+            <a:off x="5535018" y="3287925"/>
+            <a:ext cx="6115050" cy="0"/>
+          </a:xfrm>
+          <a:prstGeom prst="line">
+            <a:avLst/>
+          </a:prstGeom>
+          <a:ln w="38100">
+            <a:solidFill>
+              <a:schemeClr val="accent1"/>
+            </a:solidFill>
+          </a:ln>
+        </p:spPr>
+        <p:style>
+          <a:lnRef idx="1">
+            <a:schemeClr val="accent1"/>
+          </a:lnRef>
+          <a:fillRef idx="0">
+            <a:schemeClr val="accent1"/>
+          </a:fillRef>
+          <a:effectRef idx="0">
+            <a:schemeClr val="accent1"/>
+          </a:effectRef>
+          <a:fontRef idx="minor">
+            <a:schemeClr val="tx1"/>
+          </a:fontRef>
+        </p:style>
+      </p:cxnSp>
+      <p:sp>
+        <p:nvSpPr>
+          <p:cNvPr id="25" name="テキスト ボックス 24">
+            <a:extLst>
+              <a:ext uri="{FF2B5EF4-FFF2-40B4-BE49-F238E27FC236}">
+                <a16:creationId xmlns:a16="http://schemas.microsoft.com/office/drawing/2014/main" id="{5286C1FE-99CC-DCA0-8224-ECA66A01DB34}"/>
+              </a:ext>
+            </a:extLst>
+          </p:cNvPr>
+          <p:cNvSpPr txBox="1"/>
+          <p:nvPr/>
+        </p:nvSpPr>
+        <p:spPr>
+          <a:xfrm>
+            <a:off x="8162923" y="1732010"/>
+            <a:ext cx="3487141" cy="369332"/>
+          </a:xfrm>
+          <a:prstGeom prst="rect">
+            <a:avLst/>
+          </a:prstGeom>
+          <a:noFill/>
+        </p:spPr>
+        <p:txBody>
+          <a:bodyPr wrap="square" rtlCol="0">
+            <a:spAutoFit/>
+          </a:bodyPr>
+          <a:lstStyle/>
+          <a:p>
+            <a:pPr algn="ctr"/>
+            <a:r>
+              <a:rPr lang="en-US" altLang="ja-JP" dirty="0"/>
+              <a:t>Google Maps JavaScript API</a:t>
+            </a:r>
+            <a:endParaRPr kumimoji="1" lang="ja-JP" altLang="en-US" dirty="0"/>
+          </a:p>
+        </p:txBody>
+      </p:sp>
+      <p:sp>
+        <p:nvSpPr>
+          <p:cNvPr id="26" name="テキスト ボックス 25">
+            <a:extLst>
+              <a:ext uri="{FF2B5EF4-FFF2-40B4-BE49-F238E27FC236}">
+                <a16:creationId xmlns:a16="http://schemas.microsoft.com/office/drawing/2014/main" id="{48655F4F-D4AC-E8C3-FD80-D679BE199A5E}"/>
+              </a:ext>
+            </a:extLst>
+          </p:cNvPr>
+          <p:cNvSpPr txBox="1"/>
+          <p:nvPr/>
+        </p:nvSpPr>
+        <p:spPr>
+          <a:xfrm>
+            <a:off x="8092038" y="2284730"/>
+            <a:ext cx="3409950" cy="369332"/>
+          </a:xfrm>
+          <a:prstGeom prst="rect">
+            <a:avLst/>
+          </a:prstGeom>
+          <a:noFill/>
+        </p:spPr>
+        <p:txBody>
+          <a:bodyPr wrap="square" rtlCol="0">
+            <a:spAutoFit/>
+          </a:bodyPr>
+          <a:lstStyle/>
+          <a:p>
+            <a:pPr algn="ctr"/>
+            <a:r>
+              <a:rPr lang="en-US" altLang="ja-JP" dirty="0" err="1"/>
+              <a:t>Mapbox</a:t>
+            </a:r>
+            <a:r>
+              <a:rPr lang="en-US" altLang="ja-JP" dirty="0"/>
+              <a:t> Search Box API</a:t>
+            </a:r>
+            <a:endParaRPr kumimoji="1" lang="ja-JP" altLang="en-US" dirty="0"/>
+          </a:p>
+        </p:txBody>
+      </p:sp>
+      <p:sp>
+        <p:nvSpPr>
+          <p:cNvPr id="27" name="テキスト ボックス 26">
+            <a:extLst>
+              <a:ext uri="{FF2B5EF4-FFF2-40B4-BE49-F238E27FC236}">
+                <a16:creationId xmlns:a16="http://schemas.microsoft.com/office/drawing/2014/main" id="{F5A21934-47E1-A15F-FCE7-0E57C9C66652}"/>
+              </a:ext>
+            </a:extLst>
+          </p:cNvPr>
+          <p:cNvSpPr txBox="1"/>
+          <p:nvPr/>
+        </p:nvSpPr>
+        <p:spPr>
+          <a:xfrm>
+            <a:off x="8053442" y="2810733"/>
+            <a:ext cx="3487141" cy="369332"/>
+          </a:xfrm>
+          <a:prstGeom prst="rect">
+            <a:avLst/>
+          </a:prstGeom>
+          <a:noFill/>
+        </p:spPr>
+        <p:txBody>
+          <a:bodyPr wrap="square" rtlCol="0">
+            <a:spAutoFit/>
+          </a:bodyPr>
+          <a:lstStyle/>
+          <a:p>
+            <a:pPr algn="ctr"/>
+            <a:r>
+              <a:rPr lang="en-US" altLang="ja-JP" dirty="0" err="1"/>
+              <a:t>Mapbox</a:t>
+            </a:r>
+            <a:r>
+              <a:rPr lang="en-US" altLang="ja-JP" dirty="0"/>
+              <a:t> Directions API</a:t>
+            </a:r>
+            <a:endParaRPr kumimoji="1" lang="ja-JP" altLang="en-US" dirty="0"/>
+          </a:p>
+        </p:txBody>
+      </p:sp>
+      <p:sp>
+        <p:nvSpPr>
+          <p:cNvPr id="28" name="テキスト ボックス 27">
+            <a:extLst>
+              <a:ext uri="{FF2B5EF4-FFF2-40B4-BE49-F238E27FC236}">
+                <a16:creationId xmlns:a16="http://schemas.microsoft.com/office/drawing/2014/main" id="{4C98849F-5186-29F6-A287-7FADD9B96F83}"/>
+              </a:ext>
+            </a:extLst>
+          </p:cNvPr>
+          <p:cNvSpPr txBox="1"/>
+          <p:nvPr/>
+        </p:nvSpPr>
+        <p:spPr>
+          <a:xfrm>
+            <a:off x="8053437" y="3372707"/>
+            <a:ext cx="3377659" cy="369332"/>
+          </a:xfrm>
+          <a:prstGeom prst="rect">
+            <a:avLst/>
+          </a:prstGeom>
+          <a:noFill/>
+        </p:spPr>
+        <p:txBody>
+          <a:bodyPr wrap="square" rtlCol="0">
+            <a:spAutoFit/>
+          </a:bodyPr>
+          <a:lstStyle/>
+          <a:p>
+            <a:pPr algn="ctr"/>
+            <a:r>
+              <a:rPr lang="en-US" altLang="ja-JP" dirty="0" err="1"/>
+              <a:t>SortableJS</a:t>
+            </a:r>
+            <a:endParaRPr kumimoji="1" lang="ja-JP" altLang="en-US" dirty="0"/>
+          </a:p>
+        </p:txBody>
+      </p:sp>
+      <p:cxnSp>
+        <p:nvCxnSpPr>
+          <p:cNvPr id="18" name="直線コネクタ 17">
+            <a:extLst>
+              <a:ext uri="{FF2B5EF4-FFF2-40B4-BE49-F238E27FC236}">
+                <a16:creationId xmlns:a16="http://schemas.microsoft.com/office/drawing/2014/main" id="{347AB781-CECE-73C9-15FA-E44CFE00476C}"/>
+              </a:ext>
+            </a:extLst>
+          </p:cNvPr>
+          <p:cNvCxnSpPr>
+            <a:cxnSpLocks/>
+          </p:cNvCxnSpPr>
+          <p:nvPr/>
+        </p:nvCxnSpPr>
+        <p:spPr>
+          <a:xfrm>
+            <a:off x="8092038" y="1207083"/>
+            <a:ext cx="0" cy="2559737"/>
+          </a:xfrm>
+          <a:prstGeom prst="line">
+            <a:avLst/>
+          </a:prstGeom>
+          <a:ln w="38100">
+            <a:solidFill>
+              <a:schemeClr val="accent1"/>
+            </a:solidFill>
+          </a:ln>
+        </p:spPr>
+        <p:style>
+          <a:lnRef idx="1">
+            <a:schemeClr val="accent1"/>
+          </a:lnRef>
+          <a:fillRef idx="0">
+            <a:schemeClr val="accent1"/>
+          </a:fillRef>
+          <a:effectRef idx="0">
+            <a:schemeClr val="accent1"/>
+          </a:effectRef>
+          <a:fontRef idx="minor">
+            <a:schemeClr val="tx1"/>
+          </a:fontRef>
+        </p:style>
+      </p:cxnSp>
+    </p:spTree>
+    <p:extLst>
+      <p:ext uri="{BB962C8B-B14F-4D97-AF65-F5344CB8AC3E}">
+        <p14:creationId xmlns:p14="http://schemas.microsoft.com/office/powerpoint/2010/main" val="3679023673"/>
       </p:ext>
     </p:extLst>
   </p:cSld>
@@ -6566,7 +7892,7 @@
         <p:cNvPr id="1" name="">
           <a:extLst>
             <a:ext uri="{FF2B5EF4-FFF2-40B4-BE49-F238E27FC236}">
-              <a16:creationId xmlns:a16="http://schemas.microsoft.com/office/drawing/2014/main" id="{D4533FBC-D900-B0F0-A49A-3B843E333F50}"/>
+              <a16:creationId xmlns:a16="http://schemas.microsoft.com/office/drawing/2014/main" id="{B5ECAB03-0B43-F9E4-B703-EAE2099797A9}"/>
             </a:ext>
           </a:extLst>
         </p:cNvPr>
@@ -6586,7 +7912,7 @@
           <p:cNvPr id="19" name="図 18">
             <a:extLst>
               <a:ext uri="{FF2B5EF4-FFF2-40B4-BE49-F238E27FC236}">
-                <a16:creationId xmlns:a16="http://schemas.microsoft.com/office/drawing/2014/main" id="{14FDAC44-C069-B023-5297-13B5BA30717A}"/>
+                <a16:creationId xmlns:a16="http://schemas.microsoft.com/office/drawing/2014/main" id="{0C4C195A-FB6F-4C17-A181-0EDA2216994B}"/>
               </a:ext>
             </a:extLst>
           </p:cNvPr>
@@ -6603,8 +7929,8 @@
         </p:blipFill>
         <p:spPr>
           <a:xfrm>
-            <a:off x="147938" y="3695837"/>
-            <a:ext cx="5035706" cy="2650048"/>
+            <a:off x="42835" y="3269953"/>
+            <a:ext cx="5330096" cy="2804971"/>
           </a:xfrm>
           <a:prstGeom prst="rect">
             <a:avLst/>
@@ -6616,7 +7942,7 @@
           <p:cNvPr id="8" name="図 7">
             <a:extLst>
               <a:ext uri="{FF2B5EF4-FFF2-40B4-BE49-F238E27FC236}">
-                <a16:creationId xmlns:a16="http://schemas.microsoft.com/office/drawing/2014/main" id="{1CB0FD59-7658-5CA1-0079-8C208FD2276E}"/>
+                <a16:creationId xmlns:a16="http://schemas.microsoft.com/office/drawing/2014/main" id="{CA0D7F2F-ED6D-12BE-43DF-ADDE08C036A5}"/>
               </a:ext>
             </a:extLst>
           </p:cNvPr>
@@ -6633,8 +7959,8 @@
         </p:blipFill>
         <p:spPr>
           <a:xfrm>
-            <a:off x="5559906" y="4061111"/>
-            <a:ext cx="6274108" cy="2650048"/>
+            <a:off x="5977940" y="3429000"/>
+            <a:ext cx="5951827" cy="2513923"/>
           </a:xfrm>
           <a:prstGeom prst="rect">
             <a:avLst/>
@@ -6643,10 +7969,10 @@
       </p:pic>
       <p:sp>
         <p:nvSpPr>
-          <p:cNvPr id="32" name="テキスト ボックス 31">
-            <a:extLst>
-              <a:ext uri="{FF2B5EF4-FFF2-40B4-BE49-F238E27FC236}">
-                <a16:creationId xmlns:a16="http://schemas.microsoft.com/office/drawing/2014/main" id="{A7FDCAB3-5B26-EEAE-073B-887F1D513961}"/>
+          <p:cNvPr id="4" name="テキスト ボックス 3">
+            <a:extLst>
+              <a:ext uri="{FF2B5EF4-FFF2-40B4-BE49-F238E27FC236}">
+                <a16:creationId xmlns:a16="http://schemas.microsoft.com/office/drawing/2014/main" id="{79C60766-5CC4-E267-53E8-53C1C1EE2452}"/>
               </a:ext>
             </a:extLst>
           </p:cNvPr>
@@ -6655,118 +7981,33 @@
         </p:nvSpPr>
         <p:spPr>
           <a:xfrm>
-            <a:off x="5535018" y="1213619"/>
-            <a:ext cx="6115040" cy="369332"/>
-          </a:xfrm>
-          <a:prstGeom prst="rect">
-            <a:avLst/>
-          </a:prstGeom>
-          <a:solidFill>
-            <a:schemeClr val="accent1">
-              <a:lumMod val="20000"/>
-              <a:lumOff val="80000"/>
-            </a:schemeClr>
-          </a:solidFill>
-        </p:spPr>
-        <p:txBody>
-          <a:bodyPr wrap="square" rtlCol="0">
-            <a:spAutoFit/>
-          </a:bodyPr>
-          <a:lstStyle/>
-          <a:p>
-            <a:endParaRPr kumimoji="1" lang="ja-JP" altLang="en-US" dirty="0"/>
-          </a:p>
-        </p:txBody>
-      </p:sp>
-      <p:sp>
-        <p:nvSpPr>
-          <p:cNvPr id="10" name="テキスト ボックス 9">
-            <a:extLst>
-              <a:ext uri="{FF2B5EF4-FFF2-40B4-BE49-F238E27FC236}">
-                <a16:creationId xmlns:a16="http://schemas.microsoft.com/office/drawing/2014/main" id="{BC5A6197-ECEC-4BE4-5D1A-705A85D77BBB}"/>
-              </a:ext>
-            </a:extLst>
-          </p:cNvPr>
-          <p:cNvSpPr txBox="1"/>
-          <p:nvPr/>
-        </p:nvSpPr>
-        <p:spPr>
-          <a:xfrm>
-            <a:off x="5535018" y="1195467"/>
-            <a:ext cx="6115050" cy="2585323"/>
+            <a:off x="467360" y="255181"/>
+            <a:ext cx="2631440" cy="584775"/>
           </a:xfrm>
           <a:prstGeom prst="rect">
             <a:avLst/>
           </a:prstGeom>
           <a:noFill/>
-          <a:ln w="28575">
-            <a:solidFill>
-              <a:schemeClr val="accent1"/>
-            </a:solidFill>
-          </a:ln>
-        </p:spPr>
-        <p:txBody>
-          <a:bodyPr wrap="square">
+        </p:spPr>
+        <p:txBody>
+          <a:bodyPr wrap="square" rtlCol="0">
             <a:spAutoFit/>
           </a:bodyPr>
           <a:lstStyle/>
           <a:p>
             <a:r>
-              <a:rPr lang="ja-JP" altLang="en-US" dirty="0"/>
-              <a:t>           機能　　　　　　　　　　　使用技術</a:t>
-            </a:r>
-            <a:endParaRPr lang="en-US" altLang="ja-JP" dirty="0"/>
-          </a:p>
-          <a:p>
-            <a:endParaRPr lang="en-US" altLang="ja-JP" dirty="0"/>
-          </a:p>
-          <a:p>
-            <a:r>
-              <a:rPr lang="ja-JP" altLang="en-US" dirty="0"/>
-              <a:t>         地図表示</a:t>
-            </a:r>
-            <a:endParaRPr lang="en-US" altLang="ja-JP" dirty="0"/>
-          </a:p>
-          <a:p>
-            <a:endParaRPr lang="en-US" altLang="ja-JP" dirty="0"/>
-          </a:p>
-          <a:p>
-            <a:r>
-              <a:rPr lang="ja-JP" altLang="en-US" dirty="0"/>
-              <a:t>        観光地登録</a:t>
-            </a:r>
-            <a:endParaRPr lang="en-US" altLang="ja-JP" dirty="0"/>
-          </a:p>
-          <a:p>
-            <a:endParaRPr lang="en-US" altLang="ja-JP" dirty="0"/>
-          </a:p>
-          <a:p>
-            <a:r>
-              <a:rPr lang="ja-JP" altLang="en-US" dirty="0"/>
-              <a:t>   移動時間の自動算出</a:t>
-            </a:r>
-            <a:endParaRPr lang="en-US" altLang="ja-JP" dirty="0"/>
-          </a:p>
-          <a:p>
-            <a:endParaRPr lang="en-US" altLang="ja-JP" dirty="0"/>
-          </a:p>
-          <a:p>
-            <a:r>
-              <a:rPr lang="ja-JP" altLang="en-US" dirty="0"/>
-              <a:t>    訪問順序入れ替え</a:t>
-            </a:r>
-            <a:endParaRPr lang="en-US" altLang="ja-JP" dirty="0">
-              <a:latin typeface="CMR12"/>
-            </a:endParaRPr>
-          </a:p>
-        </p:txBody>
-      </p:sp>
-      <p:sp>
-        <p:nvSpPr>
-          <p:cNvPr id="4" name="テキスト ボックス 3">
-            <a:extLst>
-              <a:ext uri="{FF2B5EF4-FFF2-40B4-BE49-F238E27FC236}">
-                <a16:creationId xmlns:a16="http://schemas.microsoft.com/office/drawing/2014/main" id="{B81D8629-8F8E-46FE-6318-1A421D546D51}"/>
+              <a:rPr kumimoji="1" lang="ja-JP" altLang="en-US" sz="3200" dirty="0"/>
+              <a:t>旅行詳細画面</a:t>
+            </a:r>
+          </a:p>
+        </p:txBody>
+      </p:sp>
+      <p:sp>
+        <p:nvSpPr>
+          <p:cNvPr id="5" name="テキスト ボックス 4">
+            <a:extLst>
+              <a:ext uri="{FF2B5EF4-FFF2-40B4-BE49-F238E27FC236}">
+                <a16:creationId xmlns:a16="http://schemas.microsoft.com/office/drawing/2014/main" id="{A1415017-038B-396A-7E04-D19DF3850D09}"/>
               </a:ext>
             </a:extLst>
           </p:cNvPr>
@@ -6775,8 +8016,8 @@
         </p:nvSpPr>
         <p:spPr>
           <a:xfrm>
-            <a:off x="467360" y="255181"/>
-            <a:ext cx="2631440" cy="584775"/>
+            <a:off x="1162100" y="1326585"/>
+            <a:ext cx="4815840" cy="1938992"/>
           </a:xfrm>
           <a:prstGeom prst="rect">
             <a:avLst/>
@@ -6790,41 +8031,6 @@
           <a:lstStyle/>
           <a:p>
             <a:r>
-              <a:rPr kumimoji="1" lang="ja-JP" altLang="en-US" sz="3200" dirty="0"/>
-              <a:t>旅行詳細画面</a:t>
-            </a:r>
-          </a:p>
-        </p:txBody>
-      </p:sp>
-      <p:sp>
-        <p:nvSpPr>
-          <p:cNvPr id="5" name="テキスト ボックス 4">
-            <a:extLst>
-              <a:ext uri="{FF2B5EF4-FFF2-40B4-BE49-F238E27FC236}">
-                <a16:creationId xmlns:a16="http://schemas.microsoft.com/office/drawing/2014/main" id="{B4DCA592-299B-91D5-948C-1BAF76354F14}"/>
-              </a:ext>
-            </a:extLst>
-          </p:cNvPr>
-          <p:cNvSpPr txBox="1"/>
-          <p:nvPr/>
-        </p:nvSpPr>
-        <p:spPr>
-          <a:xfrm>
-            <a:off x="1040130" y="1260067"/>
-            <a:ext cx="4815840" cy="1938992"/>
-          </a:xfrm>
-          <a:prstGeom prst="rect">
-            <a:avLst/>
-          </a:prstGeom>
-          <a:noFill/>
-        </p:spPr>
-        <p:txBody>
-          <a:bodyPr wrap="square" rtlCol="0">
-            <a:spAutoFit/>
-          </a:bodyPr>
-          <a:lstStyle/>
-          <a:p>
-            <a:r>
               <a:rPr kumimoji="1" lang="en-US" altLang="ja-JP" sz="2000" dirty="0"/>
               <a:t>- </a:t>
             </a:r>
@@ -6883,42 +8089,12 @@
           </a:p>
         </p:txBody>
       </p:sp>
-      <p:pic>
-        <p:nvPicPr>
-          <p:cNvPr id="11" name="図 10">
-            <a:extLst>
-              <a:ext uri="{FF2B5EF4-FFF2-40B4-BE49-F238E27FC236}">
-                <a16:creationId xmlns:a16="http://schemas.microsoft.com/office/drawing/2014/main" id="{CDE138D5-1C3C-F233-CBE8-A351695CBA8B}"/>
-              </a:ext>
-            </a:extLst>
-          </p:cNvPr>
-          <p:cNvPicPr>
-            <a:picLocks noChangeAspect="1"/>
-          </p:cNvPicPr>
-          <p:nvPr/>
-        </p:nvPicPr>
-        <p:blipFill>
-          <a:blip r:embed="rId5"/>
-          <a:stretch>
-            <a:fillRect/>
-          </a:stretch>
-        </p:blipFill>
-        <p:spPr>
-          <a:xfrm>
-            <a:off x="8092038" y="3905516"/>
-            <a:ext cx="1209844" cy="733527"/>
-          </a:xfrm>
-          <a:prstGeom prst="rect">
-            <a:avLst/>
-          </a:prstGeom>
-        </p:spPr>
-      </p:pic>
       <p:cxnSp>
         <p:nvCxnSpPr>
           <p:cNvPr id="13" name="直線矢印コネクタ 12">
             <a:extLst>
               <a:ext uri="{FF2B5EF4-FFF2-40B4-BE49-F238E27FC236}">
-                <a16:creationId xmlns:a16="http://schemas.microsoft.com/office/drawing/2014/main" id="{3A4D17F1-BC7A-5DE0-0565-44A3EDE39874}"/>
+                <a16:creationId xmlns:a16="http://schemas.microsoft.com/office/drawing/2014/main" id="{6E684EA6-5C84-1E3F-8834-9DEA02286E3F}"/>
               </a:ext>
             </a:extLst>
           </p:cNvPr>
@@ -6929,7 +8105,7 @@
         </p:nvCxnSpPr>
         <p:spPr>
           <a:xfrm flipV="1">
-            <a:off x="5254528" y="5090160"/>
+            <a:off x="5535019" y="4590035"/>
             <a:ext cx="560981" cy="27940"/>
           </a:xfrm>
           <a:prstGeom prst="straightConnector1">
@@ -6962,7 +8138,7 @@
           <p:cNvPr id="2" name="直線コネクタ 1">
             <a:extLst>
               <a:ext uri="{FF2B5EF4-FFF2-40B4-BE49-F238E27FC236}">
-                <a16:creationId xmlns:a16="http://schemas.microsoft.com/office/drawing/2014/main" id="{AE67266D-F630-3AAF-0CCA-EEEF8AA7DA87}"/>
+                <a16:creationId xmlns:a16="http://schemas.microsoft.com/office/drawing/2014/main" id="{473E976A-618A-D838-4908-4C23B8F550DA}"/>
               </a:ext>
             </a:extLst>
           </p:cNvPr>
@@ -7005,7 +8181,7 @@
           <p:cNvPr id="6" name="テキスト ボックス 5">
             <a:extLst>
               <a:ext uri="{FF2B5EF4-FFF2-40B4-BE49-F238E27FC236}">
-                <a16:creationId xmlns:a16="http://schemas.microsoft.com/office/drawing/2014/main" id="{2513C64C-FD6F-2127-3409-5F6CCA6D3785}"/>
+                <a16:creationId xmlns:a16="http://schemas.microsoft.com/office/drawing/2014/main" id="{4AFC4762-58AD-C302-6D4C-09EE138430EE}"/>
               </a:ext>
             </a:extLst>
           </p:cNvPr>
@@ -7039,176 +8215,12 @@
           </a:p>
         </p:txBody>
       </p:sp>
-      <p:cxnSp>
-        <p:nvCxnSpPr>
-          <p:cNvPr id="14" name="直線コネクタ 13">
-            <a:extLst>
-              <a:ext uri="{FF2B5EF4-FFF2-40B4-BE49-F238E27FC236}">
-                <a16:creationId xmlns:a16="http://schemas.microsoft.com/office/drawing/2014/main" id="{D4DA5D23-0E12-C4BC-7767-50EB3CFEB3F1}"/>
-              </a:ext>
-            </a:extLst>
-          </p:cNvPr>
-          <p:cNvCxnSpPr/>
-          <p:nvPr/>
-        </p:nvCxnSpPr>
-        <p:spPr>
-          <a:xfrm>
-            <a:off x="5535018" y="1602000"/>
-            <a:ext cx="6115050" cy="0"/>
-          </a:xfrm>
-          <a:prstGeom prst="line">
-            <a:avLst/>
-          </a:prstGeom>
-          <a:ln w="38100">
-            <a:solidFill>
-              <a:schemeClr val="accent1"/>
-            </a:solidFill>
-          </a:ln>
-        </p:spPr>
-        <p:style>
-          <a:lnRef idx="1">
-            <a:schemeClr val="accent1"/>
-          </a:lnRef>
-          <a:fillRef idx="0">
-            <a:schemeClr val="accent1"/>
-          </a:fillRef>
-          <a:effectRef idx="0">
-            <a:schemeClr val="accent1"/>
-          </a:effectRef>
-          <a:fontRef idx="minor">
-            <a:schemeClr val="tx1"/>
-          </a:fontRef>
-        </p:style>
-      </p:cxnSp>
-      <p:cxnSp>
-        <p:nvCxnSpPr>
-          <p:cNvPr id="15" name="直線コネクタ 14">
-            <a:extLst>
-              <a:ext uri="{FF2B5EF4-FFF2-40B4-BE49-F238E27FC236}">
-                <a16:creationId xmlns:a16="http://schemas.microsoft.com/office/drawing/2014/main" id="{E479B1D8-2C39-9821-6B48-9C440AF85A31}"/>
-              </a:ext>
-            </a:extLst>
-          </p:cNvPr>
-          <p:cNvCxnSpPr/>
-          <p:nvPr/>
-        </p:nvCxnSpPr>
-        <p:spPr>
-          <a:xfrm>
-            <a:off x="5535018" y="2154450"/>
-            <a:ext cx="6115050" cy="0"/>
-          </a:xfrm>
-          <a:prstGeom prst="line">
-            <a:avLst/>
-          </a:prstGeom>
-          <a:ln w="38100">
-            <a:solidFill>
-              <a:schemeClr val="accent1"/>
-            </a:solidFill>
-          </a:ln>
-        </p:spPr>
-        <p:style>
-          <a:lnRef idx="1">
-            <a:schemeClr val="accent1"/>
-          </a:lnRef>
-          <a:fillRef idx="0">
-            <a:schemeClr val="accent1"/>
-          </a:fillRef>
-          <a:effectRef idx="0">
-            <a:schemeClr val="accent1"/>
-          </a:effectRef>
-          <a:fontRef idx="minor">
-            <a:schemeClr val="tx1"/>
-          </a:fontRef>
-        </p:style>
-      </p:cxnSp>
-      <p:cxnSp>
-        <p:nvCxnSpPr>
-          <p:cNvPr id="16" name="直線コネクタ 15">
-            <a:extLst>
-              <a:ext uri="{FF2B5EF4-FFF2-40B4-BE49-F238E27FC236}">
-                <a16:creationId xmlns:a16="http://schemas.microsoft.com/office/drawing/2014/main" id="{27FF0D5F-7EF0-26A1-E9FA-AA7ACF62D2E9}"/>
-              </a:ext>
-            </a:extLst>
-          </p:cNvPr>
-          <p:cNvCxnSpPr/>
-          <p:nvPr/>
-        </p:nvCxnSpPr>
-        <p:spPr>
-          <a:xfrm>
-            <a:off x="5535018" y="2716425"/>
-            <a:ext cx="6115050" cy="0"/>
-          </a:xfrm>
-          <a:prstGeom prst="line">
-            <a:avLst/>
-          </a:prstGeom>
-          <a:ln w="38100">
-            <a:solidFill>
-              <a:schemeClr val="accent1"/>
-            </a:solidFill>
-          </a:ln>
-        </p:spPr>
-        <p:style>
-          <a:lnRef idx="1">
-            <a:schemeClr val="accent1"/>
-          </a:lnRef>
-          <a:fillRef idx="0">
-            <a:schemeClr val="accent1"/>
-          </a:fillRef>
-          <a:effectRef idx="0">
-            <a:schemeClr val="accent1"/>
-          </a:effectRef>
-          <a:fontRef idx="minor">
-            <a:schemeClr val="tx1"/>
-          </a:fontRef>
-        </p:style>
-      </p:cxnSp>
-      <p:cxnSp>
-        <p:nvCxnSpPr>
-          <p:cNvPr id="17" name="直線コネクタ 16">
-            <a:extLst>
-              <a:ext uri="{FF2B5EF4-FFF2-40B4-BE49-F238E27FC236}">
-                <a16:creationId xmlns:a16="http://schemas.microsoft.com/office/drawing/2014/main" id="{C1068821-DE71-4933-DE50-821896F7CEDB}"/>
-              </a:ext>
-            </a:extLst>
-          </p:cNvPr>
-          <p:cNvCxnSpPr/>
-          <p:nvPr/>
-        </p:nvCxnSpPr>
-        <p:spPr>
-          <a:xfrm>
-            <a:off x="5535018" y="3287925"/>
-            <a:ext cx="6115050" cy="0"/>
-          </a:xfrm>
-          <a:prstGeom prst="line">
-            <a:avLst/>
-          </a:prstGeom>
-          <a:ln w="38100">
-            <a:solidFill>
-              <a:schemeClr val="accent1"/>
-            </a:solidFill>
-          </a:ln>
-        </p:spPr>
-        <p:style>
-          <a:lnRef idx="1">
-            <a:schemeClr val="accent1"/>
-          </a:lnRef>
-          <a:fillRef idx="0">
-            <a:schemeClr val="accent1"/>
-          </a:fillRef>
-          <a:effectRef idx="0">
-            <a:schemeClr val="accent1"/>
-          </a:effectRef>
-          <a:fontRef idx="minor">
-            <a:schemeClr val="tx1"/>
-          </a:fontRef>
-        </p:style>
-      </p:cxnSp>
-      <p:sp>
-        <p:nvSpPr>
-          <p:cNvPr id="25" name="テキスト ボックス 24">
-            <a:extLst>
-              <a:ext uri="{FF2B5EF4-FFF2-40B4-BE49-F238E27FC236}">
-                <a16:creationId xmlns:a16="http://schemas.microsoft.com/office/drawing/2014/main" id="{5286C1FE-99CC-DCA0-8224-ECA66A01DB34}"/>
+      <p:sp>
+        <p:nvSpPr>
+          <p:cNvPr id="7" name="テキスト ボックス 6">
+            <a:extLst>
+              <a:ext uri="{FF2B5EF4-FFF2-40B4-BE49-F238E27FC236}">
+                <a16:creationId xmlns:a16="http://schemas.microsoft.com/office/drawing/2014/main" id="{C23391F7-F622-2535-ED97-00CE685A6CA5}"/>
               </a:ext>
             </a:extLst>
           </p:cNvPr>
@@ -7217,8 +8229,8 @@
         </p:nvSpPr>
         <p:spPr>
           <a:xfrm>
-            <a:off x="8162923" y="1732010"/>
-            <a:ext cx="3487141" cy="369332"/>
+            <a:off x="1783080" y="6183189"/>
+            <a:ext cx="2871608" cy="369332"/>
           </a:xfrm>
           <a:prstGeom prst="rect">
             <a:avLst/>
@@ -7226,26 +8238,24 @@
           <a:noFill/>
         </p:spPr>
         <p:txBody>
-          <a:bodyPr wrap="square" rtlCol="0">
+          <a:bodyPr wrap="square">
             <a:spAutoFit/>
           </a:bodyPr>
           <a:lstStyle/>
           <a:p>
-            <a:pPr algn="ctr"/>
-            <a:r>
-              <a:rPr lang="en-US" altLang="ja-JP" dirty="0"/>
-              <a:t>Google Maps JavaScript API</a:t>
-            </a:r>
-            <a:endParaRPr kumimoji="1" lang="ja-JP" altLang="en-US" dirty="0"/>
-          </a:p>
-        </p:txBody>
-      </p:sp>
-      <p:sp>
-        <p:nvSpPr>
-          <p:cNvPr id="26" name="テキスト ボックス 25">
-            <a:extLst>
-              <a:ext uri="{FF2B5EF4-FFF2-40B4-BE49-F238E27FC236}">
-                <a16:creationId xmlns:a16="http://schemas.microsoft.com/office/drawing/2014/main" id="{48655F4F-D4AC-E8C3-FD80-D679BE199A5E}"/>
+            <a:r>
+              <a:rPr lang="ja-JP" altLang="en-US" dirty="0"/>
+              <a:t>全体の旅程を一覧表示 　</a:t>
+            </a:r>
+          </a:p>
+        </p:txBody>
+      </p:sp>
+      <p:sp>
+        <p:nvSpPr>
+          <p:cNvPr id="20" name="テキスト ボックス 19">
+            <a:extLst>
+              <a:ext uri="{FF2B5EF4-FFF2-40B4-BE49-F238E27FC236}">
+                <a16:creationId xmlns:a16="http://schemas.microsoft.com/office/drawing/2014/main" id="{1F00C253-3C23-0CA7-B4A7-5E6931B07D46}"/>
               </a:ext>
             </a:extLst>
           </p:cNvPr>
@@ -7254,8 +8264,8 @@
         </p:nvSpPr>
         <p:spPr>
           <a:xfrm>
-            <a:off x="8092038" y="2284730"/>
-            <a:ext cx="3409950" cy="369332"/>
+            <a:off x="7236331" y="6154493"/>
+            <a:ext cx="5692140" cy="369332"/>
           </a:xfrm>
           <a:prstGeom prst="rect">
             <a:avLst/>
@@ -7268,144 +8278,48 @@
           </a:bodyPr>
           <a:lstStyle/>
           <a:p>
-            <a:pPr algn="ctr"/>
-            <a:r>
-              <a:rPr lang="en-US" altLang="ja-JP" dirty="0" err="1"/>
-              <a:t>Mapbox</a:t>
-            </a:r>
-            <a:r>
-              <a:rPr lang="en-US" altLang="ja-JP" dirty="0"/>
-              <a:t> Search Box API</a:t>
+            <a:r>
+              <a:rPr lang="ja-JP" altLang="en-US" dirty="0"/>
+              <a:t>選択した日のスケジュールを表示</a:t>
             </a:r>
             <a:endParaRPr kumimoji="1" lang="ja-JP" altLang="en-US" dirty="0"/>
           </a:p>
         </p:txBody>
       </p:sp>
-      <p:sp>
-        <p:nvSpPr>
-          <p:cNvPr id="27" name="テキスト ボックス 26">
-            <a:extLst>
-              <a:ext uri="{FF2B5EF4-FFF2-40B4-BE49-F238E27FC236}">
-                <a16:creationId xmlns:a16="http://schemas.microsoft.com/office/drawing/2014/main" id="{F5A21934-47E1-A15F-FCE7-0E57C9C66652}"/>
-              </a:ext>
-            </a:extLst>
-          </p:cNvPr>
-          <p:cNvSpPr txBox="1"/>
+      <p:pic>
+        <p:nvPicPr>
+          <p:cNvPr id="9" name="図 8">
+            <a:extLst>
+              <a:ext uri="{FF2B5EF4-FFF2-40B4-BE49-F238E27FC236}">
+                <a16:creationId xmlns:a16="http://schemas.microsoft.com/office/drawing/2014/main" id="{6C4E145B-1326-D613-7998-641F9F7B914A}"/>
+              </a:ext>
+            </a:extLst>
+          </p:cNvPr>
+          <p:cNvPicPr>
+            <a:picLocks noChangeAspect="1"/>
+          </p:cNvPicPr>
           <p:nvPr/>
-        </p:nvSpPr>
-        <p:spPr>
-          <a:xfrm>
-            <a:off x="8053442" y="2810733"/>
-            <a:ext cx="3487141" cy="369332"/>
+        </p:nvPicPr>
+        <p:blipFill>
+          <a:blip r:embed="rId5"/>
+          <a:stretch>
+            <a:fillRect/>
+          </a:stretch>
+        </p:blipFill>
+        <p:spPr>
+          <a:xfrm>
+            <a:off x="6214062" y="1174641"/>
+            <a:ext cx="4907328" cy="2014138"/>
           </a:xfrm>
           <a:prstGeom prst="rect">
             <a:avLst/>
           </a:prstGeom>
-          <a:noFill/>
-        </p:spPr>
-        <p:txBody>
-          <a:bodyPr wrap="square" rtlCol="0">
-            <a:spAutoFit/>
-          </a:bodyPr>
-          <a:lstStyle/>
-          <a:p>
-            <a:pPr algn="ctr"/>
-            <a:r>
-              <a:rPr lang="en-US" altLang="ja-JP" dirty="0" err="1"/>
-              <a:t>Mapbox</a:t>
-            </a:r>
-            <a:r>
-              <a:rPr lang="en-US" altLang="ja-JP" dirty="0"/>
-              <a:t> Directions API</a:t>
-            </a:r>
-            <a:endParaRPr kumimoji="1" lang="ja-JP" altLang="en-US" dirty="0"/>
-          </a:p>
-        </p:txBody>
-      </p:sp>
-      <p:sp>
-        <p:nvSpPr>
-          <p:cNvPr id="28" name="テキスト ボックス 27">
-            <a:extLst>
-              <a:ext uri="{FF2B5EF4-FFF2-40B4-BE49-F238E27FC236}">
-                <a16:creationId xmlns:a16="http://schemas.microsoft.com/office/drawing/2014/main" id="{4C98849F-5186-29F6-A287-7FADD9B96F83}"/>
-              </a:ext>
-            </a:extLst>
-          </p:cNvPr>
-          <p:cNvSpPr txBox="1"/>
-          <p:nvPr/>
-        </p:nvSpPr>
-        <p:spPr>
-          <a:xfrm>
-            <a:off x="8053437" y="3372707"/>
-            <a:ext cx="3377659" cy="369332"/>
-          </a:xfrm>
-          <a:prstGeom prst="rect">
-            <a:avLst/>
-          </a:prstGeom>
-          <a:noFill/>
-        </p:spPr>
-        <p:txBody>
-          <a:bodyPr wrap="square" rtlCol="0">
-            <a:spAutoFit/>
-          </a:bodyPr>
-          <a:lstStyle/>
-          <a:p>
-            <a:pPr algn="ctr"/>
-            <a:r>
-              <a:rPr lang="en-US" altLang="ja-JP" dirty="0" err="1"/>
-              <a:t>SortableJS</a:t>
-            </a:r>
-            <a:endParaRPr kumimoji="1" lang="ja-JP" altLang="en-US" dirty="0"/>
-          </a:p>
-        </p:txBody>
-      </p:sp>
-      <p:cxnSp>
-        <p:nvCxnSpPr>
-          <p:cNvPr id="18" name="直線コネクタ 17">
-            <a:extLst>
-              <a:ext uri="{FF2B5EF4-FFF2-40B4-BE49-F238E27FC236}">
-                <a16:creationId xmlns:a16="http://schemas.microsoft.com/office/drawing/2014/main" id="{347AB781-CECE-73C9-15FA-E44CFE00476C}"/>
-              </a:ext>
-            </a:extLst>
-          </p:cNvPr>
-          <p:cNvCxnSpPr>
-            <a:cxnSpLocks/>
-          </p:cNvCxnSpPr>
-          <p:nvPr/>
-        </p:nvCxnSpPr>
-        <p:spPr>
-          <a:xfrm>
-            <a:off x="8092038" y="1207083"/>
-            <a:ext cx="0" cy="2559737"/>
-          </a:xfrm>
-          <a:prstGeom prst="line">
-            <a:avLst/>
-          </a:prstGeom>
-          <a:ln w="38100">
-            <a:solidFill>
-              <a:schemeClr val="accent1"/>
-            </a:solidFill>
-          </a:ln>
-        </p:spPr>
-        <p:style>
-          <a:lnRef idx="1">
-            <a:schemeClr val="accent1"/>
-          </a:lnRef>
-          <a:fillRef idx="0">
-            <a:schemeClr val="accent1"/>
-          </a:fillRef>
-          <a:effectRef idx="0">
-            <a:schemeClr val="accent1"/>
-          </a:effectRef>
-          <a:fontRef idx="minor">
-            <a:schemeClr val="tx1"/>
-          </a:fontRef>
-        </p:style>
-      </p:cxnSp>
+        </p:spPr>
+      </p:pic>
     </p:spTree>
     <p:extLst>
       <p:ext uri="{BB962C8B-B14F-4D97-AF65-F5344CB8AC3E}">
-        <p14:creationId xmlns:p14="http://schemas.microsoft.com/office/powerpoint/2010/main" val="3679023673"/>
+        <p14:creationId xmlns:p14="http://schemas.microsoft.com/office/powerpoint/2010/main" val="202571377"/>
       </p:ext>
     </p:extLst>
   </p:cSld>
@@ -8396,6 +9310,137 @@
     <p:extLst>
       <p:ext uri="{BB962C8B-B14F-4D97-AF65-F5344CB8AC3E}">
         <p14:creationId xmlns:p14="http://schemas.microsoft.com/office/powerpoint/2010/main" val="4187096032"/>
+      </p:ext>
+    </p:extLst>
+  </p:cSld>
+  <p:clrMapOvr>
+    <a:masterClrMapping/>
+  </p:clrMapOvr>
+</p:sld>
+</file>
+
+<file path=ppt/slides/slide9.xml><?xml version="1.0" encoding="utf-8"?>
+<p:sld xmlns:a="http://schemas.openxmlformats.org/drawingml/2006/main" xmlns:r="http://schemas.openxmlformats.org/officeDocument/2006/relationships" xmlns:p="http://schemas.openxmlformats.org/presentationml/2006/main">
+  <p:cSld>
+    <p:spTree>
+      <p:nvGrpSpPr>
+        <p:cNvPr id="1" name=""/>
+        <p:cNvGrpSpPr/>
+        <p:nvPr/>
+      </p:nvGrpSpPr>
+      <p:grpSpPr>
+        <a:xfrm>
+          <a:off x="0" y="0"/>
+          <a:ext cx="0" cy="0"/>
+          <a:chOff x="0" y="0"/>
+          <a:chExt cx="0" cy="0"/>
+        </a:xfrm>
+      </p:grpSpPr>
+      <p:pic>
+        <p:nvPicPr>
+          <p:cNvPr id="4" name="図 3">
+            <a:extLst>
+              <a:ext uri="{FF2B5EF4-FFF2-40B4-BE49-F238E27FC236}">
+                <a16:creationId xmlns:a16="http://schemas.microsoft.com/office/drawing/2014/main" id="{1103AFEC-7820-C8B1-2002-57CB4FE3CF03}"/>
+              </a:ext>
+            </a:extLst>
+          </p:cNvPr>
+          <p:cNvPicPr>
+            <a:picLocks noChangeAspect="1"/>
+          </p:cNvPicPr>
+          <p:nvPr/>
+        </p:nvPicPr>
+        <p:blipFill>
+          <a:blip r:embed="rId2"/>
+          <a:stretch>
+            <a:fillRect/>
+          </a:stretch>
+        </p:blipFill>
+        <p:spPr>
+          <a:xfrm>
+            <a:off x="2651108" y="120377"/>
+            <a:ext cx="6287152" cy="3308623"/>
+          </a:xfrm>
+          <a:prstGeom prst="rect">
+            <a:avLst/>
+          </a:prstGeom>
+        </p:spPr>
+      </p:pic>
+      <p:pic>
+        <p:nvPicPr>
+          <p:cNvPr id="5" name="図 4">
+            <a:extLst>
+              <a:ext uri="{FF2B5EF4-FFF2-40B4-BE49-F238E27FC236}">
+                <a16:creationId xmlns:a16="http://schemas.microsoft.com/office/drawing/2014/main" id="{0C98D62D-5AFF-14C3-3BE0-13AE7E633B0A}"/>
+              </a:ext>
+            </a:extLst>
+          </p:cNvPr>
+          <p:cNvPicPr>
+            <a:picLocks noChangeAspect="1"/>
+          </p:cNvPicPr>
+          <p:nvPr/>
+        </p:nvPicPr>
+        <p:blipFill>
+          <a:blip r:embed="rId3"/>
+          <a:stretch>
+            <a:fillRect/>
+          </a:stretch>
+        </p:blipFill>
+        <p:spPr>
+          <a:xfrm>
+            <a:off x="2479004" y="3674383"/>
+            <a:ext cx="7035871" cy="2971800"/>
+          </a:xfrm>
+          <a:prstGeom prst="rect">
+            <a:avLst/>
+          </a:prstGeom>
+        </p:spPr>
+      </p:pic>
+      <p:cxnSp>
+        <p:nvCxnSpPr>
+          <p:cNvPr id="6" name="直線矢印コネクタ 5">
+            <a:extLst>
+              <a:ext uri="{FF2B5EF4-FFF2-40B4-BE49-F238E27FC236}">
+                <a16:creationId xmlns:a16="http://schemas.microsoft.com/office/drawing/2014/main" id="{729115E7-760B-3BD8-20BE-9D10E8CB4628}"/>
+              </a:ext>
+            </a:extLst>
+          </p:cNvPr>
+          <p:cNvCxnSpPr>
+            <a:cxnSpLocks/>
+          </p:cNvCxnSpPr>
+          <p:nvPr/>
+        </p:nvCxnSpPr>
+        <p:spPr>
+          <a:xfrm>
+            <a:off x="5996940" y="3337560"/>
+            <a:ext cx="0" cy="638175"/>
+          </a:xfrm>
+          <a:prstGeom prst="straightConnector1">
+            <a:avLst/>
+          </a:prstGeom>
+          <a:ln w="76200">
+            <a:tailEnd type="triangle"/>
+          </a:ln>
+        </p:spPr>
+        <p:style>
+          <a:lnRef idx="1">
+            <a:schemeClr val="dk1"/>
+          </a:lnRef>
+          <a:fillRef idx="0">
+            <a:schemeClr val="dk1"/>
+          </a:fillRef>
+          <a:effectRef idx="0">
+            <a:schemeClr val="dk1"/>
+          </a:effectRef>
+          <a:fontRef idx="minor">
+            <a:schemeClr val="tx1"/>
+          </a:fontRef>
+        </p:style>
+      </p:cxnSp>
+    </p:spTree>
+    <p:extLst>
+      <p:ext uri="{BB962C8B-B14F-4D97-AF65-F5344CB8AC3E}">
+        <p14:creationId xmlns:p14="http://schemas.microsoft.com/office/powerpoint/2010/main" val="1010140577"/>
       </p:ext>
     </p:extLst>
   </p:cSld>

--- a/handout/kanon.pptx
+++ b/handout/kanon.pptx
@@ -1702,12 +1702,8 @@
           <a:lstStyle/>
           <a:p>
             <a:r>
-              <a:rPr lang="ja-JP" altLang="en-US"/>
-              <a:t>旅行前</a:t>
-            </a:r>
-            <a:r>
               <a:rPr lang="ja-JP" altLang="en-US" dirty="0"/>
-              <a:t>の準備をスムーズに進められるよう、本アプリではチェックリスト機能を実装しました。</a:t>
+              <a:t>旅行前の準備をスムーズに進められるよう、本アプリではチェックリスト機能を実装しました。</a:t>
             </a:r>
             <a:endParaRPr kumimoji="1" lang="en-US" altLang="ja-JP" sz="1200" b="0" i="0" u="none" strike="noStrike" kern="1200" baseline="0" dirty="0">
               <a:solidFill>
@@ -1778,8 +1774,16 @@
               <a:rPr lang="ja-JP" altLang="en-US" b="0" dirty="0">
                 <a:effectLst/>
               </a:rPr>
-              <a:t>これらの機能により、ユーザーは迷うことなく、効率的かつ確実に旅行準備を進めることができ、安心して出発できる環境を整えることが可能となりました。</a:t>
-            </a:r>
+              <a:t>これらの機能により、ユーザーは迷うことなく、効率的かつ確実に旅行準備を進めることができ、安心して出発できる環境を整えることが可能になったと考えています。</a:t>
+            </a:r>
+            <a:endParaRPr lang="en-US" altLang="ja-JP" b="0" dirty="0">
+              <a:effectLst/>
+            </a:endParaRPr>
+          </a:p>
+          <a:p>
+            <a:endParaRPr lang="ja-JP" altLang="en-US" b="0" dirty="0">
+              <a:effectLst/>
+            </a:endParaRPr>
           </a:p>
           <a:p>
             <a:endParaRPr kumimoji="1" lang="ja-JP" altLang="en-US" dirty="0"/>

--- a/handout/kanon.pptx
+++ b/handout/kanon.pptx
@@ -5,7 +5,7 @@
     <p:sldMasterId id="2147483648" r:id="rId1"/>
   </p:sldMasterIdLst>
   <p:notesMasterIdLst>
-    <p:notesMasterId r:id="rId12"/>
+    <p:notesMasterId r:id="rId11"/>
   </p:notesMasterIdLst>
   <p:sldIdLst>
     <p:sldId id="256" r:id="rId2"/>
@@ -15,9 +15,8 @@
     <p:sldId id="267" r:id="rId6"/>
     <p:sldId id="264" r:id="rId7"/>
     <p:sldId id="263" r:id="rId8"/>
-    <p:sldId id="265" r:id="rId9"/>
-    <p:sldId id="266" r:id="rId10"/>
-    <p:sldId id="262" r:id="rId11"/>
+    <p:sldId id="268" r:id="rId9"/>
+    <p:sldId id="265" r:id="rId10"/>
   </p:sldIdLst>
   <p:sldSz cx="12192000" cy="6858000"/>
   <p:notesSz cx="6858000" cy="9144000"/>
@@ -1766,7 +1765,7 @@
               <a:rPr lang="ja-JP" altLang="en-US" b="0" dirty="0">
                 <a:effectLst/>
               </a:rPr>
-              <a:t>さらに、チェック項目はクリック操作で完了状態を保存でき、画面上に現在の準備状況が視覚的に表示されるため、何を準備済みか一目で把握できます。</a:t>
+              <a:t>さらに、チェック項目はクリック操作で完了状態を保存でき、画面上に現在の準備状況が視覚的に表示されるため、何を準備済みか一目で把握できるようになりました。</a:t>
             </a:r>
           </a:p>
           <a:p>
@@ -1870,146 +1869,6 @@
           <a:bodyPr/>
           <a:lstStyle/>
           <a:p>
-            <a:pPr marL="0" marR="0" lvl="0" indent="0" algn="l" defTabSz="914400" rtl="0" eaLnBrk="1" fontAlgn="auto" latinLnBrk="0" hangingPunct="1">
-              <a:lnSpc>
-                <a:spcPct val="100000"/>
-              </a:lnSpc>
-              <a:spcBef>
-                <a:spcPts val="0"/>
-              </a:spcBef>
-              <a:spcAft>
-                <a:spcPts val="0"/>
-              </a:spcAft>
-              <a:buClrTx/>
-              <a:buSzTx/>
-              <a:buFontTx/>
-              <a:buNone/>
-              <a:tabLst/>
-              <a:defRPr/>
-            </a:pPr>
-            <a:r>
-              <a:rPr lang="ja-JP" altLang="en-US" dirty="0">
-                <a:effectLst/>
-              </a:rPr>
-              <a:t>次にご紹介するのは、旅行詳細画面です。 </a:t>
-            </a:r>
-            <a:endParaRPr lang="en-US" altLang="ja-JP" dirty="0">
-              <a:effectLst/>
-            </a:endParaRPr>
-          </a:p>
-          <a:p>
-            <a:pPr marL="0" marR="0" lvl="0" indent="0" algn="l" defTabSz="914400" rtl="0" eaLnBrk="1" fontAlgn="auto" latinLnBrk="0" hangingPunct="1">
-              <a:lnSpc>
-                <a:spcPct val="100000"/>
-              </a:lnSpc>
-              <a:spcBef>
-                <a:spcPts val="0"/>
-              </a:spcBef>
-              <a:spcAft>
-                <a:spcPts val="0"/>
-              </a:spcAft>
-              <a:buClrTx/>
-              <a:buSzTx/>
-              <a:buFontTx/>
-              <a:buNone/>
-              <a:tabLst/>
-              <a:defRPr/>
-            </a:pPr>
-            <a:r>
-              <a:rPr lang="ja-JP" altLang="en-US" dirty="0">
-                <a:effectLst/>
-              </a:rPr>
-              <a:t>この画面では、旅行ごとの具体的な計画を立てることができます。 </a:t>
-            </a:r>
-            <a:endParaRPr lang="en-US" altLang="ja-JP" dirty="0">
-              <a:effectLst/>
-            </a:endParaRPr>
-          </a:p>
-          <a:p>
-            <a:pPr marL="0" marR="0" lvl="0" indent="0" algn="l" defTabSz="914400" rtl="0" eaLnBrk="1" fontAlgn="auto" latinLnBrk="0" hangingPunct="1">
-              <a:lnSpc>
-                <a:spcPct val="100000"/>
-              </a:lnSpc>
-              <a:spcBef>
-                <a:spcPts val="0"/>
-              </a:spcBef>
-              <a:spcAft>
-                <a:spcPts val="0"/>
-              </a:spcAft>
-              <a:buClrTx/>
-              <a:buSzTx/>
-              <a:buFontTx/>
-              <a:buNone/>
-              <a:tabLst/>
-              <a:defRPr/>
-            </a:pPr>
-            <a:r>
-              <a:rPr lang="ja-JP" altLang="en-US" dirty="0">
-                <a:effectLst/>
-              </a:rPr>
-              <a:t>主な機能としては、地図の表示、観光地の登録、観光地間の移動時間の自動算出、訪問順序の入れ替え、そしてタブによる画面切り替えが可能です。</a:t>
-            </a:r>
-            <a:endParaRPr lang="en-US" altLang="ja-JP" dirty="0">
-              <a:effectLst/>
-            </a:endParaRPr>
-          </a:p>
-          <a:p>
-            <a:pPr marL="0" marR="0" lvl="0" indent="0" algn="l" defTabSz="914400" rtl="0" eaLnBrk="1" fontAlgn="auto" latinLnBrk="0" hangingPunct="1">
-              <a:lnSpc>
-                <a:spcPct val="100000"/>
-              </a:lnSpc>
-              <a:spcBef>
-                <a:spcPts val="0"/>
-              </a:spcBef>
-              <a:spcAft>
-                <a:spcPts val="0"/>
-              </a:spcAft>
-              <a:buClrTx/>
-              <a:buSzTx/>
-              <a:buFontTx/>
-              <a:buNone/>
-              <a:tabLst/>
-              <a:defRPr/>
-            </a:pPr>
-            <a:r>
-              <a:rPr lang="ja-JP" altLang="en-US" dirty="0">
-                <a:effectLst/>
-              </a:rPr>
-              <a:t> これらの機能は、右上に記載している使用技術を活用して実装しました。 </a:t>
-            </a:r>
-            <a:endParaRPr lang="en-US" altLang="ja-JP" dirty="0">
-              <a:effectLst/>
-            </a:endParaRPr>
-          </a:p>
-          <a:p>
-            <a:pPr marL="0" marR="0" lvl="0" indent="0" algn="l" defTabSz="914400" rtl="0" eaLnBrk="1" fontAlgn="auto" latinLnBrk="0" hangingPunct="1">
-              <a:lnSpc>
-                <a:spcPct val="100000"/>
-              </a:lnSpc>
-              <a:spcBef>
-                <a:spcPts val="0"/>
-              </a:spcBef>
-              <a:spcAft>
-                <a:spcPts val="0"/>
-              </a:spcAft>
-              <a:buClrTx/>
-              <a:buSzTx/>
-              <a:buFontTx/>
-              <a:buNone/>
-              <a:tabLst/>
-              <a:defRPr/>
-            </a:pPr>
-            <a:r>
-              <a:rPr lang="ja-JP" altLang="en-US" dirty="0">
-                <a:effectLst/>
-              </a:rPr>
-              <a:t>その結果、下の図のように、視覚的にわかりやすく、操作しやすい旅行詳細画面を実現しています。</a:t>
-            </a:r>
-            <a:endParaRPr lang="en-US" altLang="ja-JP" dirty="0">
-              <a:effectLst/>
-            </a:endParaRPr>
-          </a:p>
-          <a:p>
             <a:r>
               <a:rPr kumimoji="1" lang="ja-JP" altLang="en-US" sz="1200" b="0" i="0" u="none" strike="noStrike" kern="1200" baseline="0" dirty="0">
                 <a:solidFill>
@@ -2019,19 +1878,18 @@
                 <a:ea typeface="+mn-ea"/>
                 <a:cs typeface="+mn-cs"/>
               </a:rPr>
-              <a:t>左パネルで示しているのは全旅程画面で</a:t>
-            </a:r>
-            <a:r>
-              <a:rPr kumimoji="1" lang="en-US" altLang="ja-JP" sz="1200" b="0" i="0" u="none" strike="noStrike" kern="1200" baseline="0" dirty="0">
-                <a:solidFill>
-                  <a:schemeClr val="tx1"/>
-                </a:solidFill>
-                <a:latin typeface="+mn-lt"/>
-                <a:ea typeface="+mn-ea"/>
-                <a:cs typeface="+mn-cs"/>
-              </a:rPr>
-              <a:t>, </a:t>
-            </a:r>
+              <a:t>本アプリでは、地図表示や移動時間の自動算出、共有機能，さらにチェックリスト機能などを実装しました。</a:t>
+            </a:r>
+            <a:endParaRPr kumimoji="1" lang="en-US" altLang="ja-JP" sz="1200" b="0" i="0" u="none" strike="noStrike" kern="1200" baseline="0" dirty="0">
+              <a:solidFill>
+                <a:schemeClr val="tx1"/>
+              </a:solidFill>
+              <a:latin typeface="+mn-lt"/>
+              <a:ea typeface="+mn-ea"/>
+              <a:cs typeface="+mn-cs"/>
+            </a:endParaRPr>
+          </a:p>
+          <a:p>
             <a:r>
               <a:rPr kumimoji="1" lang="ja-JP" altLang="en-US" sz="1200" b="0" i="0" u="none" strike="noStrike" kern="1200" baseline="0" dirty="0">
                 <a:solidFill>
@@ -2041,81 +1899,9 @@
                 <a:ea typeface="+mn-ea"/>
                 <a:cs typeface="+mn-cs"/>
               </a:rPr>
-              <a:t>個別の日程を選択すると</a:t>
-            </a:r>
-            <a:r>
-              <a:rPr kumimoji="1" lang="en-US" altLang="ja-JP" sz="1200" b="0" i="0" u="none" strike="noStrike" kern="1200" baseline="0" dirty="0">
-                <a:solidFill>
-                  <a:schemeClr val="tx1"/>
-                </a:solidFill>
-                <a:latin typeface="+mn-lt"/>
-                <a:ea typeface="+mn-ea"/>
-                <a:cs typeface="+mn-cs"/>
-              </a:rPr>
-              <a:t>, </a:t>
-            </a:r>
-            <a:r>
-              <a:rPr kumimoji="1" lang="ja-JP" altLang="en-US" sz="1200" b="0" i="0" u="none" strike="noStrike" kern="1200" baseline="0" dirty="0">
-                <a:solidFill>
-                  <a:schemeClr val="tx1"/>
-                </a:solidFill>
-                <a:latin typeface="+mn-lt"/>
-                <a:ea typeface="+mn-ea"/>
-                <a:cs typeface="+mn-cs"/>
-              </a:rPr>
-              <a:t>右パネルのように遷移します。</a:t>
-            </a:r>
-            <a:endParaRPr kumimoji="1" lang="en-US" altLang="ja-JP" sz="1200" b="0" i="0" u="none" strike="noStrike" kern="1200" baseline="0" dirty="0">
-              <a:solidFill>
-                <a:schemeClr val="tx1"/>
-              </a:solidFill>
-              <a:latin typeface="+mn-lt"/>
-              <a:ea typeface="+mn-ea"/>
-              <a:cs typeface="+mn-cs"/>
-            </a:endParaRPr>
-          </a:p>
-          <a:p>
-            <a:r>
-              <a:rPr kumimoji="1" lang="ja-JP" altLang="en-US" sz="1200" b="0" i="0" u="none" strike="noStrike" kern="1200" baseline="0" dirty="0">
-                <a:solidFill>
-                  <a:schemeClr val="tx1"/>
-                </a:solidFill>
-                <a:latin typeface="+mn-lt"/>
-                <a:ea typeface="+mn-ea"/>
-                <a:cs typeface="+mn-cs"/>
-              </a:rPr>
-              <a:t>これにより</a:t>
-            </a:r>
-            <a:r>
-              <a:rPr kumimoji="1" lang="en-US" altLang="ja-JP" sz="1200" b="0" i="0" u="none" strike="noStrike" kern="1200" baseline="0" dirty="0">
-                <a:solidFill>
-                  <a:schemeClr val="tx1"/>
-                </a:solidFill>
-                <a:latin typeface="+mn-lt"/>
-                <a:ea typeface="+mn-ea"/>
-                <a:cs typeface="+mn-cs"/>
-              </a:rPr>
-              <a:t>,</a:t>
-            </a:r>
-            <a:r>
-              <a:rPr kumimoji="1" lang="ja-JP" altLang="en-US" sz="1200" b="0" i="0" u="none" strike="noStrike" kern="1200" baseline="0" dirty="0">
-                <a:solidFill>
-                  <a:schemeClr val="tx1"/>
-                </a:solidFill>
-                <a:latin typeface="+mn-lt"/>
-                <a:ea typeface="+mn-ea"/>
-                <a:cs typeface="+mn-cs"/>
-              </a:rPr>
-              <a:t>個別日の旅程を詳しく確認することが可能となりました。</a:t>
-            </a:r>
-            <a:endParaRPr kumimoji="1" lang="en-US" altLang="ja-JP" dirty="0"/>
-          </a:p>
-          <a:p>
-            <a:r>
-              <a:rPr kumimoji="1" lang="ja-JP" altLang="en-US" dirty="0"/>
-              <a:t>また、この旅行詳細は共有を行うことができます。</a:t>
-            </a:r>
-            <a:endParaRPr kumimoji="1" lang="en-US" altLang="ja-JP" dirty="0"/>
+              <a:t>これにより，「旅しお」よりも旅行計画と準備を効率的に進められる旅行支援アプリとなったと考えています。</a:t>
+            </a:r>
+            <a:endParaRPr kumimoji="1" lang="ja-JP" altLang="en-US" dirty="0"/>
           </a:p>
         </p:txBody>
       </p:sp>
@@ -2136,7 +1922,7 @@
           <a:p>
             <a:fld id="{091E0134-A0D1-45BA-A7E7-F8CF222E6417}" type="slidenum">
               <a:rPr kumimoji="1" lang="ja-JP" altLang="en-US" smtClean="0"/>
-              <a:t>10</a:t>
+              <a:t>8</a:t>
             </a:fld>
             <a:endParaRPr kumimoji="1" lang="ja-JP" altLang="en-US"/>
           </a:p>
@@ -2145,7 +1931,7 @@
     </p:spTree>
     <p:extLst>
       <p:ext uri="{BB962C8B-B14F-4D97-AF65-F5344CB8AC3E}">
-        <p14:creationId xmlns:p14="http://schemas.microsoft.com/office/powerpoint/2010/main" val="2101170980"/>
+        <p14:creationId xmlns:p14="http://schemas.microsoft.com/office/powerpoint/2010/main" val="920476046"/>
       </p:ext>
     </p:extLst>
   </p:cSld>
@@ -5787,863 +5573,6 @@
 </p:sld>
 </file>
 
-<file path=ppt/slides/slide10.xml><?xml version="1.0" encoding="utf-8"?>
-<p:sld xmlns:a="http://schemas.openxmlformats.org/drawingml/2006/main" xmlns:r="http://schemas.openxmlformats.org/officeDocument/2006/relationships" xmlns:p="http://schemas.openxmlformats.org/presentationml/2006/main">
-  <p:cSld>
-    <p:spTree>
-      <p:nvGrpSpPr>
-        <p:cNvPr id="1" name="">
-          <a:extLst>
-            <a:ext uri="{FF2B5EF4-FFF2-40B4-BE49-F238E27FC236}">
-              <a16:creationId xmlns:a16="http://schemas.microsoft.com/office/drawing/2014/main" id="{D4533FBC-D900-B0F0-A49A-3B843E333F50}"/>
-            </a:ext>
-          </a:extLst>
-        </p:cNvPr>
-        <p:cNvGrpSpPr/>
-        <p:nvPr/>
-      </p:nvGrpSpPr>
-      <p:grpSpPr>
-        <a:xfrm>
-          <a:off x="0" y="0"/>
-          <a:ext cx="0" cy="0"/>
-          <a:chOff x="0" y="0"/>
-          <a:chExt cx="0" cy="0"/>
-        </a:xfrm>
-      </p:grpSpPr>
-      <p:pic>
-        <p:nvPicPr>
-          <p:cNvPr id="19" name="図 18">
-            <a:extLst>
-              <a:ext uri="{FF2B5EF4-FFF2-40B4-BE49-F238E27FC236}">
-                <a16:creationId xmlns:a16="http://schemas.microsoft.com/office/drawing/2014/main" id="{14FDAC44-C069-B023-5297-13B5BA30717A}"/>
-              </a:ext>
-            </a:extLst>
-          </p:cNvPr>
-          <p:cNvPicPr>
-            <a:picLocks noChangeAspect="1"/>
-          </p:cNvPicPr>
-          <p:nvPr/>
-        </p:nvPicPr>
-        <p:blipFill>
-          <a:blip r:embed="rId3"/>
-          <a:stretch>
-            <a:fillRect/>
-          </a:stretch>
-        </p:blipFill>
-        <p:spPr>
-          <a:xfrm>
-            <a:off x="147938" y="3592423"/>
-            <a:ext cx="5035706" cy="2650048"/>
-          </a:xfrm>
-          <a:prstGeom prst="rect">
-            <a:avLst/>
-          </a:prstGeom>
-        </p:spPr>
-      </p:pic>
-      <p:pic>
-        <p:nvPicPr>
-          <p:cNvPr id="8" name="図 7">
-            <a:extLst>
-              <a:ext uri="{FF2B5EF4-FFF2-40B4-BE49-F238E27FC236}">
-                <a16:creationId xmlns:a16="http://schemas.microsoft.com/office/drawing/2014/main" id="{1CB0FD59-7658-5CA1-0079-8C208FD2276E}"/>
-              </a:ext>
-            </a:extLst>
-          </p:cNvPr>
-          <p:cNvPicPr>
-            <a:picLocks noChangeAspect="1"/>
-          </p:cNvPicPr>
-          <p:nvPr/>
-        </p:nvPicPr>
-        <p:blipFill>
-          <a:blip r:embed="rId4"/>
-          <a:stretch>
-            <a:fillRect/>
-          </a:stretch>
-        </p:blipFill>
-        <p:spPr>
-          <a:xfrm>
-            <a:off x="5535018" y="4028078"/>
-            <a:ext cx="6274108" cy="2650048"/>
-          </a:xfrm>
-          <a:prstGeom prst="rect">
-            <a:avLst/>
-          </a:prstGeom>
-        </p:spPr>
-      </p:pic>
-      <p:sp>
-        <p:nvSpPr>
-          <p:cNvPr id="32" name="テキスト ボックス 31">
-            <a:extLst>
-              <a:ext uri="{FF2B5EF4-FFF2-40B4-BE49-F238E27FC236}">
-                <a16:creationId xmlns:a16="http://schemas.microsoft.com/office/drawing/2014/main" id="{A7FDCAB3-5B26-EEAE-073B-887F1D513961}"/>
-              </a:ext>
-            </a:extLst>
-          </p:cNvPr>
-          <p:cNvSpPr txBox="1"/>
-          <p:nvPr/>
-        </p:nvSpPr>
-        <p:spPr>
-          <a:xfrm>
-            <a:off x="5535018" y="1213619"/>
-            <a:ext cx="6115040" cy="369332"/>
-          </a:xfrm>
-          <a:prstGeom prst="rect">
-            <a:avLst/>
-          </a:prstGeom>
-          <a:solidFill>
-            <a:schemeClr val="accent1">
-              <a:lumMod val="20000"/>
-              <a:lumOff val="80000"/>
-            </a:schemeClr>
-          </a:solidFill>
-        </p:spPr>
-        <p:txBody>
-          <a:bodyPr wrap="square" rtlCol="0">
-            <a:spAutoFit/>
-          </a:bodyPr>
-          <a:lstStyle/>
-          <a:p>
-            <a:endParaRPr kumimoji="1" lang="ja-JP" altLang="en-US" dirty="0"/>
-          </a:p>
-        </p:txBody>
-      </p:sp>
-      <p:sp>
-        <p:nvSpPr>
-          <p:cNvPr id="10" name="テキスト ボックス 9">
-            <a:extLst>
-              <a:ext uri="{FF2B5EF4-FFF2-40B4-BE49-F238E27FC236}">
-                <a16:creationId xmlns:a16="http://schemas.microsoft.com/office/drawing/2014/main" id="{BC5A6197-ECEC-4BE4-5D1A-705A85D77BBB}"/>
-              </a:ext>
-            </a:extLst>
-          </p:cNvPr>
-          <p:cNvSpPr txBox="1"/>
-          <p:nvPr/>
-        </p:nvSpPr>
-        <p:spPr>
-          <a:xfrm>
-            <a:off x="5535018" y="1195467"/>
-            <a:ext cx="6115050" cy="2585323"/>
-          </a:xfrm>
-          <a:prstGeom prst="rect">
-            <a:avLst/>
-          </a:prstGeom>
-          <a:noFill/>
-          <a:ln w="28575">
-            <a:solidFill>
-              <a:schemeClr val="accent1"/>
-            </a:solidFill>
-          </a:ln>
-        </p:spPr>
-        <p:txBody>
-          <a:bodyPr wrap="square">
-            <a:spAutoFit/>
-          </a:bodyPr>
-          <a:lstStyle/>
-          <a:p>
-            <a:r>
-              <a:rPr lang="ja-JP" altLang="en-US" dirty="0"/>
-              <a:t>           機能　　　　　　　　　　　使用技術</a:t>
-            </a:r>
-            <a:endParaRPr lang="en-US" altLang="ja-JP" dirty="0"/>
-          </a:p>
-          <a:p>
-            <a:endParaRPr lang="en-US" altLang="ja-JP" dirty="0"/>
-          </a:p>
-          <a:p>
-            <a:r>
-              <a:rPr lang="ja-JP" altLang="en-US" dirty="0"/>
-              <a:t>         地図表示</a:t>
-            </a:r>
-            <a:endParaRPr lang="en-US" altLang="ja-JP" dirty="0"/>
-          </a:p>
-          <a:p>
-            <a:endParaRPr lang="en-US" altLang="ja-JP" dirty="0"/>
-          </a:p>
-          <a:p>
-            <a:r>
-              <a:rPr lang="ja-JP" altLang="en-US" dirty="0"/>
-              <a:t>        観光地登録</a:t>
-            </a:r>
-            <a:endParaRPr lang="en-US" altLang="ja-JP" dirty="0"/>
-          </a:p>
-          <a:p>
-            <a:endParaRPr lang="en-US" altLang="ja-JP" dirty="0"/>
-          </a:p>
-          <a:p>
-            <a:r>
-              <a:rPr lang="ja-JP" altLang="en-US" dirty="0"/>
-              <a:t>   移動時間の自動算出</a:t>
-            </a:r>
-            <a:endParaRPr lang="en-US" altLang="ja-JP" dirty="0"/>
-          </a:p>
-          <a:p>
-            <a:endParaRPr lang="en-US" altLang="ja-JP" dirty="0"/>
-          </a:p>
-          <a:p>
-            <a:r>
-              <a:rPr lang="ja-JP" altLang="en-US" dirty="0"/>
-              <a:t>    訪問順序入れ替え</a:t>
-            </a:r>
-            <a:endParaRPr lang="en-US" altLang="ja-JP" dirty="0">
-              <a:latin typeface="CMR12"/>
-            </a:endParaRPr>
-          </a:p>
-        </p:txBody>
-      </p:sp>
-      <p:sp>
-        <p:nvSpPr>
-          <p:cNvPr id="4" name="テキスト ボックス 3">
-            <a:extLst>
-              <a:ext uri="{FF2B5EF4-FFF2-40B4-BE49-F238E27FC236}">
-                <a16:creationId xmlns:a16="http://schemas.microsoft.com/office/drawing/2014/main" id="{B81D8629-8F8E-46FE-6318-1A421D546D51}"/>
-              </a:ext>
-            </a:extLst>
-          </p:cNvPr>
-          <p:cNvSpPr txBox="1"/>
-          <p:nvPr/>
-        </p:nvSpPr>
-        <p:spPr>
-          <a:xfrm>
-            <a:off x="467360" y="255181"/>
-            <a:ext cx="2631440" cy="584775"/>
-          </a:xfrm>
-          <a:prstGeom prst="rect">
-            <a:avLst/>
-          </a:prstGeom>
-          <a:noFill/>
-        </p:spPr>
-        <p:txBody>
-          <a:bodyPr wrap="square" rtlCol="0">
-            <a:spAutoFit/>
-          </a:bodyPr>
-          <a:lstStyle/>
-          <a:p>
-            <a:r>
-              <a:rPr kumimoji="1" lang="ja-JP" altLang="en-US" sz="3200" dirty="0"/>
-              <a:t>旅行詳細画面</a:t>
-            </a:r>
-          </a:p>
-        </p:txBody>
-      </p:sp>
-      <p:sp>
-        <p:nvSpPr>
-          <p:cNvPr id="5" name="テキスト ボックス 4">
-            <a:extLst>
-              <a:ext uri="{FF2B5EF4-FFF2-40B4-BE49-F238E27FC236}">
-                <a16:creationId xmlns:a16="http://schemas.microsoft.com/office/drawing/2014/main" id="{B4DCA592-299B-91D5-948C-1BAF76354F14}"/>
-              </a:ext>
-            </a:extLst>
-          </p:cNvPr>
-          <p:cNvSpPr txBox="1"/>
-          <p:nvPr/>
-        </p:nvSpPr>
-        <p:spPr>
-          <a:xfrm>
-            <a:off x="909575" y="1213619"/>
-            <a:ext cx="4815840" cy="1938992"/>
-          </a:xfrm>
-          <a:prstGeom prst="rect">
-            <a:avLst/>
-          </a:prstGeom>
-          <a:noFill/>
-        </p:spPr>
-        <p:txBody>
-          <a:bodyPr wrap="square" rtlCol="0">
-            <a:spAutoFit/>
-          </a:bodyPr>
-          <a:lstStyle/>
-          <a:p>
-            <a:r>
-              <a:rPr kumimoji="1" lang="en-US" altLang="ja-JP" sz="2000" dirty="0"/>
-              <a:t>- </a:t>
-            </a:r>
-            <a:r>
-              <a:rPr kumimoji="1" lang="ja-JP" altLang="en-US" sz="2000" dirty="0"/>
-              <a:t>地図表示</a:t>
-            </a:r>
-            <a:endParaRPr kumimoji="1" lang="en-US" altLang="ja-JP" sz="2000" dirty="0"/>
-          </a:p>
-          <a:p>
-            <a:r>
-              <a:rPr lang="en-US" altLang="ja-JP" sz="2000" dirty="0"/>
-              <a:t>- </a:t>
-            </a:r>
-            <a:r>
-              <a:rPr lang="ja-JP" altLang="en-US" sz="2000" dirty="0"/>
-              <a:t>観光地登録</a:t>
-            </a:r>
-            <a:endParaRPr lang="en-US" altLang="ja-JP" sz="2000" dirty="0"/>
-          </a:p>
-          <a:p>
-            <a:r>
-              <a:rPr lang="en-US" altLang="ja-JP" sz="2000" dirty="0"/>
-              <a:t>-</a:t>
-            </a:r>
-            <a:r>
-              <a:rPr lang="ja-JP" altLang="en-US" sz="2000" dirty="0"/>
-              <a:t> 観光地の移動時間を自動算出</a:t>
-            </a:r>
-            <a:endParaRPr lang="en-US" altLang="ja-JP" sz="2000" dirty="0"/>
-          </a:p>
-          <a:p>
-            <a:r>
-              <a:rPr lang="en-US" altLang="ja-JP" sz="2000" dirty="0"/>
-              <a:t>- </a:t>
-            </a:r>
-            <a:r>
-              <a:rPr lang="ja-JP" altLang="en-US" sz="2000" dirty="0"/>
-              <a:t>訪問順序入れ替え</a:t>
-            </a:r>
-            <a:endParaRPr lang="en-US" altLang="ja-JP" sz="2000" dirty="0"/>
-          </a:p>
-          <a:p>
-            <a:r>
-              <a:rPr kumimoji="1" lang="en-US" altLang="ja-JP" sz="2000" dirty="0"/>
-              <a:t>- </a:t>
-            </a:r>
-            <a:r>
-              <a:rPr kumimoji="1" lang="ja-JP" altLang="en-US" sz="2000" dirty="0"/>
-              <a:t>タブ切り替え</a:t>
-            </a:r>
-            <a:endParaRPr kumimoji="1" lang="en-US" altLang="ja-JP" sz="2000" dirty="0"/>
-          </a:p>
-          <a:p>
-            <a:endParaRPr lang="en-US" altLang="ja-JP" sz="2000" dirty="0"/>
-          </a:p>
-        </p:txBody>
-      </p:sp>
-      <p:pic>
-        <p:nvPicPr>
-          <p:cNvPr id="11" name="図 10">
-            <a:extLst>
-              <a:ext uri="{FF2B5EF4-FFF2-40B4-BE49-F238E27FC236}">
-                <a16:creationId xmlns:a16="http://schemas.microsoft.com/office/drawing/2014/main" id="{CDE138D5-1C3C-F233-CBE8-A351695CBA8B}"/>
-              </a:ext>
-            </a:extLst>
-          </p:cNvPr>
-          <p:cNvPicPr>
-            <a:picLocks noChangeAspect="1"/>
-          </p:cNvPicPr>
-          <p:nvPr/>
-        </p:nvPicPr>
-        <p:blipFill>
-          <a:blip r:embed="rId5"/>
-          <a:stretch>
-            <a:fillRect/>
-          </a:stretch>
-        </p:blipFill>
-        <p:spPr>
-          <a:xfrm>
-            <a:off x="8092038" y="3905516"/>
-            <a:ext cx="1209844" cy="733527"/>
-          </a:xfrm>
-          <a:prstGeom prst="rect">
-            <a:avLst/>
-          </a:prstGeom>
-        </p:spPr>
-      </p:pic>
-      <p:cxnSp>
-        <p:nvCxnSpPr>
-          <p:cNvPr id="13" name="直線矢印コネクタ 12">
-            <a:extLst>
-              <a:ext uri="{FF2B5EF4-FFF2-40B4-BE49-F238E27FC236}">
-                <a16:creationId xmlns:a16="http://schemas.microsoft.com/office/drawing/2014/main" id="{3A4D17F1-BC7A-5DE0-0565-44A3EDE39874}"/>
-              </a:ext>
-            </a:extLst>
-          </p:cNvPr>
-          <p:cNvCxnSpPr>
-            <a:cxnSpLocks/>
-          </p:cNvCxnSpPr>
-          <p:nvPr/>
-        </p:nvCxnSpPr>
-        <p:spPr>
-          <a:xfrm flipV="1">
-            <a:off x="5254528" y="5090160"/>
-            <a:ext cx="560981" cy="27940"/>
-          </a:xfrm>
-          <a:prstGeom prst="straightConnector1">
-            <a:avLst/>
-          </a:prstGeom>
-          <a:ln w="76200">
-            <a:solidFill>
-              <a:schemeClr val="tx1"/>
-            </a:solidFill>
-            <a:tailEnd type="triangle"/>
-          </a:ln>
-        </p:spPr>
-        <p:style>
-          <a:lnRef idx="1">
-            <a:schemeClr val="dk1"/>
-          </a:lnRef>
-          <a:fillRef idx="0">
-            <a:schemeClr val="dk1"/>
-          </a:fillRef>
-          <a:effectRef idx="0">
-            <a:schemeClr val="dk1"/>
-          </a:effectRef>
-          <a:fontRef idx="minor">
-            <a:schemeClr val="tx1"/>
-          </a:fontRef>
-        </p:style>
-      </p:cxnSp>
-      <p:cxnSp>
-        <p:nvCxnSpPr>
-          <p:cNvPr id="2" name="直線コネクタ 1">
-            <a:extLst>
-              <a:ext uri="{FF2B5EF4-FFF2-40B4-BE49-F238E27FC236}">
-                <a16:creationId xmlns:a16="http://schemas.microsoft.com/office/drawing/2014/main" id="{AE67266D-F630-3AAF-0CCA-EEEF8AA7DA87}"/>
-              </a:ext>
-            </a:extLst>
-          </p:cNvPr>
-          <p:cNvCxnSpPr>
-            <a:cxnSpLocks/>
-          </p:cNvCxnSpPr>
-          <p:nvPr/>
-        </p:nvCxnSpPr>
-        <p:spPr>
-          <a:xfrm>
-            <a:off x="0" y="965775"/>
-            <a:ext cx="12192000" cy="0"/>
-          </a:xfrm>
-          <a:prstGeom prst="line">
-            <a:avLst/>
-          </a:prstGeom>
-          <a:ln w="76200">
-            <a:solidFill>
-              <a:schemeClr val="accent5"/>
-            </a:solidFill>
-          </a:ln>
-        </p:spPr>
-        <p:style>
-          <a:lnRef idx="1">
-            <a:schemeClr val="accent1"/>
-          </a:lnRef>
-          <a:fillRef idx="0">
-            <a:schemeClr val="accent1"/>
-          </a:fillRef>
-          <a:effectRef idx="0">
-            <a:schemeClr val="accent1"/>
-          </a:effectRef>
-          <a:fontRef idx="minor">
-            <a:schemeClr val="tx1"/>
-          </a:fontRef>
-        </p:style>
-      </p:cxnSp>
-      <p:sp>
-        <p:nvSpPr>
-          <p:cNvPr id="6" name="テキスト ボックス 5">
-            <a:extLst>
-              <a:ext uri="{FF2B5EF4-FFF2-40B4-BE49-F238E27FC236}">
-                <a16:creationId xmlns:a16="http://schemas.microsoft.com/office/drawing/2014/main" id="{2513C64C-FD6F-2127-3409-5F6CCA6D3785}"/>
-              </a:ext>
-            </a:extLst>
-          </p:cNvPr>
-          <p:cNvSpPr txBox="1"/>
-          <p:nvPr/>
-        </p:nvSpPr>
-        <p:spPr>
-          <a:xfrm>
-            <a:off x="297180" y="1263446"/>
-            <a:ext cx="1485900" cy="677108"/>
-          </a:xfrm>
-          <a:prstGeom prst="rect">
-            <a:avLst/>
-          </a:prstGeom>
-          <a:noFill/>
-        </p:spPr>
-        <p:txBody>
-          <a:bodyPr wrap="square" rtlCol="0">
-            <a:spAutoFit/>
-          </a:bodyPr>
-          <a:lstStyle/>
-          <a:p>
-            <a:r>
-              <a:rPr lang="ja-JP" altLang="en-US" sz="2000" dirty="0"/>
-              <a:t>機能</a:t>
-            </a:r>
-            <a:endParaRPr lang="en-US" altLang="ja-JP" sz="2000" dirty="0"/>
-          </a:p>
-          <a:p>
-            <a:endParaRPr kumimoji="1" lang="ja-JP" altLang="en-US" dirty="0"/>
-          </a:p>
-        </p:txBody>
-      </p:sp>
-      <p:cxnSp>
-        <p:nvCxnSpPr>
-          <p:cNvPr id="14" name="直線コネクタ 13">
-            <a:extLst>
-              <a:ext uri="{FF2B5EF4-FFF2-40B4-BE49-F238E27FC236}">
-                <a16:creationId xmlns:a16="http://schemas.microsoft.com/office/drawing/2014/main" id="{D4DA5D23-0E12-C4BC-7767-50EB3CFEB3F1}"/>
-              </a:ext>
-            </a:extLst>
-          </p:cNvPr>
-          <p:cNvCxnSpPr/>
-          <p:nvPr/>
-        </p:nvCxnSpPr>
-        <p:spPr>
-          <a:xfrm>
-            <a:off x="5535018" y="1602000"/>
-            <a:ext cx="6115050" cy="0"/>
-          </a:xfrm>
-          <a:prstGeom prst="line">
-            <a:avLst/>
-          </a:prstGeom>
-          <a:ln w="38100">
-            <a:solidFill>
-              <a:schemeClr val="accent1"/>
-            </a:solidFill>
-          </a:ln>
-        </p:spPr>
-        <p:style>
-          <a:lnRef idx="1">
-            <a:schemeClr val="accent1"/>
-          </a:lnRef>
-          <a:fillRef idx="0">
-            <a:schemeClr val="accent1"/>
-          </a:fillRef>
-          <a:effectRef idx="0">
-            <a:schemeClr val="accent1"/>
-          </a:effectRef>
-          <a:fontRef idx="minor">
-            <a:schemeClr val="tx1"/>
-          </a:fontRef>
-        </p:style>
-      </p:cxnSp>
-      <p:cxnSp>
-        <p:nvCxnSpPr>
-          <p:cNvPr id="15" name="直線コネクタ 14">
-            <a:extLst>
-              <a:ext uri="{FF2B5EF4-FFF2-40B4-BE49-F238E27FC236}">
-                <a16:creationId xmlns:a16="http://schemas.microsoft.com/office/drawing/2014/main" id="{E479B1D8-2C39-9821-6B48-9C440AF85A31}"/>
-              </a:ext>
-            </a:extLst>
-          </p:cNvPr>
-          <p:cNvCxnSpPr/>
-          <p:nvPr/>
-        </p:nvCxnSpPr>
-        <p:spPr>
-          <a:xfrm>
-            <a:off x="5535018" y="2154450"/>
-            <a:ext cx="6115050" cy="0"/>
-          </a:xfrm>
-          <a:prstGeom prst="line">
-            <a:avLst/>
-          </a:prstGeom>
-          <a:ln w="38100">
-            <a:solidFill>
-              <a:schemeClr val="accent1"/>
-            </a:solidFill>
-          </a:ln>
-        </p:spPr>
-        <p:style>
-          <a:lnRef idx="1">
-            <a:schemeClr val="accent1"/>
-          </a:lnRef>
-          <a:fillRef idx="0">
-            <a:schemeClr val="accent1"/>
-          </a:fillRef>
-          <a:effectRef idx="0">
-            <a:schemeClr val="accent1"/>
-          </a:effectRef>
-          <a:fontRef idx="minor">
-            <a:schemeClr val="tx1"/>
-          </a:fontRef>
-        </p:style>
-      </p:cxnSp>
-      <p:cxnSp>
-        <p:nvCxnSpPr>
-          <p:cNvPr id="16" name="直線コネクタ 15">
-            <a:extLst>
-              <a:ext uri="{FF2B5EF4-FFF2-40B4-BE49-F238E27FC236}">
-                <a16:creationId xmlns:a16="http://schemas.microsoft.com/office/drawing/2014/main" id="{27FF0D5F-7EF0-26A1-E9FA-AA7ACF62D2E9}"/>
-              </a:ext>
-            </a:extLst>
-          </p:cNvPr>
-          <p:cNvCxnSpPr/>
-          <p:nvPr/>
-        </p:nvCxnSpPr>
-        <p:spPr>
-          <a:xfrm>
-            <a:off x="5535018" y="2716425"/>
-            <a:ext cx="6115050" cy="0"/>
-          </a:xfrm>
-          <a:prstGeom prst="line">
-            <a:avLst/>
-          </a:prstGeom>
-          <a:ln w="38100">
-            <a:solidFill>
-              <a:schemeClr val="accent1"/>
-            </a:solidFill>
-          </a:ln>
-        </p:spPr>
-        <p:style>
-          <a:lnRef idx="1">
-            <a:schemeClr val="accent1"/>
-          </a:lnRef>
-          <a:fillRef idx="0">
-            <a:schemeClr val="accent1"/>
-          </a:fillRef>
-          <a:effectRef idx="0">
-            <a:schemeClr val="accent1"/>
-          </a:effectRef>
-          <a:fontRef idx="minor">
-            <a:schemeClr val="tx1"/>
-          </a:fontRef>
-        </p:style>
-      </p:cxnSp>
-      <p:cxnSp>
-        <p:nvCxnSpPr>
-          <p:cNvPr id="17" name="直線コネクタ 16">
-            <a:extLst>
-              <a:ext uri="{FF2B5EF4-FFF2-40B4-BE49-F238E27FC236}">
-                <a16:creationId xmlns:a16="http://schemas.microsoft.com/office/drawing/2014/main" id="{C1068821-DE71-4933-DE50-821896F7CEDB}"/>
-              </a:ext>
-            </a:extLst>
-          </p:cNvPr>
-          <p:cNvCxnSpPr/>
-          <p:nvPr/>
-        </p:nvCxnSpPr>
-        <p:spPr>
-          <a:xfrm>
-            <a:off x="5535018" y="3287925"/>
-            <a:ext cx="6115050" cy="0"/>
-          </a:xfrm>
-          <a:prstGeom prst="line">
-            <a:avLst/>
-          </a:prstGeom>
-          <a:ln w="38100">
-            <a:solidFill>
-              <a:schemeClr val="accent1"/>
-            </a:solidFill>
-          </a:ln>
-        </p:spPr>
-        <p:style>
-          <a:lnRef idx="1">
-            <a:schemeClr val="accent1"/>
-          </a:lnRef>
-          <a:fillRef idx="0">
-            <a:schemeClr val="accent1"/>
-          </a:fillRef>
-          <a:effectRef idx="0">
-            <a:schemeClr val="accent1"/>
-          </a:effectRef>
-          <a:fontRef idx="minor">
-            <a:schemeClr val="tx1"/>
-          </a:fontRef>
-        </p:style>
-      </p:cxnSp>
-      <p:sp>
-        <p:nvSpPr>
-          <p:cNvPr id="25" name="テキスト ボックス 24">
-            <a:extLst>
-              <a:ext uri="{FF2B5EF4-FFF2-40B4-BE49-F238E27FC236}">
-                <a16:creationId xmlns:a16="http://schemas.microsoft.com/office/drawing/2014/main" id="{5286C1FE-99CC-DCA0-8224-ECA66A01DB34}"/>
-              </a:ext>
-            </a:extLst>
-          </p:cNvPr>
-          <p:cNvSpPr txBox="1"/>
-          <p:nvPr/>
-        </p:nvSpPr>
-        <p:spPr>
-          <a:xfrm>
-            <a:off x="8162923" y="1732010"/>
-            <a:ext cx="3487141" cy="369332"/>
-          </a:xfrm>
-          <a:prstGeom prst="rect">
-            <a:avLst/>
-          </a:prstGeom>
-          <a:noFill/>
-        </p:spPr>
-        <p:txBody>
-          <a:bodyPr wrap="square" rtlCol="0">
-            <a:spAutoFit/>
-          </a:bodyPr>
-          <a:lstStyle/>
-          <a:p>
-            <a:pPr algn="ctr"/>
-            <a:r>
-              <a:rPr lang="en-US" altLang="ja-JP" dirty="0"/>
-              <a:t>Google Maps JavaScript API</a:t>
-            </a:r>
-            <a:endParaRPr kumimoji="1" lang="ja-JP" altLang="en-US" dirty="0"/>
-          </a:p>
-        </p:txBody>
-      </p:sp>
-      <p:sp>
-        <p:nvSpPr>
-          <p:cNvPr id="26" name="テキスト ボックス 25">
-            <a:extLst>
-              <a:ext uri="{FF2B5EF4-FFF2-40B4-BE49-F238E27FC236}">
-                <a16:creationId xmlns:a16="http://schemas.microsoft.com/office/drawing/2014/main" id="{48655F4F-D4AC-E8C3-FD80-D679BE199A5E}"/>
-              </a:ext>
-            </a:extLst>
-          </p:cNvPr>
-          <p:cNvSpPr txBox="1"/>
-          <p:nvPr/>
-        </p:nvSpPr>
-        <p:spPr>
-          <a:xfrm>
-            <a:off x="8092038" y="2284730"/>
-            <a:ext cx="3409950" cy="369332"/>
-          </a:xfrm>
-          <a:prstGeom prst="rect">
-            <a:avLst/>
-          </a:prstGeom>
-          <a:noFill/>
-        </p:spPr>
-        <p:txBody>
-          <a:bodyPr wrap="square" rtlCol="0">
-            <a:spAutoFit/>
-          </a:bodyPr>
-          <a:lstStyle/>
-          <a:p>
-            <a:pPr algn="ctr"/>
-            <a:r>
-              <a:rPr lang="en-US" altLang="ja-JP" dirty="0" err="1"/>
-              <a:t>Mapbox</a:t>
-            </a:r>
-            <a:r>
-              <a:rPr lang="en-US" altLang="ja-JP" dirty="0"/>
-              <a:t> Search Box API</a:t>
-            </a:r>
-            <a:endParaRPr kumimoji="1" lang="ja-JP" altLang="en-US" dirty="0"/>
-          </a:p>
-        </p:txBody>
-      </p:sp>
-      <p:sp>
-        <p:nvSpPr>
-          <p:cNvPr id="27" name="テキスト ボックス 26">
-            <a:extLst>
-              <a:ext uri="{FF2B5EF4-FFF2-40B4-BE49-F238E27FC236}">
-                <a16:creationId xmlns:a16="http://schemas.microsoft.com/office/drawing/2014/main" id="{F5A21934-47E1-A15F-FCE7-0E57C9C66652}"/>
-              </a:ext>
-            </a:extLst>
-          </p:cNvPr>
-          <p:cNvSpPr txBox="1"/>
-          <p:nvPr/>
-        </p:nvSpPr>
-        <p:spPr>
-          <a:xfrm>
-            <a:off x="8053442" y="2810733"/>
-            <a:ext cx="3487141" cy="369332"/>
-          </a:xfrm>
-          <a:prstGeom prst="rect">
-            <a:avLst/>
-          </a:prstGeom>
-          <a:noFill/>
-        </p:spPr>
-        <p:txBody>
-          <a:bodyPr wrap="square" rtlCol="0">
-            <a:spAutoFit/>
-          </a:bodyPr>
-          <a:lstStyle/>
-          <a:p>
-            <a:pPr algn="ctr"/>
-            <a:r>
-              <a:rPr lang="en-US" altLang="ja-JP" dirty="0" err="1"/>
-              <a:t>Mapbox</a:t>
-            </a:r>
-            <a:r>
-              <a:rPr lang="en-US" altLang="ja-JP" dirty="0"/>
-              <a:t> Directions API</a:t>
-            </a:r>
-            <a:endParaRPr kumimoji="1" lang="ja-JP" altLang="en-US" dirty="0"/>
-          </a:p>
-        </p:txBody>
-      </p:sp>
-      <p:sp>
-        <p:nvSpPr>
-          <p:cNvPr id="28" name="テキスト ボックス 27">
-            <a:extLst>
-              <a:ext uri="{FF2B5EF4-FFF2-40B4-BE49-F238E27FC236}">
-                <a16:creationId xmlns:a16="http://schemas.microsoft.com/office/drawing/2014/main" id="{4C98849F-5186-29F6-A287-7FADD9B96F83}"/>
-              </a:ext>
-            </a:extLst>
-          </p:cNvPr>
-          <p:cNvSpPr txBox="1"/>
-          <p:nvPr/>
-        </p:nvSpPr>
-        <p:spPr>
-          <a:xfrm>
-            <a:off x="8053437" y="3372707"/>
-            <a:ext cx="3377659" cy="369332"/>
-          </a:xfrm>
-          <a:prstGeom prst="rect">
-            <a:avLst/>
-          </a:prstGeom>
-          <a:noFill/>
-        </p:spPr>
-        <p:txBody>
-          <a:bodyPr wrap="square" rtlCol="0">
-            <a:spAutoFit/>
-          </a:bodyPr>
-          <a:lstStyle/>
-          <a:p>
-            <a:pPr algn="ctr"/>
-            <a:r>
-              <a:rPr lang="en-US" altLang="ja-JP" dirty="0" err="1"/>
-              <a:t>SortableJS</a:t>
-            </a:r>
-            <a:endParaRPr kumimoji="1" lang="ja-JP" altLang="en-US" dirty="0"/>
-          </a:p>
-        </p:txBody>
-      </p:sp>
-      <p:cxnSp>
-        <p:nvCxnSpPr>
-          <p:cNvPr id="18" name="直線コネクタ 17">
-            <a:extLst>
-              <a:ext uri="{FF2B5EF4-FFF2-40B4-BE49-F238E27FC236}">
-                <a16:creationId xmlns:a16="http://schemas.microsoft.com/office/drawing/2014/main" id="{347AB781-CECE-73C9-15FA-E44CFE00476C}"/>
-              </a:ext>
-            </a:extLst>
-          </p:cNvPr>
-          <p:cNvCxnSpPr>
-            <a:cxnSpLocks/>
-          </p:cNvCxnSpPr>
-          <p:nvPr/>
-        </p:nvCxnSpPr>
-        <p:spPr>
-          <a:xfrm>
-            <a:off x="8092038" y="1207083"/>
-            <a:ext cx="0" cy="2559737"/>
-          </a:xfrm>
-          <a:prstGeom prst="line">
-            <a:avLst/>
-          </a:prstGeom>
-          <a:ln w="38100">
-            <a:solidFill>
-              <a:schemeClr val="accent1"/>
-            </a:solidFill>
-          </a:ln>
-        </p:spPr>
-        <p:style>
-          <a:lnRef idx="1">
-            <a:schemeClr val="accent1"/>
-          </a:lnRef>
-          <a:fillRef idx="0">
-            <a:schemeClr val="accent1"/>
-          </a:fillRef>
-          <a:effectRef idx="0">
-            <a:schemeClr val="accent1"/>
-          </a:effectRef>
-          <a:fontRef idx="minor">
-            <a:schemeClr val="tx1"/>
-          </a:fontRef>
-        </p:style>
-      </p:cxnSp>
-    </p:spTree>
-    <p:extLst>
-      <p:ext uri="{BB962C8B-B14F-4D97-AF65-F5344CB8AC3E}">
-        <p14:creationId xmlns:p14="http://schemas.microsoft.com/office/powerpoint/2010/main" val="3679023673"/>
-      </p:ext>
-    </p:extLst>
-  </p:cSld>
-  <p:clrMapOvr>
-    <a:masterClrMapping/>
-  </p:clrMapOvr>
-</p:sld>
-</file>
-
 <file path=ppt/slides/slide2.xml><?xml version="1.0" encoding="utf-8"?>
 <p:sld xmlns:a="http://schemas.openxmlformats.org/drawingml/2006/main" xmlns:r="http://schemas.openxmlformats.org/officeDocument/2006/relationships" xmlns:p="http://schemas.openxmlformats.org/presentationml/2006/main">
   <p:cSld>
@@ -9065,6 +7994,256 @@
   <p:cSld>
     <p:spTree>
       <p:nvGrpSpPr>
+        <p:cNvPr id="1" name=""/>
+        <p:cNvGrpSpPr/>
+        <p:nvPr/>
+      </p:nvGrpSpPr>
+      <p:grpSpPr>
+        <a:xfrm>
+          <a:off x="0" y="0"/>
+          <a:ext cx="0" cy="0"/>
+          <a:chOff x="0" y="0"/>
+          <a:chExt cx="0" cy="0"/>
+        </a:xfrm>
+      </p:grpSpPr>
+      <p:sp>
+        <p:nvSpPr>
+          <p:cNvPr id="4" name="テキスト ボックス 3">
+            <a:extLst>
+              <a:ext uri="{FF2B5EF4-FFF2-40B4-BE49-F238E27FC236}">
+                <a16:creationId xmlns:a16="http://schemas.microsoft.com/office/drawing/2014/main" id="{2985D504-2D24-F2B0-7635-ECD0180E71F9}"/>
+              </a:ext>
+            </a:extLst>
+          </p:cNvPr>
+          <p:cNvSpPr txBox="1"/>
+          <p:nvPr/>
+        </p:nvSpPr>
+        <p:spPr>
+          <a:xfrm>
+            <a:off x="491490" y="205740"/>
+            <a:ext cx="1885950" cy="584775"/>
+          </a:xfrm>
+          <a:prstGeom prst="rect">
+            <a:avLst/>
+          </a:prstGeom>
+          <a:noFill/>
+        </p:spPr>
+        <p:txBody>
+          <a:bodyPr wrap="square" rtlCol="0">
+            <a:spAutoFit/>
+          </a:bodyPr>
+          <a:lstStyle/>
+          <a:p>
+            <a:r>
+              <a:rPr kumimoji="1" lang="ja-JP" altLang="en-US" sz="3200" dirty="0"/>
+              <a:t>まとめ</a:t>
+            </a:r>
+          </a:p>
+        </p:txBody>
+      </p:sp>
+      <p:cxnSp>
+        <p:nvCxnSpPr>
+          <p:cNvPr id="5" name="直線コネクタ 4">
+            <a:extLst>
+              <a:ext uri="{FF2B5EF4-FFF2-40B4-BE49-F238E27FC236}">
+                <a16:creationId xmlns:a16="http://schemas.microsoft.com/office/drawing/2014/main" id="{7526D6FB-56F5-8A2B-0A77-600D1F19BDB1}"/>
+              </a:ext>
+            </a:extLst>
+          </p:cNvPr>
+          <p:cNvCxnSpPr>
+            <a:cxnSpLocks/>
+          </p:cNvCxnSpPr>
+          <p:nvPr/>
+        </p:nvCxnSpPr>
+        <p:spPr>
+          <a:xfrm>
+            <a:off x="0" y="965775"/>
+            <a:ext cx="12192000" cy="0"/>
+          </a:xfrm>
+          <a:prstGeom prst="line">
+            <a:avLst/>
+          </a:prstGeom>
+          <a:ln w="76200">
+            <a:solidFill>
+              <a:schemeClr val="accent5"/>
+            </a:solidFill>
+          </a:ln>
+        </p:spPr>
+        <p:style>
+          <a:lnRef idx="1">
+            <a:schemeClr val="accent1"/>
+          </a:lnRef>
+          <a:fillRef idx="0">
+            <a:schemeClr val="accent1"/>
+          </a:fillRef>
+          <a:effectRef idx="0">
+            <a:schemeClr val="accent1"/>
+          </a:effectRef>
+          <a:fontRef idx="minor">
+            <a:schemeClr val="tx1"/>
+          </a:fontRef>
+        </p:style>
+      </p:cxnSp>
+      <p:sp>
+        <p:nvSpPr>
+          <p:cNvPr id="7" name="テキスト ボックス 6">
+            <a:extLst>
+              <a:ext uri="{FF2B5EF4-FFF2-40B4-BE49-F238E27FC236}">
+                <a16:creationId xmlns:a16="http://schemas.microsoft.com/office/drawing/2014/main" id="{04AB994D-E1DE-340B-00A0-445E1B55EDEE}"/>
+              </a:ext>
+            </a:extLst>
+          </p:cNvPr>
+          <p:cNvSpPr txBox="1"/>
+          <p:nvPr/>
+        </p:nvSpPr>
+        <p:spPr>
+          <a:xfrm>
+            <a:off x="800100" y="1362643"/>
+            <a:ext cx="10286999" cy="3354765"/>
+          </a:xfrm>
+          <a:prstGeom prst="rect">
+            <a:avLst/>
+          </a:prstGeom>
+          <a:noFill/>
+        </p:spPr>
+        <p:txBody>
+          <a:bodyPr wrap="square">
+            <a:spAutoFit/>
+          </a:bodyPr>
+          <a:lstStyle/>
+          <a:p>
+            <a:pPr algn="l"/>
+            <a:endParaRPr lang="en-US" altLang="ja-JP" sz="2400" b="0" i="0" u="none" strike="noStrike" baseline="0" dirty="0">
+              <a:latin typeface="HaranoAjiMincho-Regular-Identity-H"/>
+            </a:endParaRPr>
+          </a:p>
+          <a:p>
+            <a:pPr algn="l"/>
+            <a:r>
+              <a:rPr lang="ja-JP" altLang="en-US" sz="2400" b="0" i="0" u="none" strike="noStrike" baseline="0" dirty="0">
+                <a:latin typeface="HaranoAjiMincho-Regular-Identity-H"/>
+              </a:rPr>
+              <a:t>・地図表示機能</a:t>
+            </a:r>
+            <a:endParaRPr lang="en-US" altLang="ja-JP" sz="2400" b="0" i="0" u="none" strike="noStrike" baseline="0" dirty="0">
+              <a:latin typeface="HaranoAjiMincho-Regular-Identity-H"/>
+            </a:endParaRPr>
+          </a:p>
+          <a:p>
+            <a:pPr algn="l"/>
+            <a:endParaRPr lang="en-US" altLang="ja-JP" sz="2400" b="0" i="0" u="none" strike="noStrike" baseline="0" dirty="0">
+              <a:latin typeface="HaranoAjiMincho-Regular-Identity-H"/>
+            </a:endParaRPr>
+          </a:p>
+          <a:p>
+            <a:pPr algn="l"/>
+            <a:r>
+              <a:rPr lang="ja-JP" altLang="en-US" sz="2400" b="0" i="0" u="none" strike="noStrike" baseline="0" dirty="0">
+                <a:latin typeface="HaranoAjiMincho-Regular-Identity-H"/>
+              </a:rPr>
+              <a:t>・移動時間の自動算出機能</a:t>
+            </a:r>
+            <a:endParaRPr lang="en-US" altLang="ja-JP" sz="2400" b="0" i="0" u="none" strike="noStrike" baseline="0" dirty="0">
+              <a:latin typeface="HaranoAjiMincho-Regular-Identity-H"/>
+            </a:endParaRPr>
+          </a:p>
+          <a:p>
+            <a:pPr algn="l"/>
+            <a:endParaRPr lang="en-US" altLang="ja-JP" sz="2400" b="0" i="0" u="none" strike="noStrike" baseline="0" dirty="0">
+              <a:latin typeface="HaranoAjiMincho-Regular-Identity-H"/>
+            </a:endParaRPr>
+          </a:p>
+          <a:p>
+            <a:r>
+              <a:rPr lang="ja-JP" altLang="en-US" sz="2400" dirty="0">
+                <a:latin typeface="HaranoAjiMincho-Regular-Identity-H"/>
+              </a:rPr>
+              <a:t>・共有機能</a:t>
+            </a:r>
+            <a:endParaRPr lang="en-US" altLang="ja-JP" sz="2400" b="0" i="0" u="none" strike="noStrike" baseline="0" dirty="0">
+              <a:latin typeface="HaranoAjiMincho-Regular-Identity-H"/>
+            </a:endParaRPr>
+          </a:p>
+          <a:p>
+            <a:pPr algn="l"/>
+            <a:endParaRPr lang="ja-JP" altLang="en-US" sz="2400" b="0" i="0" u="none" strike="noStrike" baseline="0" dirty="0">
+              <a:latin typeface="HaranoAjiMincho-Regular-Identity-H"/>
+            </a:endParaRPr>
+          </a:p>
+          <a:p>
+            <a:pPr algn="l"/>
+            <a:r>
+              <a:rPr lang="ja-JP" altLang="en-US" sz="2400" b="0" i="0" u="none" strike="noStrike" baseline="0" dirty="0">
+                <a:latin typeface="HaranoAjiMincho-Regular-Identity-H"/>
+              </a:rPr>
+              <a:t>・チェックリスト機能</a:t>
+            </a:r>
+            <a:endParaRPr lang="en-US" altLang="ja-JP" sz="2400" dirty="0">
+              <a:latin typeface="HaranoAjiMincho-Regular-Identity-H"/>
+            </a:endParaRPr>
+          </a:p>
+          <a:p>
+            <a:pPr algn="l"/>
+            <a:endParaRPr lang="en-US" altLang="ja-JP" sz="2000" b="0" i="0" u="none" strike="noStrike" baseline="0" dirty="0">
+              <a:latin typeface="HaranoAjiMincho-Regular-Identity-H"/>
+            </a:endParaRPr>
+          </a:p>
+        </p:txBody>
+      </p:sp>
+      <p:sp>
+        <p:nvSpPr>
+          <p:cNvPr id="8" name="テキスト ボックス 7">
+            <a:extLst>
+              <a:ext uri="{FF2B5EF4-FFF2-40B4-BE49-F238E27FC236}">
+                <a16:creationId xmlns:a16="http://schemas.microsoft.com/office/drawing/2014/main" id="{95CC7321-8CA1-3D2B-94A3-D868735C667F}"/>
+              </a:ext>
+            </a:extLst>
+          </p:cNvPr>
+          <p:cNvSpPr txBox="1"/>
+          <p:nvPr/>
+        </p:nvSpPr>
+        <p:spPr>
+          <a:xfrm>
+            <a:off x="960120" y="5114275"/>
+            <a:ext cx="10801350" cy="523220"/>
+          </a:xfrm>
+          <a:prstGeom prst="rect">
+            <a:avLst/>
+          </a:prstGeom>
+          <a:noFill/>
+        </p:spPr>
+        <p:txBody>
+          <a:bodyPr wrap="square" rtlCol="0">
+            <a:spAutoFit/>
+          </a:bodyPr>
+          <a:lstStyle/>
+          <a:p>
+            <a:r>
+              <a:rPr lang="ja-JP" altLang="en-US" sz="2800" dirty="0"/>
+              <a:t>旅行計画と準備を効率的に進められる旅行支援アプリ</a:t>
+            </a:r>
+            <a:endParaRPr kumimoji="1" lang="ja-JP" altLang="en-US" sz="2800" dirty="0"/>
+          </a:p>
+        </p:txBody>
+      </p:sp>
+    </p:spTree>
+    <p:extLst>
+      <p:ext uri="{BB962C8B-B14F-4D97-AF65-F5344CB8AC3E}">
+        <p14:creationId xmlns:p14="http://schemas.microsoft.com/office/powerpoint/2010/main" val="2396725748"/>
+      </p:ext>
+    </p:extLst>
+  </p:cSld>
+  <p:clrMapOvr>
+    <a:masterClrMapping/>
+  </p:clrMapOvr>
+</p:sld>
+</file>
+
+<file path=ppt/slides/slide9.xml><?xml version="1.0" encoding="utf-8"?>
+<p:sld xmlns:a="http://schemas.openxmlformats.org/drawingml/2006/main" xmlns:r="http://schemas.openxmlformats.org/officeDocument/2006/relationships" xmlns:p="http://schemas.openxmlformats.org/presentationml/2006/main">
+  <p:cSld>
+    <p:spTree>
+      <p:nvGrpSpPr>
         <p:cNvPr id="1" name="">
           <a:extLst>
             <a:ext uri="{FF2B5EF4-FFF2-40B4-BE49-F238E27FC236}">
@@ -9314,137 +8493,6 @@
     <p:extLst>
       <p:ext uri="{BB962C8B-B14F-4D97-AF65-F5344CB8AC3E}">
         <p14:creationId xmlns:p14="http://schemas.microsoft.com/office/powerpoint/2010/main" val="4187096032"/>
-      </p:ext>
-    </p:extLst>
-  </p:cSld>
-  <p:clrMapOvr>
-    <a:masterClrMapping/>
-  </p:clrMapOvr>
-</p:sld>
-</file>
-
-<file path=ppt/slides/slide9.xml><?xml version="1.0" encoding="utf-8"?>
-<p:sld xmlns:a="http://schemas.openxmlformats.org/drawingml/2006/main" xmlns:r="http://schemas.openxmlformats.org/officeDocument/2006/relationships" xmlns:p="http://schemas.openxmlformats.org/presentationml/2006/main">
-  <p:cSld>
-    <p:spTree>
-      <p:nvGrpSpPr>
-        <p:cNvPr id="1" name=""/>
-        <p:cNvGrpSpPr/>
-        <p:nvPr/>
-      </p:nvGrpSpPr>
-      <p:grpSpPr>
-        <a:xfrm>
-          <a:off x="0" y="0"/>
-          <a:ext cx="0" cy="0"/>
-          <a:chOff x="0" y="0"/>
-          <a:chExt cx="0" cy="0"/>
-        </a:xfrm>
-      </p:grpSpPr>
-      <p:pic>
-        <p:nvPicPr>
-          <p:cNvPr id="4" name="図 3">
-            <a:extLst>
-              <a:ext uri="{FF2B5EF4-FFF2-40B4-BE49-F238E27FC236}">
-                <a16:creationId xmlns:a16="http://schemas.microsoft.com/office/drawing/2014/main" id="{1103AFEC-7820-C8B1-2002-57CB4FE3CF03}"/>
-              </a:ext>
-            </a:extLst>
-          </p:cNvPr>
-          <p:cNvPicPr>
-            <a:picLocks noChangeAspect="1"/>
-          </p:cNvPicPr>
-          <p:nvPr/>
-        </p:nvPicPr>
-        <p:blipFill>
-          <a:blip r:embed="rId2"/>
-          <a:stretch>
-            <a:fillRect/>
-          </a:stretch>
-        </p:blipFill>
-        <p:spPr>
-          <a:xfrm>
-            <a:off x="2651108" y="120377"/>
-            <a:ext cx="6287152" cy="3308623"/>
-          </a:xfrm>
-          <a:prstGeom prst="rect">
-            <a:avLst/>
-          </a:prstGeom>
-        </p:spPr>
-      </p:pic>
-      <p:pic>
-        <p:nvPicPr>
-          <p:cNvPr id="5" name="図 4">
-            <a:extLst>
-              <a:ext uri="{FF2B5EF4-FFF2-40B4-BE49-F238E27FC236}">
-                <a16:creationId xmlns:a16="http://schemas.microsoft.com/office/drawing/2014/main" id="{0C98D62D-5AFF-14C3-3BE0-13AE7E633B0A}"/>
-              </a:ext>
-            </a:extLst>
-          </p:cNvPr>
-          <p:cNvPicPr>
-            <a:picLocks noChangeAspect="1"/>
-          </p:cNvPicPr>
-          <p:nvPr/>
-        </p:nvPicPr>
-        <p:blipFill>
-          <a:blip r:embed="rId3"/>
-          <a:stretch>
-            <a:fillRect/>
-          </a:stretch>
-        </p:blipFill>
-        <p:spPr>
-          <a:xfrm>
-            <a:off x="2479004" y="3674383"/>
-            <a:ext cx="7035871" cy="2971800"/>
-          </a:xfrm>
-          <a:prstGeom prst="rect">
-            <a:avLst/>
-          </a:prstGeom>
-        </p:spPr>
-      </p:pic>
-      <p:cxnSp>
-        <p:nvCxnSpPr>
-          <p:cNvPr id="6" name="直線矢印コネクタ 5">
-            <a:extLst>
-              <a:ext uri="{FF2B5EF4-FFF2-40B4-BE49-F238E27FC236}">
-                <a16:creationId xmlns:a16="http://schemas.microsoft.com/office/drawing/2014/main" id="{729115E7-760B-3BD8-20BE-9D10E8CB4628}"/>
-              </a:ext>
-            </a:extLst>
-          </p:cNvPr>
-          <p:cNvCxnSpPr>
-            <a:cxnSpLocks/>
-          </p:cNvCxnSpPr>
-          <p:nvPr/>
-        </p:nvCxnSpPr>
-        <p:spPr>
-          <a:xfrm>
-            <a:off x="5996940" y="3337560"/>
-            <a:ext cx="0" cy="638175"/>
-          </a:xfrm>
-          <a:prstGeom prst="straightConnector1">
-            <a:avLst/>
-          </a:prstGeom>
-          <a:ln w="76200">
-            <a:tailEnd type="triangle"/>
-          </a:ln>
-        </p:spPr>
-        <p:style>
-          <a:lnRef idx="1">
-            <a:schemeClr val="dk1"/>
-          </a:lnRef>
-          <a:fillRef idx="0">
-            <a:schemeClr val="dk1"/>
-          </a:fillRef>
-          <a:effectRef idx="0">
-            <a:schemeClr val="dk1"/>
-          </a:effectRef>
-          <a:fontRef idx="minor">
-            <a:schemeClr val="tx1"/>
-          </a:fontRef>
-        </p:style>
-      </p:cxnSp>
-    </p:spTree>
-    <p:extLst>
-      <p:ext uri="{BB962C8B-B14F-4D97-AF65-F5344CB8AC3E}">
-        <p14:creationId xmlns:p14="http://schemas.microsoft.com/office/powerpoint/2010/main" val="1010140577"/>
       </p:ext>
     </p:extLst>
   </p:cSld>

--- a/handout/kanon.pptx
+++ b/handout/kanon.pptx
@@ -123,6 +123,58 @@
 </p:presentation>
 </file>
 
+<file path=ppt/changesInfos/changesInfo1.xml><?xml version="1.0" encoding="utf-8"?>
+<pc:chgInfo xmlns:a="http://schemas.openxmlformats.org/drawingml/2006/main" xmlns:r="http://schemas.openxmlformats.org/officeDocument/2006/relationships" xmlns:ac="http://schemas.microsoft.com/office/drawing/2013/main/command" xmlns:pc="http://schemas.microsoft.com/office/powerpoint/2013/main/command">
+  <pc:docChgLst>
+    <pc:chgData name="果音 山本" userId="e1e541d06bbfca97" providerId="LiveId" clId="{96E58708-00D5-4224-A0D3-33D6C2A34AFE}"/>
+    <pc:docChg chg="modSld">
+      <pc:chgData name="果音 山本" userId="e1e541d06bbfca97" providerId="LiveId" clId="{96E58708-00D5-4224-A0D3-33D6C2A34AFE}" dt="2026-02-15T12:47:38.655" v="59" actId="20577"/>
+      <pc:docMkLst>
+        <pc:docMk/>
+      </pc:docMkLst>
+      <pc:sldChg chg="modSp mod">
+        <pc:chgData name="果音 山本" userId="e1e541d06bbfca97" providerId="LiveId" clId="{96E58708-00D5-4224-A0D3-33D6C2A34AFE}" dt="2026-02-15T12:42:44.354" v="53" actId="20577"/>
+        <pc:sldMkLst>
+          <pc:docMk/>
+          <pc:sldMk cId="3393023765" sldId="263"/>
+        </pc:sldMkLst>
+        <pc:spChg chg="mod">
+          <ac:chgData name="果音 山本" userId="e1e541d06bbfca97" providerId="LiveId" clId="{96E58708-00D5-4224-A0D3-33D6C2A34AFE}" dt="2026-02-15T12:42:44.354" v="53" actId="20577"/>
+          <ac:spMkLst>
+            <pc:docMk/>
+            <pc:sldMk cId="3393023765" sldId="263"/>
+            <ac:spMk id="7" creationId="{D9CAB1E2-4FFC-1D5C-668F-2FECD3C172FB}"/>
+          </ac:spMkLst>
+        </pc:spChg>
+        <pc:spChg chg="mod">
+          <ac:chgData name="果音 山本" userId="e1e541d06bbfca97" providerId="LiveId" clId="{96E58708-00D5-4224-A0D3-33D6C2A34AFE}" dt="2026-02-15T12:41:12.860" v="48"/>
+          <ac:spMkLst>
+            <pc:docMk/>
+            <pc:sldMk cId="3393023765" sldId="263"/>
+            <ac:spMk id="13" creationId="{64F75F5F-C0D8-109D-ED48-B8D55BA91A63}"/>
+          </ac:spMkLst>
+        </pc:spChg>
+      </pc:sldChg>
+      <pc:sldChg chg="modSp mod">
+        <pc:chgData name="果音 山本" userId="e1e541d06bbfca97" providerId="LiveId" clId="{96E58708-00D5-4224-A0D3-33D6C2A34AFE}" dt="2026-02-15T12:47:38.655" v="59" actId="20577"/>
+        <pc:sldMkLst>
+          <pc:docMk/>
+          <pc:sldMk cId="4187096032" sldId="265"/>
+        </pc:sldMkLst>
+        <pc:spChg chg="mod">
+          <ac:chgData name="果音 山本" userId="e1e541d06bbfca97" providerId="LiveId" clId="{96E58708-00D5-4224-A0D3-33D6C2A34AFE}" dt="2026-02-15T12:47:38.655" v="59" actId="20577"/>
+          <ac:spMkLst>
+            <pc:docMk/>
+            <pc:sldMk cId="4187096032" sldId="265"/>
+            <ac:spMk id="4" creationId="{E3584A2A-A683-128B-242F-7EE9E23F61CD}"/>
+          </ac:spMkLst>
+        </pc:spChg>
+      </pc:sldChg>
+    </pc:docChg>
+  </pc:docChgLst>
+</pc:chgInfo>
+</file>
+
 <file path=ppt/notesMasters/notesMaster1.xml><?xml version="1.0" encoding="utf-8"?>
 <p:notesMaster xmlns:a="http://schemas.openxmlformats.org/drawingml/2006/main" xmlns:r="http://schemas.openxmlformats.org/officeDocument/2006/relationships" xmlns:p="http://schemas.openxmlformats.org/presentationml/2006/main">
   <p:cSld>
@@ -205,7 +257,7 @@
           <a:p>
             <a:fld id="{6EA21E39-0CF7-444B-9E08-38521256C5BD}" type="datetimeFigureOut">
               <a:rPr kumimoji="1" lang="ja-JP" altLang="en-US" smtClean="0"/>
-              <a:t>2026/2/11</a:t>
+              <a:t>2026/2/16</a:t>
             </a:fld>
             <a:endParaRPr kumimoji="1" lang="ja-JP" altLang="en-US"/>
           </a:p>
@@ -1132,7 +1184,7 @@
           <a:p>
             <a:r>
               <a:rPr lang="ja-JP" altLang="en-US" dirty="0"/>
-              <a:t>ログインが完了すると、右下のように図のように旅行一覧画面が表示され、これまでに作成した旅行カードが一覧で確認できます。</a:t>
+              <a:t>ログインが完了すると、右下の図のように旅行一覧画面が表示され、これまでに作成した旅行カードが一覧で確認できます。</a:t>
             </a:r>
             <a:endParaRPr lang="en-US" altLang="ja-JP" dirty="0"/>
           </a:p>
@@ -2086,9 +2138,9 @@
           <a:bodyPr/>
           <a:lstStyle/>
           <a:p>
-            <a:fld id="{02624D2A-0E4D-43B2-850D-28BC4303C5D8}" type="datetimeFigureOut">
+            <a:fld id="{8E831569-FD31-4A48-80FE-540CE9526AE4}" type="datetime1">
               <a:rPr kumimoji="1" lang="ja-JP" altLang="en-US" smtClean="0"/>
-              <a:t>2026/2/11</a:t>
+              <a:t>2026/2/16</a:t>
             </a:fld>
             <a:endParaRPr kumimoji="1" lang="ja-JP" altLang="en-US"/>
           </a:p>
@@ -2316,9 +2368,9 @@
           <a:bodyPr/>
           <a:lstStyle/>
           <a:p>
-            <a:fld id="{02624D2A-0E4D-43B2-850D-28BC4303C5D8}" type="datetimeFigureOut">
+            <a:fld id="{0EA6CE7E-73C3-4587-A05D-6EB5CCC3DB2E}" type="datetime1">
               <a:rPr kumimoji="1" lang="ja-JP" altLang="en-US" smtClean="0"/>
-              <a:t>2026/2/11</a:t>
+              <a:t>2026/2/16</a:t>
             </a:fld>
             <a:endParaRPr kumimoji="1" lang="ja-JP" altLang="en-US"/>
           </a:p>
@@ -2556,9 +2608,9 @@
           <a:bodyPr/>
           <a:lstStyle/>
           <a:p>
-            <a:fld id="{02624D2A-0E4D-43B2-850D-28BC4303C5D8}" type="datetimeFigureOut">
+            <a:fld id="{1366004F-BD74-461A-8DBA-FFEA5834D865}" type="datetime1">
               <a:rPr kumimoji="1" lang="ja-JP" altLang="en-US" smtClean="0"/>
-              <a:t>2026/2/11</a:t>
+              <a:t>2026/2/16</a:t>
             </a:fld>
             <a:endParaRPr kumimoji="1" lang="ja-JP" altLang="en-US"/>
           </a:p>
@@ -2786,9 +2838,9 @@
           <a:bodyPr/>
           <a:lstStyle/>
           <a:p>
-            <a:fld id="{02624D2A-0E4D-43B2-850D-28BC4303C5D8}" type="datetimeFigureOut">
+            <a:fld id="{AB69B980-4ABD-485A-923E-2C1B2BA27F9B}" type="datetime1">
               <a:rPr kumimoji="1" lang="ja-JP" altLang="en-US" smtClean="0"/>
-              <a:t>2026/2/11</a:t>
+              <a:t>2026/2/16</a:t>
             </a:fld>
             <a:endParaRPr kumimoji="1" lang="ja-JP" altLang="en-US"/>
           </a:p>
@@ -3061,9 +3113,9 @@
           <a:bodyPr/>
           <a:lstStyle/>
           <a:p>
-            <a:fld id="{02624D2A-0E4D-43B2-850D-28BC4303C5D8}" type="datetimeFigureOut">
+            <a:fld id="{947A87AB-BB1D-4ADF-BDF3-E951089FB5FD}" type="datetime1">
               <a:rPr kumimoji="1" lang="ja-JP" altLang="en-US" smtClean="0"/>
-              <a:t>2026/2/11</a:t>
+              <a:t>2026/2/16</a:t>
             </a:fld>
             <a:endParaRPr kumimoji="1" lang="ja-JP" altLang="en-US"/>
           </a:p>
@@ -3390,9 +3442,9 @@
           <a:bodyPr/>
           <a:lstStyle/>
           <a:p>
-            <a:fld id="{02624D2A-0E4D-43B2-850D-28BC4303C5D8}" type="datetimeFigureOut">
+            <a:fld id="{3E059AD7-E96B-43D5-B779-6505AECC6060}" type="datetime1">
               <a:rPr kumimoji="1" lang="ja-JP" altLang="en-US" smtClean="0"/>
-              <a:t>2026/2/11</a:t>
+              <a:t>2026/2/16</a:t>
             </a:fld>
             <a:endParaRPr kumimoji="1" lang="ja-JP" altLang="en-US"/>
           </a:p>
@@ -3866,9 +3918,9 @@
           <a:bodyPr/>
           <a:lstStyle/>
           <a:p>
-            <a:fld id="{02624D2A-0E4D-43B2-850D-28BC4303C5D8}" type="datetimeFigureOut">
+            <a:fld id="{44506A68-5A56-4DEF-B877-3035D61D0CD0}" type="datetime1">
               <a:rPr kumimoji="1" lang="ja-JP" altLang="en-US" smtClean="0"/>
-              <a:t>2026/2/11</a:t>
+              <a:t>2026/2/16</a:t>
             </a:fld>
             <a:endParaRPr kumimoji="1" lang="ja-JP" altLang="en-US"/>
           </a:p>
@@ -4007,9 +4059,9 @@
           <a:bodyPr/>
           <a:lstStyle/>
           <a:p>
-            <a:fld id="{02624D2A-0E4D-43B2-850D-28BC4303C5D8}" type="datetimeFigureOut">
+            <a:fld id="{03920837-B3D9-43E5-8DFB-679C5247BD6C}" type="datetime1">
               <a:rPr kumimoji="1" lang="ja-JP" altLang="en-US" smtClean="0"/>
-              <a:t>2026/2/11</a:t>
+              <a:t>2026/2/16</a:t>
             </a:fld>
             <a:endParaRPr kumimoji="1" lang="ja-JP" altLang="en-US"/>
           </a:p>
@@ -4120,9 +4172,9 @@
           <a:bodyPr/>
           <a:lstStyle/>
           <a:p>
-            <a:fld id="{02624D2A-0E4D-43B2-850D-28BC4303C5D8}" type="datetimeFigureOut">
+            <a:fld id="{37059F3C-D301-42B7-B1CC-C1A1140C3EF7}" type="datetime1">
               <a:rPr kumimoji="1" lang="ja-JP" altLang="en-US" smtClean="0"/>
-              <a:t>2026/2/11</a:t>
+              <a:t>2026/2/16</a:t>
             </a:fld>
             <a:endParaRPr kumimoji="1" lang="ja-JP" altLang="en-US"/>
           </a:p>
@@ -4463,9 +4515,9 @@
           <a:bodyPr/>
           <a:lstStyle/>
           <a:p>
-            <a:fld id="{02624D2A-0E4D-43B2-850D-28BC4303C5D8}" type="datetimeFigureOut">
+            <a:fld id="{2EC7E67B-D690-4B4D-BB5C-0AD7E33E1DA3}" type="datetime1">
               <a:rPr kumimoji="1" lang="ja-JP" altLang="en-US" smtClean="0"/>
-              <a:t>2026/2/11</a:t>
+              <a:t>2026/2/16</a:t>
             </a:fld>
             <a:endParaRPr kumimoji="1" lang="ja-JP" altLang="en-US"/>
           </a:p>
@@ -4751,9 +4803,9 @@
           <a:bodyPr/>
           <a:lstStyle/>
           <a:p>
-            <a:fld id="{02624D2A-0E4D-43B2-850D-28BC4303C5D8}" type="datetimeFigureOut">
+            <a:fld id="{3CE9A838-4949-4C82-BA54-8570D33F9125}" type="datetime1">
               <a:rPr kumimoji="1" lang="ja-JP" altLang="en-US" smtClean="0"/>
-              <a:t>2026/2/11</a:t>
+              <a:t>2026/2/16</a:t>
             </a:fld>
             <a:endParaRPr kumimoji="1" lang="ja-JP" altLang="en-US"/>
           </a:p>
@@ -5024,9 +5076,9 @@
             </a:lvl1pPr>
           </a:lstStyle>
           <a:p>
-            <a:fld id="{02624D2A-0E4D-43B2-850D-28BC4303C5D8}" type="datetimeFigureOut">
+            <a:fld id="{F8611000-6761-490C-B574-D1910415438B}" type="datetime1">
               <a:rPr kumimoji="1" lang="ja-JP" altLang="en-US" smtClean="0"/>
-              <a:t>2026/2/11</a:t>
+              <a:t>2026/2/16</a:t>
             </a:fld>
             <a:endParaRPr kumimoji="1" lang="ja-JP" altLang="en-US"/>
           </a:p>
@@ -5143,6 +5195,7 @@
     <p:sldLayoutId id="2147483658" r:id="rId10"/>
     <p:sldLayoutId id="2147483659" r:id="rId11"/>
   </p:sldLayoutIdLst>
+  <p:hf hdr="0" ftr="0" dt="0"/>
   <p:txStyles>
     <p:titleStyle>
       <a:lvl1pPr algn="l" defTabSz="914400" rtl="0" eaLnBrk="1" latinLnBrk="0" hangingPunct="1">
@@ -5560,6 +5613,35 @@
           </a:p>
         </p:txBody>
       </p:sp>
+      <p:sp>
+        <p:nvSpPr>
+          <p:cNvPr id="4" name="スライド番号プレースホルダー 3">
+            <a:extLst>
+              <a:ext uri="{FF2B5EF4-FFF2-40B4-BE49-F238E27FC236}">
+                <a16:creationId xmlns:a16="http://schemas.microsoft.com/office/drawing/2014/main" id="{3BE360C5-07E3-66F3-37A9-63C0B88CF553}"/>
+              </a:ext>
+            </a:extLst>
+          </p:cNvPr>
+          <p:cNvSpPr>
+            <a:spLocks noGrp="1"/>
+          </p:cNvSpPr>
+          <p:nvPr>
+            <p:ph type="sldNum" sz="quarter" idx="12"/>
+          </p:nvPr>
+        </p:nvSpPr>
+        <p:spPr/>
+        <p:txBody>
+          <a:bodyPr/>
+          <a:lstStyle/>
+          <a:p>
+            <a:fld id="{C6309878-6D24-4D70-BFF3-5AFC9F28F968}" type="slidenum">
+              <a:rPr kumimoji="1" lang="ja-JP" altLang="en-US" smtClean="0"/>
+              <a:t>1</a:t>
+            </a:fld>
+            <a:endParaRPr kumimoji="1" lang="ja-JP" altLang="en-US"/>
+          </a:p>
+        </p:txBody>
+      </p:sp>
     </p:spTree>
     <p:extLst>
       <p:ext uri="{BB962C8B-B14F-4D97-AF65-F5344CB8AC3E}">
@@ -5999,6 +6081,35 @@
           </a:fontRef>
         </p:style>
       </p:cxnSp>
+      <p:sp>
+        <p:nvSpPr>
+          <p:cNvPr id="2" name="スライド番号プレースホルダー 1">
+            <a:extLst>
+              <a:ext uri="{FF2B5EF4-FFF2-40B4-BE49-F238E27FC236}">
+                <a16:creationId xmlns:a16="http://schemas.microsoft.com/office/drawing/2014/main" id="{6DF34DD9-34CA-EAA2-C75F-DA41251BE3BE}"/>
+              </a:ext>
+            </a:extLst>
+          </p:cNvPr>
+          <p:cNvSpPr>
+            <a:spLocks noGrp="1"/>
+          </p:cNvSpPr>
+          <p:nvPr>
+            <p:ph type="sldNum" sz="quarter" idx="12"/>
+          </p:nvPr>
+        </p:nvSpPr>
+        <p:spPr/>
+        <p:txBody>
+          <a:bodyPr/>
+          <a:lstStyle/>
+          <a:p>
+            <a:fld id="{C6309878-6D24-4D70-BFF3-5AFC9F28F968}" type="slidenum">
+              <a:rPr kumimoji="1" lang="ja-JP" altLang="en-US" smtClean="0"/>
+              <a:t>2</a:t>
+            </a:fld>
+            <a:endParaRPr kumimoji="1" lang="ja-JP" altLang="en-US"/>
+          </a:p>
+        </p:txBody>
+      </p:sp>
     </p:spTree>
     <p:extLst>
       <p:ext uri="{BB962C8B-B14F-4D97-AF65-F5344CB8AC3E}">
@@ -6362,6 +6473,35 @@
               <a:t>開発途中でユーザーの要望や新しいアイデアが出てきても、すぐに変更できるため、効率的に成果を上げることができた</a:t>
             </a:r>
             <a:endParaRPr kumimoji="1" lang="ja-JP" altLang="en-US" dirty="0"/>
+          </a:p>
+        </p:txBody>
+      </p:sp>
+      <p:sp>
+        <p:nvSpPr>
+          <p:cNvPr id="7" name="スライド番号プレースホルダー 6">
+            <a:extLst>
+              <a:ext uri="{FF2B5EF4-FFF2-40B4-BE49-F238E27FC236}">
+                <a16:creationId xmlns:a16="http://schemas.microsoft.com/office/drawing/2014/main" id="{C815AC10-44F6-F6EA-DDAA-1F1315EE1EE3}"/>
+              </a:ext>
+            </a:extLst>
+          </p:cNvPr>
+          <p:cNvSpPr>
+            <a:spLocks noGrp="1"/>
+          </p:cNvSpPr>
+          <p:nvPr>
+            <p:ph type="sldNum" sz="quarter" idx="12"/>
+          </p:nvPr>
+        </p:nvSpPr>
+        <p:spPr/>
+        <p:txBody>
+          <a:bodyPr/>
+          <a:lstStyle/>
+          <a:p>
+            <a:fld id="{C6309878-6D24-4D70-BFF3-5AFC9F28F968}" type="slidenum">
+              <a:rPr kumimoji="1" lang="ja-JP" altLang="en-US" smtClean="0"/>
+              <a:t>3</a:t>
+            </a:fld>
+            <a:endParaRPr kumimoji="1" lang="ja-JP" altLang="en-US"/>
           </a:p>
         </p:txBody>
       </p:sp>
@@ -6804,6 +6944,35 @@
           </a:fontRef>
         </p:style>
       </p:cxnSp>
+      <p:sp>
+        <p:nvSpPr>
+          <p:cNvPr id="5" name="スライド番号プレースホルダー 4">
+            <a:extLst>
+              <a:ext uri="{FF2B5EF4-FFF2-40B4-BE49-F238E27FC236}">
+                <a16:creationId xmlns:a16="http://schemas.microsoft.com/office/drawing/2014/main" id="{6215B542-A892-8A16-8328-836EE2CF9D0C}"/>
+              </a:ext>
+            </a:extLst>
+          </p:cNvPr>
+          <p:cNvSpPr>
+            <a:spLocks noGrp="1"/>
+          </p:cNvSpPr>
+          <p:nvPr>
+            <p:ph type="sldNum" sz="quarter" idx="12"/>
+          </p:nvPr>
+        </p:nvSpPr>
+        <p:spPr/>
+        <p:txBody>
+          <a:bodyPr/>
+          <a:lstStyle/>
+          <a:p>
+            <a:fld id="{C6309878-6D24-4D70-BFF3-5AFC9F28F968}" type="slidenum">
+              <a:rPr kumimoji="1" lang="ja-JP" altLang="en-US" smtClean="0"/>
+              <a:t>4</a:t>
+            </a:fld>
+            <a:endParaRPr kumimoji="1" lang="ja-JP" altLang="en-US"/>
+          </a:p>
+        </p:txBody>
+      </p:sp>
     </p:spTree>
     <p:extLst>
       <p:ext uri="{BB962C8B-B14F-4D97-AF65-F5344CB8AC3E}">
@@ -7249,6 +7418,35 @@
           </a:prstGeom>
         </p:spPr>
       </p:pic>
+      <p:sp>
+        <p:nvSpPr>
+          <p:cNvPr id="3" name="スライド番号プレースホルダー 2">
+            <a:extLst>
+              <a:ext uri="{FF2B5EF4-FFF2-40B4-BE49-F238E27FC236}">
+                <a16:creationId xmlns:a16="http://schemas.microsoft.com/office/drawing/2014/main" id="{F92E64A6-5560-FABD-1033-2BC20F0699EB}"/>
+              </a:ext>
+            </a:extLst>
+          </p:cNvPr>
+          <p:cNvSpPr>
+            <a:spLocks noGrp="1"/>
+          </p:cNvSpPr>
+          <p:nvPr>
+            <p:ph type="sldNum" sz="quarter" idx="12"/>
+          </p:nvPr>
+        </p:nvSpPr>
+        <p:spPr/>
+        <p:txBody>
+          <a:bodyPr/>
+          <a:lstStyle/>
+          <a:p>
+            <a:fld id="{C6309878-6D24-4D70-BFF3-5AFC9F28F968}" type="slidenum">
+              <a:rPr kumimoji="1" lang="ja-JP" altLang="en-US" smtClean="0"/>
+              <a:t>5</a:t>
+            </a:fld>
+            <a:endParaRPr kumimoji="1" lang="ja-JP" altLang="en-US"/>
+          </a:p>
+        </p:txBody>
+      </p:sp>
     </p:spTree>
     <p:extLst>
       <p:ext uri="{BB962C8B-B14F-4D97-AF65-F5344CB8AC3E}">
@@ -7642,6 +7840,35 @@
           </a:fontRef>
         </p:style>
       </p:cxnSp>
+      <p:sp>
+        <p:nvSpPr>
+          <p:cNvPr id="3" name="スライド番号プレースホルダー 2">
+            <a:extLst>
+              <a:ext uri="{FF2B5EF4-FFF2-40B4-BE49-F238E27FC236}">
+                <a16:creationId xmlns:a16="http://schemas.microsoft.com/office/drawing/2014/main" id="{363297D3-4F90-6B55-10AF-CAAA24C0BCA5}"/>
+              </a:ext>
+            </a:extLst>
+          </p:cNvPr>
+          <p:cNvSpPr>
+            <a:spLocks noGrp="1"/>
+          </p:cNvSpPr>
+          <p:nvPr>
+            <p:ph type="sldNum" sz="quarter" idx="12"/>
+          </p:nvPr>
+        </p:nvSpPr>
+        <p:spPr/>
+        <p:txBody>
+          <a:bodyPr/>
+          <a:lstStyle/>
+          <a:p>
+            <a:fld id="{C6309878-6D24-4D70-BFF3-5AFC9F28F968}" type="slidenum">
+              <a:rPr kumimoji="1" lang="ja-JP" altLang="en-US" smtClean="0"/>
+              <a:t>6</a:t>
+            </a:fld>
+            <a:endParaRPr kumimoji="1" lang="ja-JP" altLang="en-US"/>
+          </a:p>
+        </p:txBody>
+      </p:sp>
     </p:spTree>
     <p:extLst>
       <p:ext uri="{BB962C8B-B14F-4D97-AF65-F5344CB8AC3E}">
@@ -7837,7 +8064,7 @@
             </a:r>
             <a:r>
               <a:rPr lang="ja-JP" altLang="en-US" dirty="0"/>
-              <a:t>各旅行ごとに持ち物や準備項目を自由に編集できるチェックリスト編集機能</a:t>
+              <a:t>各旅行ごとに持ち物を自由に編集できるチェックリスト編集機能</a:t>
             </a:r>
           </a:p>
         </p:txBody>
@@ -7916,8 +8143,8 @@
         </p:nvSpPr>
         <p:spPr>
           <a:xfrm>
-            <a:off x="581024" y="4005442"/>
-            <a:ext cx="11610976" cy="646331"/>
+            <a:off x="581024" y="4186510"/>
+            <a:ext cx="11610976" cy="369332"/>
           </a:xfrm>
           <a:prstGeom prst="rect">
             <a:avLst/>
@@ -7932,7 +8159,7 @@
           <a:p>
             <a:r>
               <a:rPr lang="ja-JP" altLang="en-US" dirty="0"/>
-              <a:t>各項目のチェック状況を保持する機能を実装し</a:t>
+              <a:t>各項目のチェック状態を記録できるようにすることで</a:t>
             </a:r>
             <a:r>
               <a:rPr lang="en-US" altLang="ja-JP" dirty="0"/>
@@ -7940,39 +8167,42 @@
             </a:r>
             <a:r>
               <a:rPr lang="ja-JP" altLang="en-US" dirty="0"/>
-              <a:t>ユーザーが確認済みの持ち物を記録できる</a:t>
-            </a:r>
-            <a:r>
-              <a:rPr lang="en-US" altLang="ja-JP" dirty="0"/>
-              <a:t>. </a:t>
-            </a:r>
-          </a:p>
-          <a:p>
-            <a:r>
-              <a:rPr lang="ja-JP" altLang="en-US" dirty="0"/>
-              <a:t>これにより</a:t>
-            </a:r>
-            <a:r>
-              <a:rPr lang="en-US" altLang="ja-JP" dirty="0"/>
-              <a:t>, </a:t>
-            </a:r>
-            <a:r>
-              <a:rPr lang="ja-JP" altLang="en-US" dirty="0"/>
-              <a:t>準備の進捗状況を可視化しながら</a:t>
-            </a:r>
-            <a:r>
-              <a:rPr lang="en-US" altLang="ja-JP" dirty="0"/>
-              <a:t>, </a:t>
-            </a:r>
-            <a:r>
-              <a:rPr lang="ja-JP" altLang="en-US" dirty="0"/>
-              <a:t>持ち物の確認状況を一目で把握できるようになった</a:t>
+              <a:t>持ち物の確認状況を一目で把握可能にした</a:t>
             </a:r>
             <a:r>
               <a:rPr lang="en-US" altLang="ja-JP" dirty="0"/>
               <a:t>.</a:t>
             </a:r>
             <a:endParaRPr kumimoji="1" lang="ja-JP" altLang="en-US" dirty="0"/>
+          </a:p>
+        </p:txBody>
+      </p:sp>
+      <p:sp>
+        <p:nvSpPr>
+          <p:cNvPr id="4" name="スライド番号プレースホルダー 3">
+            <a:extLst>
+              <a:ext uri="{FF2B5EF4-FFF2-40B4-BE49-F238E27FC236}">
+                <a16:creationId xmlns:a16="http://schemas.microsoft.com/office/drawing/2014/main" id="{A6C07E60-5EFB-1A07-FC27-E3600BDBAF97}"/>
+              </a:ext>
+            </a:extLst>
+          </p:cNvPr>
+          <p:cNvSpPr>
+            <a:spLocks noGrp="1"/>
+          </p:cNvSpPr>
+          <p:nvPr>
+            <p:ph type="sldNum" sz="quarter" idx="12"/>
+          </p:nvPr>
+        </p:nvSpPr>
+        <p:spPr/>
+        <p:txBody>
+          <a:bodyPr/>
+          <a:lstStyle/>
+          <a:p>
+            <a:fld id="{C6309878-6D24-4D70-BFF3-5AFC9F28F968}" type="slidenum">
+              <a:rPr kumimoji="1" lang="ja-JP" altLang="en-US" smtClean="0"/>
+              <a:t>7</a:t>
+            </a:fld>
+            <a:endParaRPr kumimoji="1" lang="ja-JP" altLang="en-US"/>
           </a:p>
         </p:txBody>
       </p:sp>
@@ -8223,6 +8453,35 @@
               <a:t>旅行計画と準備を効率的に進められる旅行支援アプリ</a:t>
             </a:r>
             <a:endParaRPr kumimoji="1" lang="ja-JP" altLang="en-US" sz="2800" dirty="0"/>
+          </a:p>
+        </p:txBody>
+      </p:sp>
+      <p:sp>
+        <p:nvSpPr>
+          <p:cNvPr id="2" name="スライド番号プレースホルダー 1">
+            <a:extLst>
+              <a:ext uri="{FF2B5EF4-FFF2-40B4-BE49-F238E27FC236}">
+                <a16:creationId xmlns:a16="http://schemas.microsoft.com/office/drawing/2014/main" id="{4767560E-142F-AE94-50A1-38A47C62E3B0}"/>
+              </a:ext>
+            </a:extLst>
+          </p:cNvPr>
+          <p:cNvSpPr>
+            <a:spLocks noGrp="1"/>
+          </p:cNvSpPr>
+          <p:nvPr>
+            <p:ph type="sldNum" sz="quarter" idx="12"/>
+          </p:nvPr>
+        </p:nvSpPr>
+        <p:spPr/>
+        <p:txBody>
+          <a:bodyPr/>
+          <a:lstStyle/>
+          <a:p>
+            <a:fld id="{C6309878-6D24-4D70-BFF3-5AFC9F28F968}" type="slidenum">
+              <a:rPr kumimoji="1" lang="ja-JP" altLang="en-US" smtClean="0"/>
+              <a:t>8</a:t>
+            </a:fld>
+            <a:endParaRPr kumimoji="1" lang="ja-JP" altLang="en-US"/>
           </a:p>
         </p:txBody>
       </p:sp>
@@ -8445,13 +8704,13 @@
               <a:rPr lang="en-US" altLang="ja-JP" sz="2400" dirty="0">
                 <a:latin typeface="游ゴシック" panose="020B0400000000000000" pitchFamily="50" charset="-128"/>
               </a:rPr>
-              <a:t>[2]Django</a:t>
-            </a:r>
-            <a:r>
-              <a:rPr lang="ja-JP" altLang="en-US" sz="2400" dirty="0">
+              <a:t>[2</a:t>
+            </a:r>
+            <a:r>
+              <a:rPr lang="en-US" altLang="ja-JP" sz="2400">
                 <a:latin typeface="游ゴシック" panose="020B0400000000000000" pitchFamily="50" charset="-128"/>
               </a:rPr>
-              <a:t>ドキュメント</a:t>
+              <a:t>]Django</a:t>
             </a:r>
             <a:endParaRPr lang="en-US" altLang="ja-JP" sz="2400" dirty="0">
               <a:latin typeface="游ゴシック" panose="020B0400000000000000" pitchFamily="50" charset="-128"/>
@@ -8486,6 +8745,35 @@
           </a:p>
           <a:p>
             <a:endParaRPr kumimoji="1" lang="ja-JP" altLang="en-US" sz="1400" dirty="0"/>
+          </a:p>
+        </p:txBody>
+      </p:sp>
+      <p:sp>
+        <p:nvSpPr>
+          <p:cNvPr id="5" name="スライド番号プレースホルダー 4">
+            <a:extLst>
+              <a:ext uri="{FF2B5EF4-FFF2-40B4-BE49-F238E27FC236}">
+                <a16:creationId xmlns:a16="http://schemas.microsoft.com/office/drawing/2014/main" id="{0E1B9CAB-1698-6DD5-55D8-373778A37E5B}"/>
+              </a:ext>
+            </a:extLst>
+          </p:cNvPr>
+          <p:cNvSpPr>
+            <a:spLocks noGrp="1"/>
+          </p:cNvSpPr>
+          <p:nvPr>
+            <p:ph type="sldNum" sz="quarter" idx="12"/>
+          </p:nvPr>
+        </p:nvSpPr>
+        <p:spPr/>
+        <p:txBody>
+          <a:bodyPr/>
+          <a:lstStyle/>
+          <a:p>
+            <a:fld id="{C6309878-6D24-4D70-BFF3-5AFC9F28F968}" type="slidenum">
+              <a:rPr kumimoji="1" lang="ja-JP" altLang="en-US" smtClean="0"/>
+              <a:t>9</a:t>
+            </a:fld>
+            <a:endParaRPr kumimoji="1" lang="ja-JP" altLang="en-US"/>
           </a:p>
         </p:txBody>
       </p:sp>
